--- a/Share/每周命题游戏设计/李硕/救援.pptx
+++ b/Share/每周命题游戏设计/李硕/救援.pptx
@@ -5,8 +5,12 @@
     <p:sldMasterId id="2147483648" r:id="rId1"/>
   </p:sldMasterIdLst>
   <p:sldIdLst>
-    <p:sldId id="256" r:id="rId3"/>
-    <p:sldId id="257" r:id="rId4"/>
+    <p:sldId id="256" r:id="rId2"/>
+    <p:sldId id="257" r:id="rId3"/>
+    <p:sldId id="261" r:id="rId4"/>
+    <p:sldId id="258" r:id="rId5"/>
+    <p:sldId id="259" r:id="rId6"/>
+    <p:sldId id="260" r:id="rId7"/>
   </p:sldIdLst>
   <p:sldSz cx="12192000" cy="6858000"/>
   <p:notesSz cx="6858000" cy="9144000"/>
@@ -105,6 +109,11 @@
       </a:defRPr>
     </a:lvl9pPr>
   </p:defaultTextStyle>
+  <p:extLst>
+    <p:ext uri="{EFAFB233-063F-42B5-8137-9DF3F51BA10A}">
+      <p15:sldGuideLst xmlns:p15="http://schemas.microsoft.com/office/powerpoint/2012/main"/>
+    </p:ext>
+  </p:extLst>
 </p:presentation>
 </file>
 
@@ -239,6 +248,7 @@
           <a:p>
             <a:fld id="{D997B5FA-0921-464F-AAE1-844C04324D75}" type="datetimeFigureOut">
               <a:rPr lang="zh-CN" altLang="en-US" smtClean="0"/>
+              <a:t>2018/7/30</a:t>
             </a:fld>
             <a:endParaRPr lang="zh-CN" altLang="en-US"/>
           </a:p>
@@ -280,6 +290,7 @@
           <a:p>
             <a:fld id="{565CE74E-AB26-4998-AD42-012C4C1AD076}" type="slidenum">
               <a:rPr lang="zh-CN" altLang="en-US" smtClean="0"/>
+              <a:t>‹#›</a:t>
             </a:fld>
             <a:endParaRPr lang="zh-CN" altLang="en-US"/>
           </a:p>
@@ -353,7 +364,6 @@
               <a:rPr lang="zh-CN" altLang="en-US" smtClean="0"/>
               <a:t>单击此处编辑母版文本样式</a:t>
             </a:r>
-            <a:endParaRPr lang="zh-CN" altLang="en-US" smtClean="0"/>
           </a:p>
           <a:p>
             <a:pPr lvl="1"/>
@@ -361,7 +371,6 @@
               <a:rPr lang="zh-CN" altLang="en-US" smtClean="0"/>
               <a:t>第二级</a:t>
             </a:r>
-            <a:endParaRPr lang="zh-CN" altLang="en-US" smtClean="0"/>
           </a:p>
           <a:p>
             <a:pPr lvl="2"/>
@@ -369,7 +378,6 @@
               <a:rPr lang="zh-CN" altLang="en-US" smtClean="0"/>
               <a:t>第三级</a:t>
             </a:r>
-            <a:endParaRPr lang="zh-CN" altLang="en-US" smtClean="0"/>
           </a:p>
           <a:p>
             <a:pPr lvl="3"/>
@@ -377,7 +385,6 @@
               <a:rPr lang="zh-CN" altLang="en-US" smtClean="0"/>
               <a:t>第四级</a:t>
             </a:r>
-            <a:endParaRPr lang="zh-CN" altLang="en-US" smtClean="0"/>
           </a:p>
           <a:p>
             <a:pPr lvl="4"/>
@@ -406,6 +413,7 @@
           <a:p>
             <a:fld id="{D997B5FA-0921-464F-AAE1-844C04324D75}" type="datetimeFigureOut">
               <a:rPr lang="zh-CN" altLang="en-US" smtClean="0"/>
+              <a:t>2018/7/30</a:t>
             </a:fld>
             <a:endParaRPr lang="zh-CN" altLang="en-US"/>
           </a:p>
@@ -447,6 +455,7 @@
           <a:p>
             <a:fld id="{565CE74E-AB26-4998-AD42-012C4C1AD076}" type="slidenum">
               <a:rPr lang="zh-CN" altLang="en-US" smtClean="0"/>
+              <a:t>‹#›</a:t>
             </a:fld>
             <a:endParaRPr lang="zh-CN" altLang="en-US"/>
           </a:p>
@@ -530,7 +539,6 @@
               <a:rPr lang="zh-CN" altLang="en-US" smtClean="0"/>
               <a:t>单击此处编辑母版文本样式</a:t>
             </a:r>
-            <a:endParaRPr lang="zh-CN" altLang="en-US" smtClean="0"/>
           </a:p>
           <a:p>
             <a:pPr lvl="1"/>
@@ -538,7 +546,6 @@
               <a:rPr lang="zh-CN" altLang="en-US" smtClean="0"/>
               <a:t>第二级</a:t>
             </a:r>
-            <a:endParaRPr lang="zh-CN" altLang="en-US" smtClean="0"/>
           </a:p>
           <a:p>
             <a:pPr lvl="2"/>
@@ -546,7 +553,6 @@
               <a:rPr lang="zh-CN" altLang="en-US" smtClean="0"/>
               <a:t>第三级</a:t>
             </a:r>
-            <a:endParaRPr lang="zh-CN" altLang="en-US" smtClean="0"/>
           </a:p>
           <a:p>
             <a:pPr lvl="3"/>
@@ -554,7 +560,6 @@
               <a:rPr lang="zh-CN" altLang="en-US" smtClean="0"/>
               <a:t>第四级</a:t>
             </a:r>
-            <a:endParaRPr lang="zh-CN" altLang="en-US" smtClean="0"/>
           </a:p>
           <a:p>
             <a:pPr lvl="4"/>
@@ -583,6 +588,7 @@
           <a:p>
             <a:fld id="{D997B5FA-0921-464F-AAE1-844C04324D75}" type="datetimeFigureOut">
               <a:rPr lang="zh-CN" altLang="en-US" smtClean="0"/>
+              <a:t>2018/7/30</a:t>
             </a:fld>
             <a:endParaRPr lang="zh-CN" altLang="en-US"/>
           </a:p>
@@ -624,6 +630,7 @@
           <a:p>
             <a:fld id="{565CE74E-AB26-4998-AD42-012C4C1AD076}" type="slidenum">
               <a:rPr lang="zh-CN" altLang="en-US" smtClean="0"/>
+              <a:t>‹#›</a:t>
             </a:fld>
             <a:endParaRPr lang="zh-CN" altLang="en-US"/>
           </a:p>
@@ -697,7 +704,6 @@
               <a:rPr lang="zh-CN" altLang="en-US" smtClean="0"/>
               <a:t>单击此处编辑母版文本样式</a:t>
             </a:r>
-            <a:endParaRPr lang="zh-CN" altLang="en-US" smtClean="0"/>
           </a:p>
           <a:p>
             <a:pPr lvl="1"/>
@@ -705,7 +711,6 @@
               <a:rPr lang="zh-CN" altLang="en-US" smtClean="0"/>
               <a:t>第二级</a:t>
             </a:r>
-            <a:endParaRPr lang="zh-CN" altLang="en-US" smtClean="0"/>
           </a:p>
           <a:p>
             <a:pPr lvl="2"/>
@@ -713,7 +718,6 @@
               <a:rPr lang="zh-CN" altLang="en-US" smtClean="0"/>
               <a:t>第三级</a:t>
             </a:r>
-            <a:endParaRPr lang="zh-CN" altLang="en-US" smtClean="0"/>
           </a:p>
           <a:p>
             <a:pPr lvl="3"/>
@@ -721,7 +725,6 @@
               <a:rPr lang="zh-CN" altLang="en-US" smtClean="0"/>
               <a:t>第四级</a:t>
             </a:r>
-            <a:endParaRPr lang="zh-CN" altLang="en-US" smtClean="0"/>
           </a:p>
           <a:p>
             <a:pPr lvl="4"/>
@@ -750,6 +753,7 @@
           <a:p>
             <a:fld id="{D997B5FA-0921-464F-AAE1-844C04324D75}" type="datetimeFigureOut">
               <a:rPr lang="zh-CN" altLang="en-US" smtClean="0"/>
+              <a:t>2018/7/30</a:t>
             </a:fld>
             <a:endParaRPr lang="zh-CN" altLang="en-US"/>
           </a:p>
@@ -791,6 +795,7 @@
           <a:p>
             <a:fld id="{565CE74E-AB26-4998-AD42-012C4C1AD076}" type="slidenum">
               <a:rPr lang="zh-CN" altLang="en-US" smtClean="0"/>
+              <a:t>‹#›</a:t>
             </a:fld>
             <a:endParaRPr lang="zh-CN" altLang="en-US"/>
           </a:p>
@@ -969,7 +974,6 @@
               <a:rPr lang="zh-CN" altLang="en-US" smtClean="0"/>
               <a:t>单击此处编辑母版文本样式</a:t>
             </a:r>
-            <a:endParaRPr lang="zh-CN" altLang="en-US" smtClean="0"/>
           </a:p>
         </p:txBody>
       </p:sp>
@@ -990,6 +994,7 @@
           <a:p>
             <a:fld id="{D997B5FA-0921-464F-AAE1-844C04324D75}" type="datetimeFigureOut">
               <a:rPr lang="zh-CN" altLang="en-US" smtClean="0"/>
+              <a:t>2018/7/30</a:t>
             </a:fld>
             <a:endParaRPr lang="zh-CN" altLang="en-US"/>
           </a:p>
@@ -1031,6 +1036,7 @@
           <a:p>
             <a:fld id="{565CE74E-AB26-4998-AD42-012C4C1AD076}" type="slidenum">
               <a:rPr lang="zh-CN" altLang="en-US" smtClean="0"/>
+              <a:t>‹#›</a:t>
             </a:fld>
             <a:endParaRPr lang="zh-CN" altLang="en-US"/>
           </a:p>
@@ -1109,7 +1115,6 @@
               <a:rPr lang="zh-CN" altLang="en-US" smtClean="0"/>
               <a:t>单击此处编辑母版文本样式</a:t>
             </a:r>
-            <a:endParaRPr lang="zh-CN" altLang="en-US" smtClean="0"/>
           </a:p>
           <a:p>
             <a:pPr lvl="1"/>
@@ -1117,7 +1122,6 @@
               <a:rPr lang="zh-CN" altLang="en-US" smtClean="0"/>
               <a:t>第二级</a:t>
             </a:r>
-            <a:endParaRPr lang="zh-CN" altLang="en-US" smtClean="0"/>
           </a:p>
           <a:p>
             <a:pPr lvl="2"/>
@@ -1125,7 +1129,6 @@
               <a:rPr lang="zh-CN" altLang="en-US" smtClean="0"/>
               <a:t>第三级</a:t>
             </a:r>
-            <a:endParaRPr lang="zh-CN" altLang="en-US" smtClean="0"/>
           </a:p>
           <a:p>
             <a:pPr lvl="3"/>
@@ -1133,7 +1136,6 @@
               <a:rPr lang="zh-CN" altLang="en-US" smtClean="0"/>
               <a:t>第四级</a:t>
             </a:r>
-            <a:endParaRPr lang="zh-CN" altLang="en-US" smtClean="0"/>
           </a:p>
           <a:p>
             <a:pPr lvl="4"/>
@@ -1170,7 +1172,6 @@
               <a:rPr lang="zh-CN" altLang="en-US" smtClean="0"/>
               <a:t>单击此处编辑母版文本样式</a:t>
             </a:r>
-            <a:endParaRPr lang="zh-CN" altLang="en-US" smtClean="0"/>
           </a:p>
           <a:p>
             <a:pPr lvl="1"/>
@@ -1178,7 +1179,6 @@
               <a:rPr lang="zh-CN" altLang="en-US" smtClean="0"/>
               <a:t>第二级</a:t>
             </a:r>
-            <a:endParaRPr lang="zh-CN" altLang="en-US" smtClean="0"/>
           </a:p>
           <a:p>
             <a:pPr lvl="2"/>
@@ -1186,7 +1186,6 @@
               <a:rPr lang="zh-CN" altLang="en-US" smtClean="0"/>
               <a:t>第三级</a:t>
             </a:r>
-            <a:endParaRPr lang="zh-CN" altLang="en-US" smtClean="0"/>
           </a:p>
           <a:p>
             <a:pPr lvl="3"/>
@@ -1194,7 +1193,6 @@
               <a:rPr lang="zh-CN" altLang="en-US" smtClean="0"/>
               <a:t>第四级</a:t>
             </a:r>
-            <a:endParaRPr lang="zh-CN" altLang="en-US" smtClean="0"/>
           </a:p>
           <a:p>
             <a:pPr lvl="4"/>
@@ -1223,6 +1221,7 @@
           <a:p>
             <a:fld id="{D997B5FA-0921-464F-AAE1-844C04324D75}" type="datetimeFigureOut">
               <a:rPr lang="zh-CN" altLang="en-US" smtClean="0"/>
+              <a:t>2018/7/30</a:t>
             </a:fld>
             <a:endParaRPr lang="zh-CN" altLang="en-US"/>
           </a:p>
@@ -1264,6 +1263,7 @@
           <a:p>
             <a:fld id="{565CE74E-AB26-4998-AD42-012C4C1AD076}" type="slidenum">
               <a:rPr lang="zh-CN" altLang="en-US" smtClean="0"/>
+              <a:t>‹#›</a:t>
             </a:fld>
             <a:endParaRPr lang="zh-CN" altLang="en-US"/>
           </a:p>
@@ -1384,7 +1384,6 @@
               <a:rPr lang="zh-CN" altLang="en-US" smtClean="0"/>
               <a:t>单击此处编辑母版文本样式</a:t>
             </a:r>
-            <a:endParaRPr lang="zh-CN" altLang="en-US" smtClean="0"/>
           </a:p>
         </p:txBody>
       </p:sp>
@@ -1413,7 +1412,6 @@
               <a:rPr lang="zh-CN" altLang="en-US" smtClean="0"/>
               <a:t>单击此处编辑母版文本样式</a:t>
             </a:r>
-            <a:endParaRPr lang="zh-CN" altLang="en-US" smtClean="0"/>
           </a:p>
           <a:p>
             <a:pPr lvl="1"/>
@@ -1421,7 +1419,6 @@
               <a:rPr lang="zh-CN" altLang="en-US" smtClean="0"/>
               <a:t>第二级</a:t>
             </a:r>
-            <a:endParaRPr lang="zh-CN" altLang="en-US" smtClean="0"/>
           </a:p>
           <a:p>
             <a:pPr lvl="2"/>
@@ -1429,7 +1426,6 @@
               <a:rPr lang="zh-CN" altLang="en-US" smtClean="0"/>
               <a:t>第三级</a:t>
             </a:r>
-            <a:endParaRPr lang="zh-CN" altLang="en-US" smtClean="0"/>
           </a:p>
           <a:p>
             <a:pPr lvl="3"/>
@@ -1437,7 +1433,6 @@
               <a:rPr lang="zh-CN" altLang="en-US" smtClean="0"/>
               <a:t>第四级</a:t>
             </a:r>
-            <a:endParaRPr lang="zh-CN" altLang="en-US" smtClean="0"/>
           </a:p>
           <a:p>
             <a:pPr lvl="4"/>
@@ -1511,7 +1506,6 @@
               <a:rPr lang="zh-CN" altLang="en-US" smtClean="0"/>
               <a:t>单击此处编辑母版文本样式</a:t>
             </a:r>
-            <a:endParaRPr lang="zh-CN" altLang="en-US" smtClean="0"/>
           </a:p>
         </p:txBody>
       </p:sp>
@@ -1540,7 +1534,6 @@
               <a:rPr lang="zh-CN" altLang="en-US" smtClean="0"/>
               <a:t>单击此处编辑母版文本样式</a:t>
             </a:r>
-            <a:endParaRPr lang="zh-CN" altLang="en-US" smtClean="0"/>
           </a:p>
           <a:p>
             <a:pPr lvl="1"/>
@@ -1548,7 +1541,6 @@
               <a:rPr lang="zh-CN" altLang="en-US" smtClean="0"/>
               <a:t>第二级</a:t>
             </a:r>
-            <a:endParaRPr lang="zh-CN" altLang="en-US" smtClean="0"/>
           </a:p>
           <a:p>
             <a:pPr lvl="2"/>
@@ -1556,7 +1548,6 @@
               <a:rPr lang="zh-CN" altLang="en-US" smtClean="0"/>
               <a:t>第三级</a:t>
             </a:r>
-            <a:endParaRPr lang="zh-CN" altLang="en-US" smtClean="0"/>
           </a:p>
           <a:p>
             <a:pPr lvl="3"/>
@@ -1564,7 +1555,6 @@
               <a:rPr lang="zh-CN" altLang="en-US" smtClean="0"/>
               <a:t>第四级</a:t>
             </a:r>
-            <a:endParaRPr lang="zh-CN" altLang="en-US" smtClean="0"/>
           </a:p>
           <a:p>
             <a:pPr lvl="4"/>
@@ -1593,6 +1583,7 @@
           <a:p>
             <a:fld id="{D997B5FA-0921-464F-AAE1-844C04324D75}" type="datetimeFigureOut">
               <a:rPr lang="zh-CN" altLang="en-US" smtClean="0"/>
+              <a:t>2018/7/30</a:t>
             </a:fld>
             <a:endParaRPr lang="zh-CN" altLang="en-US"/>
           </a:p>
@@ -1634,6 +1625,7 @@
           <a:p>
             <a:fld id="{565CE74E-AB26-4998-AD42-012C4C1AD076}" type="slidenum">
               <a:rPr lang="zh-CN" altLang="en-US" smtClean="0"/>
+              <a:t>‹#›</a:t>
             </a:fld>
             <a:endParaRPr lang="zh-CN" altLang="en-US"/>
           </a:p>
@@ -1704,6 +1696,7 @@
           <a:p>
             <a:fld id="{D997B5FA-0921-464F-AAE1-844C04324D75}" type="datetimeFigureOut">
               <a:rPr lang="zh-CN" altLang="en-US" smtClean="0"/>
+              <a:t>2018/7/30</a:t>
             </a:fld>
             <a:endParaRPr lang="zh-CN" altLang="en-US"/>
           </a:p>
@@ -1745,6 +1738,7 @@
           <a:p>
             <a:fld id="{565CE74E-AB26-4998-AD42-012C4C1AD076}" type="slidenum">
               <a:rPr lang="zh-CN" altLang="en-US" smtClean="0"/>
+              <a:t>‹#›</a:t>
             </a:fld>
             <a:endParaRPr lang="zh-CN" altLang="en-US"/>
           </a:p>
@@ -1792,6 +1786,7 @@
           <a:p>
             <a:fld id="{D997B5FA-0921-464F-AAE1-844C04324D75}" type="datetimeFigureOut">
               <a:rPr lang="zh-CN" altLang="en-US" smtClean="0"/>
+              <a:t>2018/7/30</a:t>
             </a:fld>
             <a:endParaRPr lang="zh-CN" altLang="en-US"/>
           </a:p>
@@ -1833,6 +1828,7 @@
           <a:p>
             <a:fld id="{565CE74E-AB26-4998-AD42-012C4C1AD076}" type="slidenum">
               <a:rPr lang="zh-CN" altLang="en-US" smtClean="0"/>
+              <a:t>‹#›</a:t>
             </a:fld>
             <a:endParaRPr lang="zh-CN" altLang="en-US"/>
           </a:p>
@@ -1948,7 +1944,6 @@
               <a:rPr lang="zh-CN" altLang="en-US" smtClean="0"/>
               <a:t>单击此处编辑母版文本样式</a:t>
             </a:r>
-            <a:endParaRPr lang="zh-CN" altLang="en-US" smtClean="0"/>
           </a:p>
           <a:p>
             <a:pPr lvl="1"/>
@@ -1956,7 +1951,6 @@
               <a:rPr lang="zh-CN" altLang="en-US" smtClean="0"/>
               <a:t>第二级</a:t>
             </a:r>
-            <a:endParaRPr lang="zh-CN" altLang="en-US" smtClean="0"/>
           </a:p>
           <a:p>
             <a:pPr lvl="2"/>
@@ -1964,7 +1958,6 @@
               <a:rPr lang="zh-CN" altLang="en-US" smtClean="0"/>
               <a:t>第三级</a:t>
             </a:r>
-            <a:endParaRPr lang="zh-CN" altLang="en-US" smtClean="0"/>
           </a:p>
           <a:p>
             <a:pPr lvl="3"/>
@@ -1972,7 +1965,6 @@
               <a:rPr lang="zh-CN" altLang="en-US" smtClean="0"/>
               <a:t>第四级</a:t>
             </a:r>
-            <a:endParaRPr lang="zh-CN" altLang="en-US" smtClean="0"/>
           </a:p>
           <a:p>
             <a:pPr lvl="4"/>
@@ -2046,7 +2038,6 @@
               <a:rPr lang="zh-CN" altLang="en-US" smtClean="0"/>
               <a:t>单击此处编辑母版文本样式</a:t>
             </a:r>
-            <a:endParaRPr lang="zh-CN" altLang="en-US" smtClean="0"/>
           </a:p>
         </p:txBody>
       </p:sp>
@@ -2067,6 +2058,7 @@
           <a:p>
             <a:fld id="{D997B5FA-0921-464F-AAE1-844C04324D75}" type="datetimeFigureOut">
               <a:rPr lang="zh-CN" altLang="en-US" smtClean="0"/>
+              <a:t>2018/7/30</a:t>
             </a:fld>
             <a:endParaRPr lang="zh-CN" altLang="en-US"/>
           </a:p>
@@ -2108,6 +2100,7 @@
           <a:p>
             <a:fld id="{565CE74E-AB26-4998-AD42-012C4C1AD076}" type="slidenum">
               <a:rPr lang="zh-CN" altLang="en-US" smtClean="0"/>
+              <a:t>‹#›</a:t>
             </a:fld>
             <a:endParaRPr lang="zh-CN" altLang="en-US"/>
           </a:p>
@@ -2293,7 +2286,6 @@
               <a:rPr lang="zh-CN" altLang="en-US" smtClean="0"/>
               <a:t>单击此处编辑母版文本样式</a:t>
             </a:r>
-            <a:endParaRPr lang="zh-CN" altLang="en-US" smtClean="0"/>
           </a:p>
         </p:txBody>
       </p:sp>
@@ -2314,6 +2306,7 @@
           <a:p>
             <a:fld id="{D997B5FA-0921-464F-AAE1-844C04324D75}" type="datetimeFigureOut">
               <a:rPr lang="zh-CN" altLang="en-US" smtClean="0"/>
+              <a:t>2018/7/30</a:t>
             </a:fld>
             <a:endParaRPr lang="zh-CN" altLang="en-US"/>
           </a:p>
@@ -2355,6 +2348,7 @@
           <a:p>
             <a:fld id="{565CE74E-AB26-4998-AD42-012C4C1AD076}" type="slidenum">
               <a:rPr lang="zh-CN" altLang="en-US" smtClean="0"/>
+              <a:t>‹#›</a:t>
             </a:fld>
             <a:endParaRPr lang="zh-CN" altLang="en-US"/>
           </a:p>
@@ -2453,7 +2447,6 @@
               <a:rPr lang="zh-CN" altLang="en-US" smtClean="0"/>
               <a:t>单击此处编辑母版文本样式</a:t>
             </a:r>
-            <a:endParaRPr lang="zh-CN" altLang="en-US" smtClean="0"/>
           </a:p>
           <a:p>
             <a:pPr lvl="1"/>
@@ -2461,7 +2454,6 @@
               <a:rPr lang="zh-CN" altLang="en-US" smtClean="0"/>
               <a:t>第二级</a:t>
             </a:r>
-            <a:endParaRPr lang="zh-CN" altLang="en-US" smtClean="0"/>
           </a:p>
           <a:p>
             <a:pPr lvl="2"/>
@@ -2469,7 +2461,6 @@
               <a:rPr lang="zh-CN" altLang="en-US" smtClean="0"/>
               <a:t>第三级</a:t>
             </a:r>
-            <a:endParaRPr lang="zh-CN" altLang="en-US" smtClean="0"/>
           </a:p>
           <a:p>
             <a:pPr lvl="3"/>
@@ -2477,7 +2468,6 @@
               <a:rPr lang="zh-CN" altLang="en-US" smtClean="0"/>
               <a:t>第四级</a:t>
             </a:r>
-            <a:endParaRPr lang="zh-CN" altLang="en-US" smtClean="0"/>
           </a:p>
           <a:p>
             <a:pPr lvl="4"/>
@@ -2524,6 +2514,7 @@
           <a:p>
             <a:fld id="{D997B5FA-0921-464F-AAE1-844C04324D75}" type="datetimeFigureOut">
               <a:rPr lang="zh-CN" altLang="en-US" smtClean="0"/>
+              <a:t>2018/7/30</a:t>
             </a:fld>
             <a:endParaRPr lang="zh-CN" altLang="en-US"/>
           </a:p>
@@ -2601,6 +2592,7 @@
           <a:p>
             <a:fld id="{565CE74E-AB26-4998-AD42-012C4C1AD076}" type="slidenum">
               <a:rPr lang="zh-CN" altLang="en-US" smtClean="0"/>
+              <a:t>‹#›</a:t>
             </a:fld>
             <a:endParaRPr lang="zh-CN" altLang="en-US"/>
           </a:p>
@@ -2911,7 +2903,7 @@
     <p:bg>
       <p:bgPr>
         <a:blipFill rotWithShape="1">
-          <a:blip r:embed="rId1"/>
+          <a:blip r:embed="rId2"/>
           <a:stretch>
             <a:fillRect/>
           </a:stretch>
@@ -2925,7 +2917,14 @@
         <p:cNvGrpSpPr/>
         <p:nvPr/>
       </p:nvGrpSpPr>
-      <p:grpSpPr/>
+      <p:grpSpPr>
+        <a:xfrm>
+          <a:off x="0" y="0"/>
+          <a:ext cx="0" cy="0"/>
+          <a:chOff x="0" y="0"/>
+          <a:chExt cx="0" cy="0"/>
+        </a:xfrm>
+      </p:grpSpPr>
       <p:sp>
         <p:nvSpPr>
           <p:cNvPr id="4" name="矩形 3"/>
@@ -2967,6 +2966,7 @@
         </p:style>
         <p:txBody>
           <a:bodyPr rtlCol="0" anchor="ctr"/>
+          <a:lstStyle/>
           <a:p>
             <a:pPr algn="ctr"/>
             <a:r>
@@ -2974,9 +2974,16 @@
                 <a:latin typeface="微软雅黑" panose="020B0503020204020204" charset="-122"/>
                 <a:ea typeface="微软雅黑" panose="020B0503020204020204" charset="-122"/>
               </a:rPr>
-              <a:t>救 援</a:t>
-            </a:r>
-            <a:endParaRPr lang="zh-CN" altLang="en-US" sz="10000">
+              <a:t>救 </a:t>
+            </a:r>
+            <a:r>
+              <a:rPr lang="zh-CN" altLang="en-US" sz="10000" smtClean="0">
+                <a:latin typeface="微软雅黑" panose="020B0503020204020204" charset="-122"/>
+                <a:ea typeface="微软雅黑" panose="020B0503020204020204" charset="-122"/>
+              </a:rPr>
+              <a:t>援</a:t>
+            </a:r>
+            <a:endParaRPr lang="zh-CN" altLang="en-US" sz="10000" dirty="0">
               <a:latin typeface="微软雅黑" panose="020B0503020204020204" charset="-122"/>
               <a:ea typeface="微软雅黑" panose="020B0503020204020204" charset="-122"/>
             </a:endParaRPr>
@@ -2988,6 +2995,13 @@
   <p:clrMapOvr>
     <a:masterClrMapping/>
   </p:clrMapOvr>
+  <p:timing>
+    <p:tnLst>
+      <p:par>
+        <p:cTn id="1" dur="indefinite" restart="never" nodeType="tmRoot"/>
+      </p:par>
+    </p:tnLst>
+  </p:timing>
 </p:sld>
 </file>
 
@@ -3008,7 +3022,14 @@
         <p:cNvGrpSpPr/>
         <p:nvPr/>
       </p:nvGrpSpPr>
-      <p:grpSpPr/>
+      <p:grpSpPr>
+        <a:xfrm>
+          <a:off x="0" y="0"/>
+          <a:ext cx="0" cy="0"/>
+          <a:chOff x="0" y="0"/>
+          <a:chExt cx="0" cy="0"/>
+        </a:xfrm>
+      </p:grpSpPr>
       <p:sp>
         <p:nvSpPr>
           <p:cNvPr id="4" name="等腰三角形 3"/>
@@ -3048,6 +3069,7 @@
         </p:style>
         <p:txBody>
           <a:bodyPr rtlCol="0" anchor="ctr"/>
+          <a:lstStyle/>
           <a:p>
             <a:pPr algn="ctr"/>
             <a:endParaRPr lang="zh-CN" altLang="en-US"/>
@@ -3093,6 +3115,7 @@
         </p:style>
         <p:txBody>
           <a:bodyPr rtlCol="0" anchor="ctr"/>
+          <a:lstStyle/>
           <a:p>
             <a:pPr algn="ctr"/>
             <a:endParaRPr lang="zh-CN" altLang="en-US"/>
@@ -3107,8 +3130,8 @@
         </p:nvSpPr>
         <p:spPr>
           <a:xfrm>
-            <a:off x="359410" y="2228850"/>
-            <a:ext cx="815340" cy="2399665"/>
+            <a:off x="359727" y="1849983"/>
+            <a:ext cx="815340" cy="3170099"/>
           </a:xfrm>
           <a:prstGeom prst="rect">
             <a:avLst/>
@@ -3119,16 +3142,215 @@
           <a:bodyPr wrap="square" rtlCol="0">
             <a:spAutoFit/>
           </a:bodyPr>
-          <a:p>
-            <a:r>
-              <a:rPr lang="zh-CN" altLang="en-US" sz="5000">
+          <a:lstStyle/>
+          <a:p>
+            <a:r>
+              <a:rPr lang="zh-CN" altLang="en-US" sz="5000" dirty="0">
                 <a:solidFill>
                   <a:schemeClr val="bg1"/>
                 </a:solidFill>
               </a:rPr>
-              <a:t>文本框</a:t>
-            </a:r>
-            <a:endParaRPr lang="zh-CN" altLang="en-US" sz="5000">
+              <a:t>游</a:t>
+            </a:r>
+            <a:r>
+              <a:rPr lang="zh-CN" altLang="en-US" sz="5000" dirty="0" smtClean="0">
+                <a:solidFill>
+                  <a:schemeClr val="bg1"/>
+                </a:solidFill>
+              </a:rPr>
+              <a:t>戏概述</a:t>
+            </a:r>
+            <a:endParaRPr lang="zh-CN" altLang="en-US" sz="5000" dirty="0">
+              <a:solidFill>
+                <a:schemeClr val="bg1"/>
+              </a:solidFill>
+            </a:endParaRPr>
+          </a:p>
+        </p:txBody>
+      </p:sp>
+      <p:sp>
+        <p:nvSpPr>
+          <p:cNvPr id="2" name="TextBox 1"/>
+          <p:cNvSpPr txBox="1"/>
+          <p:nvPr/>
+        </p:nvSpPr>
+        <p:spPr>
+          <a:xfrm>
+            <a:off x="2811565" y="1350236"/>
+            <a:ext cx="6964823" cy="2785378"/>
+          </a:xfrm>
+          <a:prstGeom prst="rect">
+            <a:avLst/>
+          </a:prstGeom>
+          <a:noFill/>
+        </p:spPr>
+        <p:txBody>
+          <a:bodyPr wrap="square" rtlCol="0">
+            <a:spAutoFit/>
+          </a:bodyPr>
+          <a:lstStyle/>
+          <a:p>
+            <a:pPr>
+              <a:lnSpc>
+                <a:spcPts val="3000"/>
+              </a:lnSpc>
+            </a:pPr>
+            <a:r>
+              <a:rPr lang="zh-CN" altLang="en-US" dirty="0" smtClean="0">
+                <a:solidFill>
+                  <a:schemeClr val="bg1"/>
+                </a:solidFill>
+              </a:rPr>
+              <a:t>游戏平台：</a:t>
+            </a:r>
+            <a:r>
+              <a:rPr lang="en-US" altLang="zh-CN" dirty="0" smtClean="0">
+                <a:solidFill>
+                  <a:schemeClr val="bg1"/>
+                </a:solidFill>
+              </a:rPr>
+              <a:t>PC</a:t>
+            </a:r>
+          </a:p>
+          <a:p>
+            <a:pPr>
+              <a:lnSpc>
+                <a:spcPts val="3000"/>
+              </a:lnSpc>
+            </a:pPr>
+            <a:r>
+              <a:rPr lang="zh-CN" altLang="en-US" dirty="0">
+                <a:solidFill>
+                  <a:schemeClr val="bg1"/>
+                </a:solidFill>
+              </a:rPr>
+              <a:t>游</a:t>
+            </a:r>
+            <a:r>
+              <a:rPr lang="zh-CN" altLang="en-US" dirty="0" smtClean="0">
+                <a:solidFill>
+                  <a:schemeClr val="bg1"/>
+                </a:solidFill>
+              </a:rPr>
+              <a:t>戏类型：策略</a:t>
+            </a:r>
+            <a:r>
+              <a:rPr lang="en-US" altLang="zh-CN" dirty="0" smtClean="0">
+                <a:solidFill>
+                  <a:schemeClr val="bg1"/>
+                </a:solidFill>
+              </a:rPr>
+              <a:t>+</a:t>
+            </a:r>
+            <a:r>
+              <a:rPr lang="zh-CN" altLang="en-US" dirty="0" smtClean="0">
+                <a:solidFill>
+                  <a:schemeClr val="bg1"/>
+                </a:solidFill>
+              </a:rPr>
+              <a:t>剧情</a:t>
+            </a:r>
+            <a:endParaRPr lang="en-US" altLang="zh-CN" dirty="0" smtClean="0">
+              <a:solidFill>
+                <a:schemeClr val="bg1"/>
+              </a:solidFill>
+            </a:endParaRPr>
+          </a:p>
+          <a:p>
+            <a:pPr>
+              <a:lnSpc>
+                <a:spcPts val="3000"/>
+              </a:lnSpc>
+            </a:pPr>
+            <a:r>
+              <a:rPr lang="zh-CN" altLang="en-US" dirty="0">
+                <a:solidFill>
+                  <a:schemeClr val="bg1"/>
+                </a:solidFill>
+              </a:rPr>
+              <a:t>核</a:t>
+            </a:r>
+            <a:r>
+              <a:rPr lang="zh-CN" altLang="en-US" dirty="0" smtClean="0">
+                <a:solidFill>
+                  <a:schemeClr val="bg1"/>
+                </a:solidFill>
+              </a:rPr>
+              <a:t>心玩法：玩家扮演一个消防队的指挥官，通过指挥救火（玩法）和与自己的队员对话的形式（剧情），有一种生死两难的体验（前期恶搞后期催泪）</a:t>
+            </a:r>
+            <a:endParaRPr lang="en-US" altLang="zh-CN" dirty="0" smtClean="0">
+              <a:solidFill>
+                <a:schemeClr val="bg1"/>
+              </a:solidFill>
+            </a:endParaRPr>
+          </a:p>
+          <a:p>
+            <a:pPr>
+              <a:lnSpc>
+                <a:spcPts val="3000"/>
+              </a:lnSpc>
+            </a:pPr>
+            <a:r>
+              <a:rPr lang="zh-CN" altLang="en-US" dirty="0">
+                <a:solidFill>
+                  <a:schemeClr val="bg1"/>
+                </a:solidFill>
+              </a:rPr>
+              <a:t>胜</a:t>
+            </a:r>
+            <a:r>
+              <a:rPr lang="zh-CN" altLang="en-US" dirty="0" smtClean="0">
+                <a:solidFill>
+                  <a:schemeClr val="bg1"/>
+                </a:solidFill>
+              </a:rPr>
+              <a:t>利条件：完成本关卡目标（如解救被困人员）</a:t>
+            </a:r>
+            <a:endParaRPr lang="en-US" altLang="zh-CN" dirty="0" smtClean="0">
+              <a:solidFill>
+                <a:schemeClr val="bg1"/>
+              </a:solidFill>
+            </a:endParaRPr>
+          </a:p>
+          <a:p>
+            <a:pPr>
+              <a:lnSpc>
+                <a:spcPts val="3000"/>
+              </a:lnSpc>
+            </a:pPr>
+            <a:r>
+              <a:rPr lang="zh-CN" altLang="en-US" dirty="0">
+                <a:solidFill>
+                  <a:schemeClr val="bg1"/>
+                </a:solidFill>
+              </a:rPr>
+              <a:t>失</a:t>
+            </a:r>
+            <a:r>
+              <a:rPr lang="zh-CN" altLang="en-US" dirty="0" smtClean="0">
+                <a:solidFill>
+                  <a:schemeClr val="bg1"/>
+                </a:solidFill>
+              </a:rPr>
+              <a:t>败条件：未完成目标，或消防队员人数少于</a:t>
+            </a:r>
+            <a:r>
+              <a:rPr lang="en-US" altLang="zh-CN" dirty="0" smtClean="0">
+                <a:solidFill>
+                  <a:schemeClr val="bg1"/>
+                </a:solidFill>
+              </a:rPr>
+              <a:t>5</a:t>
+            </a:r>
+            <a:r>
+              <a:rPr lang="zh-CN" altLang="en-US" dirty="0" smtClean="0">
+                <a:solidFill>
+                  <a:schemeClr val="bg1"/>
+                </a:solidFill>
+              </a:rPr>
+              <a:t>（无法继续）</a:t>
+            </a:r>
+            <a:endParaRPr lang="en-US" altLang="zh-CN" dirty="0" smtClean="0">
               <a:solidFill>
                 <a:schemeClr val="bg1"/>
               </a:solidFill>
@@ -3141,6 +3363,5254 @@
   <p:clrMapOvr>
     <a:masterClrMapping/>
   </p:clrMapOvr>
+  <p:timing>
+    <p:tnLst>
+      <p:par>
+        <p:cTn id="1" dur="indefinite" restart="never" nodeType="tmRoot"/>
+      </p:par>
+    </p:tnLst>
+  </p:timing>
+</p:sld>
+</file>
+
+<file path=ppt/slides/slide3.xml><?xml version="1.0" encoding="utf-8"?>
+<p:sld xmlns:a="http://schemas.openxmlformats.org/drawingml/2006/main" xmlns:r="http://schemas.openxmlformats.org/officeDocument/2006/relationships" xmlns:p="http://schemas.openxmlformats.org/presentationml/2006/main">
+  <p:cSld>
+    <p:bg>
+      <p:bgPr>
+        <a:solidFill>
+          <a:srgbClr val="34495E"/>
+        </a:solidFill>
+        <a:effectLst/>
+      </p:bgPr>
+    </p:bg>
+    <p:spTree>
+      <p:nvGrpSpPr>
+        <p:cNvPr id="1" name=""/>
+        <p:cNvGrpSpPr/>
+        <p:nvPr/>
+      </p:nvGrpSpPr>
+      <p:grpSpPr>
+        <a:xfrm>
+          <a:off x="0" y="0"/>
+          <a:ext cx="0" cy="0"/>
+          <a:chOff x="0" y="0"/>
+          <a:chExt cx="0" cy="0"/>
+        </a:xfrm>
+      </p:grpSpPr>
+      <p:sp>
+        <p:nvSpPr>
+          <p:cNvPr id="4" name="等腰三角形 3"/>
+          <p:cNvSpPr/>
+          <p:nvPr/>
+        </p:nvSpPr>
+        <p:spPr>
+          <a:xfrm rot="10800000">
+            <a:off x="-14605" y="3810"/>
+            <a:ext cx="1564005" cy="1189990"/>
+          </a:xfrm>
+          <a:prstGeom prst="triangle">
+            <a:avLst/>
+          </a:prstGeom>
+          <a:solidFill>
+            <a:srgbClr val="E4C66E"/>
+          </a:solidFill>
+          <a:ln>
+            <a:noFill/>
+          </a:ln>
+        </p:spPr>
+        <p:style>
+          <a:lnRef idx="2">
+            <a:schemeClr val="accent1">
+              <a:shade val="50000"/>
+            </a:schemeClr>
+          </a:lnRef>
+          <a:fillRef idx="1">
+            <a:schemeClr val="accent1"/>
+          </a:fillRef>
+          <a:effectRef idx="0">
+            <a:schemeClr val="accent1"/>
+          </a:effectRef>
+          <a:fontRef idx="minor">
+            <a:schemeClr val="lt1"/>
+          </a:fontRef>
+        </p:style>
+        <p:txBody>
+          <a:bodyPr rtlCol="0" anchor="ctr"/>
+          <a:lstStyle/>
+          <a:p>
+            <a:pPr algn="ctr"/>
+            <a:endParaRPr lang="zh-CN" altLang="en-US">
+              <a:solidFill>
+                <a:prstClr val="white"/>
+              </a:solidFill>
+            </a:endParaRPr>
+          </a:p>
+        </p:txBody>
+      </p:sp>
+      <p:sp>
+        <p:nvSpPr>
+          <p:cNvPr id="5" name="等腰三角形 4"/>
+          <p:cNvSpPr/>
+          <p:nvPr/>
+        </p:nvSpPr>
+        <p:spPr>
+          <a:xfrm>
+            <a:off x="-14605" y="5676265"/>
+            <a:ext cx="1564005" cy="1189990"/>
+          </a:xfrm>
+          <a:prstGeom prst="triangle">
+            <a:avLst/>
+          </a:prstGeom>
+          <a:solidFill>
+            <a:srgbClr val="E4C66E"/>
+          </a:solidFill>
+          <a:ln>
+            <a:noFill/>
+          </a:ln>
+        </p:spPr>
+        <p:style>
+          <a:lnRef idx="2">
+            <a:schemeClr val="accent1">
+              <a:shade val="50000"/>
+            </a:schemeClr>
+          </a:lnRef>
+          <a:fillRef idx="1">
+            <a:schemeClr val="accent1"/>
+          </a:fillRef>
+          <a:effectRef idx="0">
+            <a:schemeClr val="accent1"/>
+          </a:effectRef>
+          <a:fontRef idx="minor">
+            <a:schemeClr val="lt1"/>
+          </a:fontRef>
+        </p:style>
+        <p:txBody>
+          <a:bodyPr rtlCol="0" anchor="ctr"/>
+          <a:lstStyle/>
+          <a:p>
+            <a:pPr algn="ctr"/>
+            <a:endParaRPr lang="zh-CN" altLang="en-US">
+              <a:solidFill>
+                <a:prstClr val="white"/>
+              </a:solidFill>
+            </a:endParaRPr>
+          </a:p>
+        </p:txBody>
+      </p:sp>
+      <p:sp>
+        <p:nvSpPr>
+          <p:cNvPr id="7" name="文本框 6"/>
+          <p:cNvSpPr txBox="1"/>
+          <p:nvPr/>
+        </p:nvSpPr>
+        <p:spPr>
+          <a:xfrm>
+            <a:off x="359727" y="1849983"/>
+            <a:ext cx="815340" cy="3170099"/>
+          </a:xfrm>
+          <a:prstGeom prst="rect">
+            <a:avLst/>
+          </a:prstGeom>
+          <a:noFill/>
+        </p:spPr>
+        <p:txBody>
+          <a:bodyPr wrap="square" rtlCol="0">
+            <a:spAutoFit/>
+          </a:bodyPr>
+          <a:lstStyle/>
+          <a:p>
+            <a:r>
+              <a:rPr lang="zh-CN" altLang="en-US" sz="5000" dirty="0">
+                <a:solidFill>
+                  <a:prstClr val="white"/>
+                </a:solidFill>
+              </a:rPr>
+              <a:t>游</a:t>
+            </a:r>
+            <a:r>
+              <a:rPr lang="zh-CN" altLang="en-US" sz="5000" dirty="0" smtClean="0">
+                <a:solidFill>
+                  <a:prstClr val="white"/>
+                </a:solidFill>
+              </a:rPr>
+              <a:t>戏</a:t>
+            </a:r>
+            <a:r>
+              <a:rPr lang="zh-CN" altLang="en-US" sz="5000" dirty="0">
+                <a:solidFill>
+                  <a:prstClr val="white"/>
+                </a:solidFill>
+              </a:rPr>
+              <a:t>立意</a:t>
+            </a:r>
+          </a:p>
+        </p:txBody>
+      </p:sp>
+      <p:sp>
+        <p:nvSpPr>
+          <p:cNvPr id="2" name="TextBox 1"/>
+          <p:cNvSpPr txBox="1"/>
+          <p:nvPr/>
+        </p:nvSpPr>
+        <p:spPr>
+          <a:xfrm>
+            <a:off x="2965390" y="2803020"/>
+            <a:ext cx="7323746" cy="1631216"/>
+          </a:xfrm>
+          <a:prstGeom prst="rect">
+            <a:avLst/>
+          </a:prstGeom>
+          <a:noFill/>
+        </p:spPr>
+        <p:txBody>
+          <a:bodyPr wrap="square" rtlCol="0">
+            <a:spAutoFit/>
+          </a:bodyPr>
+          <a:lstStyle/>
+          <a:p>
+            <a:pPr>
+              <a:lnSpc>
+                <a:spcPts val="3000"/>
+              </a:lnSpc>
+            </a:pPr>
+            <a:r>
+              <a:rPr lang="en-US" altLang="zh-CN" dirty="0" smtClean="0">
+                <a:solidFill>
+                  <a:schemeClr val="bg1"/>
+                </a:solidFill>
+              </a:rPr>
+              <a:t>1.</a:t>
+            </a:r>
+            <a:r>
+              <a:rPr lang="zh-CN" altLang="en-US" dirty="0" smtClean="0">
+                <a:solidFill>
+                  <a:schemeClr val="bg1"/>
+                </a:solidFill>
+              </a:rPr>
+              <a:t>玩家通过和每个消防员不断的对话，了解每个人的故事，来培养感情</a:t>
+            </a:r>
+            <a:endParaRPr lang="en-US" altLang="zh-CN" dirty="0" smtClean="0">
+              <a:solidFill>
+                <a:schemeClr val="bg1"/>
+              </a:solidFill>
+            </a:endParaRPr>
+          </a:p>
+          <a:p>
+            <a:pPr>
+              <a:lnSpc>
+                <a:spcPts val="3000"/>
+              </a:lnSpc>
+            </a:pPr>
+            <a:r>
+              <a:rPr lang="en-US" altLang="zh-CN" dirty="0" smtClean="0">
+                <a:solidFill>
+                  <a:schemeClr val="bg1"/>
+                </a:solidFill>
+              </a:rPr>
+              <a:t>2.</a:t>
+            </a:r>
+            <a:r>
+              <a:rPr lang="zh-CN" altLang="en-US" dirty="0" smtClean="0">
+                <a:solidFill>
+                  <a:schemeClr val="bg1"/>
+                </a:solidFill>
+              </a:rPr>
+              <a:t>救火中，不同机制的叠加使游戏保持不断的心流</a:t>
+            </a:r>
+            <a:endParaRPr lang="en-US" altLang="zh-CN" dirty="0" smtClean="0">
+              <a:solidFill>
+                <a:schemeClr val="bg1"/>
+              </a:solidFill>
+            </a:endParaRPr>
+          </a:p>
+          <a:p>
+            <a:pPr>
+              <a:lnSpc>
+                <a:spcPts val="3000"/>
+              </a:lnSpc>
+            </a:pPr>
+            <a:r>
+              <a:rPr lang="en-US" altLang="zh-CN" dirty="0" smtClean="0">
+                <a:solidFill>
+                  <a:schemeClr val="bg1"/>
+                </a:solidFill>
+              </a:rPr>
+              <a:t>3.</a:t>
+            </a:r>
+            <a:r>
+              <a:rPr lang="zh-CN" altLang="en-US" dirty="0">
+                <a:solidFill>
+                  <a:schemeClr val="bg1"/>
+                </a:solidFill>
+              </a:rPr>
+              <a:t>通</a:t>
+            </a:r>
+            <a:r>
+              <a:rPr lang="zh-CN" altLang="en-US" dirty="0" smtClean="0">
+                <a:solidFill>
+                  <a:schemeClr val="bg1"/>
+                </a:solidFill>
+              </a:rPr>
+              <a:t>过游戏前期恶搞趣事（无死亡）和后期消防员的永久死亡，激发玩家的情感（参考电影的情感曲线）</a:t>
+            </a:r>
+            <a:endParaRPr lang="en-US" altLang="zh-CN" dirty="0" smtClean="0">
+              <a:solidFill>
+                <a:schemeClr val="bg1"/>
+              </a:solidFill>
+            </a:endParaRPr>
+          </a:p>
+        </p:txBody>
+      </p:sp>
+    </p:spTree>
+    <p:extLst>
+      <p:ext uri="{BB962C8B-B14F-4D97-AF65-F5344CB8AC3E}">
+        <p14:creationId xmlns:p14="http://schemas.microsoft.com/office/powerpoint/2010/main" val="801967835"/>
+      </p:ext>
+    </p:extLst>
+  </p:cSld>
+  <p:clrMapOvr>
+    <a:masterClrMapping/>
+  </p:clrMapOvr>
+  <p:timing>
+    <p:tnLst>
+      <p:par>
+        <p:cTn id="1" dur="indefinite" restart="never" nodeType="tmRoot"/>
+      </p:par>
+    </p:tnLst>
+  </p:timing>
+</p:sld>
+</file>
+
+<file path=ppt/slides/slide4.xml><?xml version="1.0" encoding="utf-8"?>
+<p:sld xmlns:a="http://schemas.openxmlformats.org/drawingml/2006/main" xmlns:r="http://schemas.openxmlformats.org/officeDocument/2006/relationships" xmlns:p="http://schemas.openxmlformats.org/presentationml/2006/main">
+  <p:cSld>
+    <p:bg>
+      <p:bgPr>
+        <a:solidFill>
+          <a:srgbClr val="34495E"/>
+        </a:solidFill>
+        <a:effectLst/>
+      </p:bgPr>
+    </p:bg>
+    <p:spTree>
+      <p:nvGrpSpPr>
+        <p:cNvPr id="1" name=""/>
+        <p:cNvGrpSpPr/>
+        <p:nvPr/>
+      </p:nvGrpSpPr>
+      <p:grpSpPr>
+        <a:xfrm>
+          <a:off x="0" y="0"/>
+          <a:ext cx="0" cy="0"/>
+          <a:chOff x="0" y="0"/>
+          <a:chExt cx="0" cy="0"/>
+        </a:xfrm>
+      </p:grpSpPr>
+      <p:sp>
+        <p:nvSpPr>
+          <p:cNvPr id="4" name="等腰三角形 3"/>
+          <p:cNvSpPr/>
+          <p:nvPr/>
+        </p:nvSpPr>
+        <p:spPr>
+          <a:xfrm rot="10800000">
+            <a:off x="-14605" y="-4736"/>
+            <a:ext cx="1564005" cy="1189990"/>
+          </a:xfrm>
+          <a:prstGeom prst="triangle">
+            <a:avLst/>
+          </a:prstGeom>
+          <a:solidFill>
+            <a:srgbClr val="E4C66E"/>
+          </a:solidFill>
+          <a:ln>
+            <a:noFill/>
+          </a:ln>
+        </p:spPr>
+        <p:style>
+          <a:lnRef idx="2">
+            <a:schemeClr val="accent1">
+              <a:shade val="50000"/>
+            </a:schemeClr>
+          </a:lnRef>
+          <a:fillRef idx="1">
+            <a:schemeClr val="accent1"/>
+          </a:fillRef>
+          <a:effectRef idx="0">
+            <a:schemeClr val="accent1"/>
+          </a:effectRef>
+          <a:fontRef idx="minor">
+            <a:schemeClr val="lt1"/>
+          </a:fontRef>
+        </p:style>
+        <p:txBody>
+          <a:bodyPr rtlCol="0" anchor="ctr"/>
+          <a:lstStyle/>
+          <a:p>
+            <a:pPr algn="ctr"/>
+            <a:endParaRPr lang="zh-CN" altLang="en-US">
+              <a:solidFill>
+                <a:prstClr val="white"/>
+              </a:solidFill>
+            </a:endParaRPr>
+          </a:p>
+        </p:txBody>
+      </p:sp>
+      <p:sp>
+        <p:nvSpPr>
+          <p:cNvPr id="5" name="等腰三角形 4"/>
+          <p:cNvSpPr/>
+          <p:nvPr/>
+        </p:nvSpPr>
+        <p:spPr>
+          <a:xfrm>
+            <a:off x="-14605" y="5676265"/>
+            <a:ext cx="1564005" cy="1189990"/>
+          </a:xfrm>
+          <a:prstGeom prst="triangle">
+            <a:avLst/>
+          </a:prstGeom>
+          <a:solidFill>
+            <a:srgbClr val="E4C66E"/>
+          </a:solidFill>
+          <a:ln>
+            <a:noFill/>
+          </a:ln>
+        </p:spPr>
+        <p:style>
+          <a:lnRef idx="2">
+            <a:schemeClr val="accent1">
+              <a:shade val="50000"/>
+            </a:schemeClr>
+          </a:lnRef>
+          <a:fillRef idx="1">
+            <a:schemeClr val="accent1"/>
+          </a:fillRef>
+          <a:effectRef idx="0">
+            <a:schemeClr val="accent1"/>
+          </a:effectRef>
+          <a:fontRef idx="minor">
+            <a:schemeClr val="lt1"/>
+          </a:fontRef>
+        </p:style>
+        <p:txBody>
+          <a:bodyPr rtlCol="0" anchor="ctr"/>
+          <a:lstStyle/>
+          <a:p>
+            <a:pPr algn="ctr"/>
+            <a:endParaRPr lang="zh-CN" altLang="en-US">
+              <a:solidFill>
+                <a:prstClr val="white"/>
+              </a:solidFill>
+            </a:endParaRPr>
+          </a:p>
+        </p:txBody>
+      </p:sp>
+      <p:sp>
+        <p:nvSpPr>
+          <p:cNvPr id="7" name="文本框 6"/>
+          <p:cNvSpPr txBox="1"/>
+          <p:nvPr/>
+        </p:nvSpPr>
+        <p:spPr>
+          <a:xfrm>
+            <a:off x="359727" y="2354185"/>
+            <a:ext cx="815340" cy="1631216"/>
+          </a:xfrm>
+          <a:prstGeom prst="rect">
+            <a:avLst/>
+          </a:prstGeom>
+          <a:noFill/>
+        </p:spPr>
+        <p:txBody>
+          <a:bodyPr wrap="square" rtlCol="0">
+            <a:spAutoFit/>
+          </a:bodyPr>
+          <a:lstStyle/>
+          <a:p>
+            <a:r>
+              <a:rPr lang="zh-CN" altLang="en-US" sz="5000" dirty="0" smtClean="0">
+                <a:solidFill>
+                  <a:prstClr val="white"/>
+                </a:solidFill>
+              </a:rPr>
+              <a:t>救火</a:t>
+            </a:r>
+            <a:endParaRPr lang="zh-CN" altLang="en-US" sz="5000" dirty="0">
+              <a:solidFill>
+                <a:prstClr val="white"/>
+              </a:solidFill>
+            </a:endParaRPr>
+          </a:p>
+        </p:txBody>
+      </p:sp>
+      <p:sp>
+        <p:nvSpPr>
+          <p:cNvPr id="10" name="TextBox 9"/>
+          <p:cNvSpPr txBox="1"/>
+          <p:nvPr/>
+        </p:nvSpPr>
+        <p:spPr>
+          <a:xfrm>
+            <a:off x="10242114" y="1106409"/>
+            <a:ext cx="1690410" cy="3416320"/>
+          </a:xfrm>
+          <a:prstGeom prst="rect">
+            <a:avLst/>
+          </a:prstGeom>
+          <a:noFill/>
+        </p:spPr>
+        <p:txBody>
+          <a:bodyPr wrap="square" rtlCol="0">
+            <a:spAutoFit/>
+          </a:bodyPr>
+          <a:lstStyle/>
+          <a:p>
+            <a:r>
+              <a:rPr lang="zh-CN" altLang="en-US" sz="1200" b="1" dirty="0">
+                <a:solidFill>
+                  <a:schemeClr val="bg1"/>
+                </a:solidFill>
+              </a:rPr>
+              <a:t>机</a:t>
+            </a:r>
+            <a:r>
+              <a:rPr lang="zh-CN" altLang="en-US" sz="1200" b="1" dirty="0" smtClean="0">
+                <a:solidFill>
+                  <a:schemeClr val="bg1"/>
+                </a:solidFill>
+              </a:rPr>
+              <a:t>制</a:t>
+            </a:r>
+            <a:endParaRPr lang="en-US" altLang="zh-CN" sz="1200" b="1" dirty="0" smtClean="0">
+              <a:solidFill>
+                <a:schemeClr val="bg1"/>
+              </a:solidFill>
+            </a:endParaRPr>
+          </a:p>
+          <a:p>
+            <a:endParaRPr lang="en-US" altLang="zh-CN" sz="1200" b="1" dirty="0" smtClean="0">
+              <a:solidFill>
+                <a:schemeClr val="bg1"/>
+              </a:solidFill>
+            </a:endParaRPr>
+          </a:p>
+          <a:p>
+            <a:r>
+              <a:rPr lang="zh-CN" altLang="en-US" sz="1200" b="1" dirty="0">
+                <a:solidFill>
+                  <a:schemeClr val="bg1"/>
+                </a:solidFill>
+              </a:rPr>
+              <a:t>防</a:t>
+            </a:r>
+            <a:r>
+              <a:rPr lang="zh-CN" altLang="en-US" sz="1200" b="1" dirty="0" smtClean="0">
+                <a:solidFill>
+                  <a:schemeClr val="bg1"/>
+                </a:solidFill>
+              </a:rPr>
+              <a:t>护值</a:t>
+            </a:r>
+            <a:r>
+              <a:rPr lang="zh-CN" altLang="en-US" sz="1200" dirty="0" smtClean="0">
+                <a:solidFill>
+                  <a:schemeClr val="bg1"/>
+                </a:solidFill>
+              </a:rPr>
+              <a:t>：消防人员的防护服，为</a:t>
+            </a:r>
+            <a:r>
+              <a:rPr lang="en-US" altLang="zh-CN" sz="1200" dirty="0" smtClean="0">
+                <a:solidFill>
+                  <a:schemeClr val="bg1"/>
+                </a:solidFill>
+              </a:rPr>
+              <a:t>0</a:t>
+            </a:r>
+            <a:r>
+              <a:rPr lang="zh-CN" altLang="en-US" sz="1200" dirty="0" smtClean="0">
+                <a:solidFill>
+                  <a:schemeClr val="bg1"/>
+                </a:solidFill>
+              </a:rPr>
+              <a:t>时，消防人员</a:t>
+            </a:r>
+            <a:r>
+              <a:rPr lang="en-US" altLang="zh-CN" sz="1200" dirty="0" smtClean="0">
+                <a:solidFill>
+                  <a:schemeClr val="bg1"/>
+                </a:solidFill>
+              </a:rPr>
+              <a:t>10s</a:t>
+            </a:r>
+            <a:r>
+              <a:rPr lang="zh-CN" altLang="en-US" sz="1200" dirty="0" smtClean="0">
+                <a:solidFill>
+                  <a:schemeClr val="bg1"/>
+                </a:solidFill>
+              </a:rPr>
+              <a:t>后死亡</a:t>
+            </a:r>
+            <a:endParaRPr lang="en-US" altLang="zh-CN" sz="1200" dirty="0" smtClean="0">
+              <a:solidFill>
+                <a:schemeClr val="bg1"/>
+              </a:solidFill>
+            </a:endParaRPr>
+          </a:p>
+          <a:p>
+            <a:r>
+              <a:rPr lang="zh-CN" altLang="en-US" sz="1200" b="1" dirty="0">
+                <a:solidFill>
+                  <a:schemeClr val="bg1"/>
+                </a:solidFill>
+              </a:rPr>
+              <a:t>爆炸</a:t>
+            </a:r>
+            <a:r>
+              <a:rPr lang="zh-CN" altLang="en-US" sz="1200" b="1" dirty="0" smtClean="0">
+                <a:solidFill>
+                  <a:schemeClr val="bg1"/>
+                </a:solidFill>
+              </a:rPr>
+              <a:t>物</a:t>
+            </a:r>
+            <a:r>
+              <a:rPr lang="zh-CN" altLang="en-US" sz="1200" dirty="0" smtClean="0">
+                <a:solidFill>
+                  <a:schemeClr val="bg1"/>
+                </a:solidFill>
+              </a:rPr>
+              <a:t>：未及时排除则爆炸，会扩大火势</a:t>
+            </a:r>
+            <a:endParaRPr lang="en-US" altLang="zh-CN" sz="1200" dirty="0" smtClean="0">
+              <a:solidFill>
+                <a:schemeClr val="bg1"/>
+              </a:solidFill>
+            </a:endParaRPr>
+          </a:p>
+          <a:p>
+            <a:r>
+              <a:rPr lang="zh-CN" altLang="en-US" sz="1200" b="1" dirty="0" smtClean="0">
+                <a:solidFill>
+                  <a:schemeClr val="bg1"/>
+                </a:solidFill>
+              </a:rPr>
+              <a:t>消防车</a:t>
+            </a:r>
+            <a:r>
+              <a:rPr lang="zh-CN" altLang="en-US" sz="1200" dirty="0" smtClean="0">
+                <a:solidFill>
+                  <a:schemeClr val="bg1"/>
+                </a:solidFill>
+              </a:rPr>
+              <a:t>：可携带几种灭火道具</a:t>
+            </a:r>
+            <a:endParaRPr lang="en-US" altLang="zh-CN" sz="1200" dirty="0" smtClean="0">
+              <a:solidFill>
+                <a:schemeClr val="bg1"/>
+              </a:solidFill>
+            </a:endParaRPr>
+          </a:p>
+          <a:p>
+            <a:r>
+              <a:rPr lang="zh-CN" altLang="en-US" sz="1200" b="1" dirty="0">
+                <a:solidFill>
+                  <a:schemeClr val="bg1"/>
+                </a:solidFill>
+              </a:rPr>
+              <a:t>被困</a:t>
+            </a:r>
+            <a:r>
+              <a:rPr lang="zh-CN" altLang="en-US" sz="1200" b="1" dirty="0" smtClean="0">
+                <a:solidFill>
+                  <a:schemeClr val="bg1"/>
+                </a:solidFill>
+              </a:rPr>
+              <a:t>人</a:t>
+            </a:r>
+            <a:r>
+              <a:rPr lang="zh-CN" altLang="en-US" sz="1200" dirty="0" smtClean="0">
+                <a:solidFill>
+                  <a:schemeClr val="bg1"/>
+                </a:solidFill>
+              </a:rPr>
+              <a:t>：火灾被困人员需解救（可扩展）</a:t>
+            </a:r>
+            <a:endParaRPr lang="en-US" altLang="zh-CN" sz="1200" dirty="0" smtClean="0">
+              <a:solidFill>
+                <a:schemeClr val="bg1"/>
+              </a:solidFill>
+            </a:endParaRPr>
+          </a:p>
+          <a:p>
+            <a:r>
+              <a:rPr lang="zh-CN" altLang="en-US" sz="1200" b="1" dirty="0">
+                <a:solidFill>
+                  <a:schemeClr val="bg1"/>
+                </a:solidFill>
+              </a:rPr>
+              <a:t>人</a:t>
+            </a:r>
+            <a:r>
+              <a:rPr lang="zh-CN" altLang="en-US" sz="1200" b="1" dirty="0" smtClean="0">
+                <a:solidFill>
+                  <a:schemeClr val="bg1"/>
+                </a:solidFill>
+              </a:rPr>
+              <a:t>民财产</a:t>
+            </a:r>
+            <a:r>
+              <a:rPr lang="zh-CN" altLang="en-US" sz="1200" dirty="0" smtClean="0">
+                <a:solidFill>
+                  <a:schemeClr val="bg1"/>
+                </a:solidFill>
+              </a:rPr>
+              <a:t>：可拯救人民财产</a:t>
+            </a:r>
+            <a:endParaRPr lang="en-US" altLang="zh-CN" sz="1200" dirty="0" smtClean="0">
+              <a:solidFill>
+                <a:schemeClr val="bg1"/>
+              </a:solidFill>
+            </a:endParaRPr>
+          </a:p>
+          <a:p>
+            <a:r>
+              <a:rPr lang="zh-CN" altLang="en-US" sz="1200" b="1" dirty="0">
+                <a:solidFill>
+                  <a:schemeClr val="bg1"/>
+                </a:solidFill>
+              </a:rPr>
+              <a:t>毒</a:t>
+            </a:r>
+            <a:r>
+              <a:rPr lang="zh-CN" altLang="en-US" sz="1200" b="1" dirty="0" smtClean="0">
+                <a:solidFill>
+                  <a:schemeClr val="bg1"/>
+                </a:solidFill>
+              </a:rPr>
+              <a:t>气</a:t>
+            </a:r>
+            <a:r>
+              <a:rPr lang="zh-CN" altLang="en-US" sz="1200" dirty="0" smtClean="0">
+                <a:solidFill>
+                  <a:schemeClr val="bg1"/>
+                </a:solidFill>
+              </a:rPr>
+              <a:t>：危险气体</a:t>
+            </a:r>
+            <a:endParaRPr lang="en-US" altLang="zh-CN" sz="1200" dirty="0" smtClean="0">
+              <a:solidFill>
+                <a:schemeClr val="bg1"/>
+              </a:solidFill>
+            </a:endParaRPr>
+          </a:p>
+          <a:p>
+            <a:r>
+              <a:rPr lang="zh-CN" altLang="en-US" sz="1200" b="1" dirty="0">
+                <a:solidFill>
+                  <a:schemeClr val="bg1"/>
+                </a:solidFill>
+              </a:rPr>
+              <a:t>石乐</a:t>
+            </a:r>
+            <a:r>
+              <a:rPr lang="zh-CN" altLang="en-US" sz="1200" b="1" dirty="0" smtClean="0">
+                <a:solidFill>
+                  <a:schemeClr val="bg1"/>
+                </a:solidFill>
+              </a:rPr>
+              <a:t>志的群众</a:t>
+            </a:r>
+            <a:r>
+              <a:rPr lang="zh-CN" altLang="en-US" sz="1200" dirty="0" smtClean="0">
+                <a:solidFill>
+                  <a:schemeClr val="bg1"/>
+                </a:solidFill>
+              </a:rPr>
+              <a:t>：阻止失去理智的群众冲进火灾</a:t>
+            </a:r>
+            <a:endParaRPr lang="en-US" altLang="zh-CN" sz="1200" dirty="0" smtClean="0">
+              <a:solidFill>
+                <a:schemeClr val="bg1"/>
+              </a:solidFill>
+            </a:endParaRPr>
+          </a:p>
+          <a:p>
+            <a:r>
+              <a:rPr lang="en-US" altLang="zh-CN" sz="1200" dirty="0">
+                <a:solidFill>
+                  <a:schemeClr val="bg1"/>
+                </a:solidFill>
+              </a:rPr>
+              <a:t>……</a:t>
+            </a:r>
+            <a:endParaRPr lang="zh-CN" altLang="en-US" sz="1200" dirty="0">
+              <a:solidFill>
+                <a:schemeClr val="bg1"/>
+              </a:solidFill>
+            </a:endParaRPr>
+          </a:p>
+        </p:txBody>
+      </p:sp>
+      <p:sp>
+        <p:nvSpPr>
+          <p:cNvPr id="11" name="Rectangle 10"/>
+          <p:cNvSpPr/>
+          <p:nvPr/>
+        </p:nvSpPr>
+        <p:spPr>
+          <a:xfrm>
+            <a:off x="1905713" y="1082706"/>
+            <a:ext cx="8212508" cy="4702798"/>
+          </a:xfrm>
+          <a:prstGeom prst="rect">
+            <a:avLst/>
+          </a:prstGeom>
+          <a:noFill/>
+          <a:ln>
+            <a:solidFill>
+              <a:schemeClr val="bg1"/>
+            </a:solidFill>
+          </a:ln>
+        </p:spPr>
+        <p:style>
+          <a:lnRef idx="2">
+            <a:schemeClr val="accent1">
+              <a:shade val="50000"/>
+            </a:schemeClr>
+          </a:lnRef>
+          <a:fillRef idx="1">
+            <a:schemeClr val="accent1"/>
+          </a:fillRef>
+          <a:effectRef idx="0">
+            <a:schemeClr val="accent1"/>
+          </a:effectRef>
+          <a:fontRef idx="minor">
+            <a:schemeClr val="lt1"/>
+          </a:fontRef>
+        </p:style>
+        <p:txBody>
+          <a:bodyPr rtlCol="0" anchor="ctr"/>
+          <a:lstStyle/>
+          <a:p>
+            <a:pPr algn="ctr"/>
+            <a:endParaRPr lang="zh-CN" altLang="en-US"/>
+          </a:p>
+        </p:txBody>
+      </p:sp>
+      <p:sp>
+        <p:nvSpPr>
+          <p:cNvPr id="12" name="Oval 11"/>
+          <p:cNvSpPr/>
+          <p:nvPr/>
+        </p:nvSpPr>
+        <p:spPr>
+          <a:xfrm>
+            <a:off x="2640651" y="5093293"/>
+            <a:ext cx="589660" cy="582972"/>
+          </a:xfrm>
+          <a:prstGeom prst="ellipse">
+            <a:avLst/>
+          </a:prstGeom>
+        </p:spPr>
+        <p:style>
+          <a:lnRef idx="2">
+            <a:schemeClr val="accent1">
+              <a:shade val="50000"/>
+            </a:schemeClr>
+          </a:lnRef>
+          <a:fillRef idx="1">
+            <a:schemeClr val="accent1"/>
+          </a:fillRef>
+          <a:effectRef idx="0">
+            <a:schemeClr val="accent1"/>
+          </a:effectRef>
+          <a:fontRef idx="minor">
+            <a:schemeClr val="lt1"/>
+          </a:fontRef>
+        </p:style>
+        <p:txBody>
+          <a:bodyPr rtlCol="0" anchor="ctr"/>
+          <a:lstStyle/>
+          <a:p>
+            <a:pPr algn="ctr"/>
+            <a:r>
+              <a:rPr lang="zh-CN" altLang="en-US" sz="1200" dirty="0"/>
+              <a:t>队员</a:t>
+            </a:r>
+            <a:r>
+              <a:rPr lang="en-US" altLang="zh-CN" sz="1200" dirty="0" smtClean="0"/>
+              <a:t>1</a:t>
+            </a:r>
+            <a:endParaRPr lang="zh-CN" altLang="en-US" sz="1200" dirty="0"/>
+          </a:p>
+        </p:txBody>
+      </p:sp>
+      <p:sp>
+        <p:nvSpPr>
+          <p:cNvPr id="13" name="Oval 12"/>
+          <p:cNvSpPr/>
+          <p:nvPr/>
+        </p:nvSpPr>
+        <p:spPr>
+          <a:xfrm>
+            <a:off x="3666127" y="5093293"/>
+            <a:ext cx="589660" cy="582972"/>
+          </a:xfrm>
+          <a:prstGeom prst="ellipse">
+            <a:avLst/>
+          </a:prstGeom>
+        </p:spPr>
+        <p:style>
+          <a:lnRef idx="2">
+            <a:schemeClr val="accent1">
+              <a:shade val="50000"/>
+            </a:schemeClr>
+          </a:lnRef>
+          <a:fillRef idx="1">
+            <a:schemeClr val="accent1"/>
+          </a:fillRef>
+          <a:effectRef idx="0">
+            <a:schemeClr val="accent1"/>
+          </a:effectRef>
+          <a:fontRef idx="minor">
+            <a:schemeClr val="lt1"/>
+          </a:fontRef>
+        </p:style>
+        <p:txBody>
+          <a:bodyPr rtlCol="0" anchor="ctr"/>
+          <a:lstStyle/>
+          <a:p>
+            <a:pPr algn="ctr"/>
+            <a:r>
+              <a:rPr lang="zh-CN" altLang="en-US" sz="1200" dirty="0"/>
+              <a:t>队</a:t>
+            </a:r>
+            <a:r>
+              <a:rPr lang="zh-CN" altLang="en-US" sz="1200" dirty="0" smtClean="0"/>
+              <a:t>员</a:t>
+            </a:r>
+            <a:r>
+              <a:rPr lang="en-US" altLang="zh-CN" sz="1200" dirty="0"/>
+              <a:t>2</a:t>
+            </a:r>
+            <a:endParaRPr lang="zh-CN" altLang="en-US" sz="1200" dirty="0"/>
+          </a:p>
+        </p:txBody>
+      </p:sp>
+      <p:sp>
+        <p:nvSpPr>
+          <p:cNvPr id="14" name="Oval 13"/>
+          <p:cNvSpPr/>
+          <p:nvPr/>
+        </p:nvSpPr>
+        <p:spPr>
+          <a:xfrm>
+            <a:off x="4612100" y="5093293"/>
+            <a:ext cx="589660" cy="582972"/>
+          </a:xfrm>
+          <a:prstGeom prst="ellipse">
+            <a:avLst/>
+          </a:prstGeom>
+        </p:spPr>
+        <p:style>
+          <a:lnRef idx="2">
+            <a:schemeClr val="accent1">
+              <a:shade val="50000"/>
+            </a:schemeClr>
+          </a:lnRef>
+          <a:fillRef idx="1">
+            <a:schemeClr val="accent1"/>
+          </a:fillRef>
+          <a:effectRef idx="0">
+            <a:schemeClr val="accent1"/>
+          </a:effectRef>
+          <a:fontRef idx="minor">
+            <a:schemeClr val="lt1"/>
+          </a:fontRef>
+        </p:style>
+        <p:txBody>
+          <a:bodyPr rtlCol="0" anchor="ctr"/>
+          <a:lstStyle/>
+          <a:p>
+            <a:pPr algn="ctr"/>
+            <a:r>
+              <a:rPr lang="zh-CN" altLang="en-US" sz="1200" dirty="0"/>
+              <a:t>队</a:t>
+            </a:r>
+            <a:r>
+              <a:rPr lang="zh-CN" altLang="en-US" sz="1200" dirty="0" smtClean="0"/>
+              <a:t>员</a:t>
+            </a:r>
+            <a:r>
+              <a:rPr lang="en-US" altLang="zh-CN" sz="1200" dirty="0"/>
+              <a:t>3</a:t>
+            </a:r>
+            <a:endParaRPr lang="zh-CN" altLang="en-US" sz="1200" dirty="0"/>
+          </a:p>
+        </p:txBody>
+      </p:sp>
+      <p:sp>
+        <p:nvSpPr>
+          <p:cNvPr id="15" name="Oval 14"/>
+          <p:cNvSpPr/>
+          <p:nvPr/>
+        </p:nvSpPr>
+        <p:spPr>
+          <a:xfrm>
+            <a:off x="5520584" y="5093293"/>
+            <a:ext cx="589660" cy="582972"/>
+          </a:xfrm>
+          <a:prstGeom prst="ellipse">
+            <a:avLst/>
+          </a:prstGeom>
+        </p:spPr>
+        <p:style>
+          <a:lnRef idx="2">
+            <a:schemeClr val="accent1">
+              <a:shade val="50000"/>
+            </a:schemeClr>
+          </a:lnRef>
+          <a:fillRef idx="1">
+            <a:schemeClr val="accent1"/>
+          </a:fillRef>
+          <a:effectRef idx="0">
+            <a:schemeClr val="accent1"/>
+          </a:effectRef>
+          <a:fontRef idx="minor">
+            <a:schemeClr val="lt1"/>
+          </a:fontRef>
+        </p:style>
+        <p:txBody>
+          <a:bodyPr rtlCol="0" anchor="ctr"/>
+          <a:lstStyle/>
+          <a:p>
+            <a:pPr algn="ctr"/>
+            <a:r>
+              <a:rPr lang="zh-CN" altLang="en-US" sz="1200" dirty="0"/>
+              <a:t>队</a:t>
+            </a:r>
+            <a:r>
+              <a:rPr lang="zh-CN" altLang="en-US" sz="1200" dirty="0" smtClean="0"/>
+              <a:t>员</a:t>
+            </a:r>
+            <a:r>
+              <a:rPr lang="en-US" altLang="zh-CN" sz="1200" dirty="0"/>
+              <a:t>4</a:t>
+            </a:r>
+            <a:endParaRPr lang="zh-CN" altLang="en-US" sz="1200" dirty="0"/>
+          </a:p>
+        </p:txBody>
+      </p:sp>
+      <p:sp>
+        <p:nvSpPr>
+          <p:cNvPr id="16" name="Oval 15"/>
+          <p:cNvSpPr/>
+          <p:nvPr/>
+        </p:nvSpPr>
+        <p:spPr>
+          <a:xfrm>
+            <a:off x="6454688" y="5093293"/>
+            <a:ext cx="589660" cy="582972"/>
+          </a:xfrm>
+          <a:prstGeom prst="ellipse">
+            <a:avLst/>
+          </a:prstGeom>
+        </p:spPr>
+        <p:style>
+          <a:lnRef idx="2">
+            <a:schemeClr val="accent1">
+              <a:shade val="50000"/>
+            </a:schemeClr>
+          </a:lnRef>
+          <a:fillRef idx="1">
+            <a:schemeClr val="accent1"/>
+          </a:fillRef>
+          <a:effectRef idx="0">
+            <a:schemeClr val="accent1"/>
+          </a:effectRef>
+          <a:fontRef idx="minor">
+            <a:schemeClr val="lt1"/>
+          </a:fontRef>
+        </p:style>
+        <p:txBody>
+          <a:bodyPr rtlCol="0" anchor="ctr"/>
+          <a:lstStyle/>
+          <a:p>
+            <a:pPr algn="ctr"/>
+            <a:r>
+              <a:rPr lang="zh-CN" altLang="en-US" sz="1200" dirty="0"/>
+              <a:t>队</a:t>
+            </a:r>
+            <a:r>
+              <a:rPr lang="zh-CN" altLang="en-US" sz="1200" dirty="0" smtClean="0"/>
+              <a:t>员</a:t>
+            </a:r>
+            <a:r>
+              <a:rPr lang="en-US" altLang="zh-CN" sz="1200" dirty="0"/>
+              <a:t>5</a:t>
+            </a:r>
+            <a:endParaRPr lang="zh-CN" altLang="en-US" sz="1200" dirty="0"/>
+          </a:p>
+        </p:txBody>
+      </p:sp>
+      <p:sp>
+        <p:nvSpPr>
+          <p:cNvPr id="17" name="Oval 16"/>
+          <p:cNvSpPr/>
+          <p:nvPr/>
+        </p:nvSpPr>
+        <p:spPr>
+          <a:xfrm>
+            <a:off x="7285272" y="5093293"/>
+            <a:ext cx="589660" cy="582972"/>
+          </a:xfrm>
+          <a:prstGeom prst="ellipse">
+            <a:avLst/>
+          </a:prstGeom>
+        </p:spPr>
+        <p:style>
+          <a:lnRef idx="2">
+            <a:schemeClr val="accent1">
+              <a:shade val="50000"/>
+            </a:schemeClr>
+          </a:lnRef>
+          <a:fillRef idx="1">
+            <a:schemeClr val="accent1"/>
+          </a:fillRef>
+          <a:effectRef idx="0">
+            <a:schemeClr val="accent1"/>
+          </a:effectRef>
+          <a:fontRef idx="minor">
+            <a:schemeClr val="lt1"/>
+          </a:fontRef>
+        </p:style>
+        <p:txBody>
+          <a:bodyPr rtlCol="0" anchor="ctr"/>
+          <a:lstStyle/>
+          <a:p>
+            <a:pPr algn="ctr"/>
+            <a:r>
+              <a:rPr lang="zh-CN" altLang="en-US" sz="1200" dirty="0"/>
+              <a:t>队</a:t>
+            </a:r>
+            <a:r>
+              <a:rPr lang="zh-CN" altLang="en-US" sz="1200" dirty="0" smtClean="0"/>
+              <a:t>员</a:t>
+            </a:r>
+            <a:r>
+              <a:rPr lang="en-US" altLang="zh-CN" sz="1200" dirty="0"/>
+              <a:t>6</a:t>
+            </a:r>
+            <a:endParaRPr lang="zh-CN" altLang="en-US" sz="1200" dirty="0"/>
+          </a:p>
+        </p:txBody>
+      </p:sp>
+      <p:sp>
+        <p:nvSpPr>
+          <p:cNvPr id="18" name="Oval 17"/>
+          <p:cNvSpPr/>
+          <p:nvPr/>
+        </p:nvSpPr>
+        <p:spPr>
+          <a:xfrm>
+            <a:off x="8222766" y="5093293"/>
+            <a:ext cx="589660" cy="582972"/>
+          </a:xfrm>
+          <a:prstGeom prst="ellipse">
+            <a:avLst/>
+          </a:prstGeom>
+        </p:spPr>
+        <p:style>
+          <a:lnRef idx="2">
+            <a:schemeClr val="accent1">
+              <a:shade val="50000"/>
+            </a:schemeClr>
+          </a:lnRef>
+          <a:fillRef idx="1">
+            <a:schemeClr val="accent1"/>
+          </a:fillRef>
+          <a:effectRef idx="0">
+            <a:schemeClr val="accent1"/>
+          </a:effectRef>
+          <a:fontRef idx="minor">
+            <a:schemeClr val="lt1"/>
+          </a:fontRef>
+        </p:style>
+        <p:txBody>
+          <a:bodyPr rtlCol="0" anchor="ctr"/>
+          <a:lstStyle/>
+          <a:p>
+            <a:pPr algn="ctr"/>
+            <a:r>
+              <a:rPr lang="zh-CN" altLang="en-US" sz="1200" dirty="0"/>
+              <a:t>队</a:t>
+            </a:r>
+            <a:r>
+              <a:rPr lang="zh-CN" altLang="en-US" sz="1200" dirty="0" smtClean="0"/>
+              <a:t>员</a:t>
+            </a:r>
+            <a:r>
+              <a:rPr lang="en-US" altLang="zh-CN" sz="1200" dirty="0"/>
+              <a:t>7</a:t>
+            </a:r>
+            <a:endParaRPr lang="zh-CN" altLang="en-US" sz="1200" dirty="0"/>
+          </a:p>
+        </p:txBody>
+      </p:sp>
+      <p:sp>
+        <p:nvSpPr>
+          <p:cNvPr id="19" name="Oval 18"/>
+          <p:cNvSpPr/>
+          <p:nvPr/>
+        </p:nvSpPr>
+        <p:spPr>
+          <a:xfrm>
+            <a:off x="9096998" y="5093293"/>
+            <a:ext cx="589660" cy="582972"/>
+          </a:xfrm>
+          <a:prstGeom prst="ellipse">
+            <a:avLst/>
+          </a:prstGeom>
+        </p:spPr>
+        <p:style>
+          <a:lnRef idx="2">
+            <a:schemeClr val="accent1">
+              <a:shade val="50000"/>
+            </a:schemeClr>
+          </a:lnRef>
+          <a:fillRef idx="1">
+            <a:schemeClr val="accent1"/>
+          </a:fillRef>
+          <a:effectRef idx="0">
+            <a:schemeClr val="accent1"/>
+          </a:effectRef>
+          <a:fontRef idx="minor">
+            <a:schemeClr val="lt1"/>
+          </a:fontRef>
+        </p:style>
+        <p:txBody>
+          <a:bodyPr rtlCol="0" anchor="ctr"/>
+          <a:lstStyle/>
+          <a:p>
+            <a:pPr algn="ctr"/>
+            <a:r>
+              <a:rPr lang="zh-CN" altLang="en-US" sz="1200" dirty="0"/>
+              <a:t>队</a:t>
+            </a:r>
+            <a:r>
+              <a:rPr lang="zh-CN" altLang="en-US" sz="1200" dirty="0" smtClean="0"/>
+              <a:t>员</a:t>
+            </a:r>
+            <a:r>
+              <a:rPr lang="en-US" altLang="zh-CN" sz="1200" dirty="0"/>
+              <a:t>8</a:t>
+            </a:r>
+            <a:endParaRPr lang="zh-CN" altLang="en-US" sz="1200" dirty="0"/>
+          </a:p>
+        </p:txBody>
+      </p:sp>
+      <p:cxnSp>
+        <p:nvCxnSpPr>
+          <p:cNvPr id="21" name="Straight Connector 20"/>
+          <p:cNvCxnSpPr/>
+          <p:nvPr/>
+        </p:nvCxnSpPr>
+        <p:spPr>
+          <a:xfrm>
+            <a:off x="1905713" y="4956561"/>
+            <a:ext cx="8212508" cy="42729"/>
+          </a:xfrm>
+          <a:prstGeom prst="line">
+            <a:avLst/>
+          </a:prstGeom>
+        </p:spPr>
+        <p:style>
+          <a:lnRef idx="1">
+            <a:schemeClr val="accent1"/>
+          </a:lnRef>
+          <a:fillRef idx="0">
+            <a:schemeClr val="accent1"/>
+          </a:fillRef>
+          <a:effectRef idx="0">
+            <a:schemeClr val="accent1"/>
+          </a:effectRef>
+          <a:fontRef idx="minor">
+            <a:schemeClr val="tx1"/>
+          </a:fontRef>
+        </p:style>
+      </p:cxnSp>
+      <p:sp>
+        <p:nvSpPr>
+          <p:cNvPr id="22" name="Rectangle 21"/>
+          <p:cNvSpPr/>
+          <p:nvPr/>
+        </p:nvSpPr>
+        <p:spPr>
+          <a:xfrm>
+            <a:off x="3290130" y="2008080"/>
+            <a:ext cx="658026" cy="692209"/>
+          </a:xfrm>
+          <a:prstGeom prst="rect">
+            <a:avLst/>
+          </a:prstGeom>
+          <a:solidFill>
+            <a:schemeClr val="accent2"/>
+          </a:solidFill>
+        </p:spPr>
+        <p:style>
+          <a:lnRef idx="2">
+            <a:schemeClr val="accent1">
+              <a:shade val="50000"/>
+            </a:schemeClr>
+          </a:lnRef>
+          <a:fillRef idx="1">
+            <a:schemeClr val="accent1"/>
+          </a:fillRef>
+          <a:effectRef idx="0">
+            <a:schemeClr val="accent1"/>
+          </a:effectRef>
+          <a:fontRef idx="minor">
+            <a:schemeClr val="lt1"/>
+          </a:fontRef>
+        </p:style>
+        <p:txBody>
+          <a:bodyPr rtlCol="0" anchor="ctr"/>
+          <a:lstStyle/>
+          <a:p>
+            <a:pPr algn="ctr"/>
+            <a:endParaRPr lang="zh-CN" altLang="en-US"/>
+          </a:p>
+        </p:txBody>
+      </p:sp>
+      <p:sp>
+        <p:nvSpPr>
+          <p:cNvPr id="31" name="Rectangle 30"/>
+          <p:cNvSpPr/>
+          <p:nvPr/>
+        </p:nvSpPr>
+        <p:spPr>
+          <a:xfrm>
+            <a:off x="4277151" y="2008080"/>
+            <a:ext cx="658026" cy="692209"/>
+          </a:xfrm>
+          <a:prstGeom prst="rect">
+            <a:avLst/>
+          </a:prstGeom>
+          <a:solidFill>
+            <a:schemeClr val="accent2"/>
+          </a:solidFill>
+        </p:spPr>
+        <p:style>
+          <a:lnRef idx="2">
+            <a:schemeClr val="accent1">
+              <a:shade val="50000"/>
+            </a:schemeClr>
+          </a:lnRef>
+          <a:fillRef idx="1">
+            <a:schemeClr val="accent1"/>
+          </a:fillRef>
+          <a:effectRef idx="0">
+            <a:schemeClr val="accent1"/>
+          </a:effectRef>
+          <a:fontRef idx="minor">
+            <a:schemeClr val="lt1"/>
+          </a:fontRef>
+        </p:style>
+        <p:txBody>
+          <a:bodyPr rtlCol="0" anchor="ctr"/>
+          <a:lstStyle/>
+          <a:p>
+            <a:pPr algn="ctr"/>
+            <a:endParaRPr lang="zh-CN" altLang="en-US"/>
+          </a:p>
+        </p:txBody>
+      </p:sp>
+      <p:sp>
+        <p:nvSpPr>
+          <p:cNvPr id="32" name="Rectangle 31"/>
+          <p:cNvSpPr/>
+          <p:nvPr/>
+        </p:nvSpPr>
+        <p:spPr>
+          <a:xfrm>
+            <a:off x="5264172" y="2008080"/>
+            <a:ext cx="658026" cy="692209"/>
+          </a:xfrm>
+          <a:prstGeom prst="rect">
+            <a:avLst/>
+          </a:prstGeom>
+          <a:solidFill>
+            <a:schemeClr val="accent2"/>
+          </a:solidFill>
+        </p:spPr>
+        <p:style>
+          <a:lnRef idx="2">
+            <a:schemeClr val="accent1">
+              <a:shade val="50000"/>
+            </a:schemeClr>
+          </a:lnRef>
+          <a:fillRef idx="1">
+            <a:schemeClr val="accent1"/>
+          </a:fillRef>
+          <a:effectRef idx="0">
+            <a:schemeClr val="accent1"/>
+          </a:effectRef>
+          <a:fontRef idx="minor">
+            <a:schemeClr val="lt1"/>
+          </a:fontRef>
+        </p:style>
+        <p:txBody>
+          <a:bodyPr rtlCol="0" anchor="ctr"/>
+          <a:lstStyle/>
+          <a:p>
+            <a:pPr algn="ctr"/>
+            <a:endParaRPr lang="zh-CN" altLang="en-US"/>
+          </a:p>
+        </p:txBody>
+      </p:sp>
+      <p:sp>
+        <p:nvSpPr>
+          <p:cNvPr id="33" name="Rectangle 32"/>
+          <p:cNvSpPr/>
+          <p:nvPr/>
+        </p:nvSpPr>
+        <p:spPr>
+          <a:xfrm>
+            <a:off x="6221338" y="2008080"/>
+            <a:ext cx="658026" cy="692209"/>
+          </a:xfrm>
+          <a:prstGeom prst="rect">
+            <a:avLst/>
+          </a:prstGeom>
+          <a:solidFill>
+            <a:schemeClr val="accent2"/>
+          </a:solidFill>
+        </p:spPr>
+        <p:style>
+          <a:lnRef idx="2">
+            <a:schemeClr val="accent1">
+              <a:shade val="50000"/>
+            </a:schemeClr>
+          </a:lnRef>
+          <a:fillRef idx="1">
+            <a:schemeClr val="accent1"/>
+          </a:fillRef>
+          <a:effectRef idx="0">
+            <a:schemeClr val="accent1"/>
+          </a:effectRef>
+          <a:fontRef idx="minor">
+            <a:schemeClr val="lt1"/>
+          </a:fontRef>
+        </p:style>
+        <p:txBody>
+          <a:bodyPr rtlCol="0" anchor="ctr"/>
+          <a:lstStyle/>
+          <a:p>
+            <a:pPr algn="ctr"/>
+            <a:endParaRPr lang="zh-CN" altLang="en-US"/>
+          </a:p>
+        </p:txBody>
+      </p:sp>
+      <p:sp>
+        <p:nvSpPr>
+          <p:cNvPr id="34" name="Rectangle 33"/>
+          <p:cNvSpPr/>
+          <p:nvPr/>
+        </p:nvSpPr>
+        <p:spPr>
+          <a:xfrm>
+            <a:off x="7235677" y="2008080"/>
+            <a:ext cx="658026" cy="692209"/>
+          </a:xfrm>
+          <a:prstGeom prst="rect">
+            <a:avLst/>
+          </a:prstGeom>
+          <a:solidFill>
+            <a:schemeClr val="accent2"/>
+          </a:solidFill>
+        </p:spPr>
+        <p:style>
+          <a:lnRef idx="2">
+            <a:schemeClr val="accent1">
+              <a:shade val="50000"/>
+            </a:schemeClr>
+          </a:lnRef>
+          <a:fillRef idx="1">
+            <a:schemeClr val="accent1"/>
+          </a:fillRef>
+          <a:effectRef idx="0">
+            <a:schemeClr val="accent1"/>
+          </a:effectRef>
+          <a:fontRef idx="minor">
+            <a:schemeClr val="lt1"/>
+          </a:fontRef>
+        </p:style>
+        <p:txBody>
+          <a:bodyPr rtlCol="0" anchor="ctr"/>
+          <a:lstStyle/>
+          <a:p>
+            <a:pPr algn="ctr"/>
+            <a:endParaRPr lang="zh-CN" altLang="en-US"/>
+          </a:p>
+        </p:txBody>
+      </p:sp>
+      <p:sp>
+        <p:nvSpPr>
+          <p:cNvPr id="35" name="Rectangle 34"/>
+          <p:cNvSpPr/>
+          <p:nvPr/>
+        </p:nvSpPr>
+        <p:spPr>
+          <a:xfrm>
+            <a:off x="8222698" y="2008080"/>
+            <a:ext cx="658026" cy="692209"/>
+          </a:xfrm>
+          <a:prstGeom prst="rect">
+            <a:avLst/>
+          </a:prstGeom>
+          <a:solidFill>
+            <a:schemeClr val="accent2"/>
+          </a:solidFill>
+        </p:spPr>
+        <p:style>
+          <a:lnRef idx="2">
+            <a:schemeClr val="accent1">
+              <a:shade val="50000"/>
+            </a:schemeClr>
+          </a:lnRef>
+          <a:fillRef idx="1">
+            <a:schemeClr val="accent1"/>
+          </a:fillRef>
+          <a:effectRef idx="0">
+            <a:schemeClr val="accent1"/>
+          </a:effectRef>
+          <a:fontRef idx="minor">
+            <a:schemeClr val="lt1"/>
+          </a:fontRef>
+        </p:style>
+        <p:txBody>
+          <a:bodyPr rtlCol="0" anchor="ctr"/>
+          <a:lstStyle/>
+          <a:p>
+            <a:pPr algn="ctr"/>
+            <a:endParaRPr lang="zh-CN" altLang="en-US"/>
+          </a:p>
+        </p:txBody>
+      </p:sp>
+      <p:sp>
+        <p:nvSpPr>
+          <p:cNvPr id="38" name="Rectangle 37"/>
+          <p:cNvSpPr/>
+          <p:nvPr/>
+        </p:nvSpPr>
+        <p:spPr>
+          <a:xfrm>
+            <a:off x="3302930" y="2948118"/>
+            <a:ext cx="658026" cy="692209"/>
+          </a:xfrm>
+          <a:prstGeom prst="rect">
+            <a:avLst/>
+          </a:prstGeom>
+          <a:solidFill>
+            <a:schemeClr val="accent2"/>
+          </a:solidFill>
+        </p:spPr>
+        <p:style>
+          <a:lnRef idx="2">
+            <a:schemeClr val="accent1">
+              <a:shade val="50000"/>
+            </a:schemeClr>
+          </a:lnRef>
+          <a:fillRef idx="1">
+            <a:schemeClr val="accent1"/>
+          </a:fillRef>
+          <a:effectRef idx="0">
+            <a:schemeClr val="accent1"/>
+          </a:effectRef>
+          <a:fontRef idx="minor">
+            <a:schemeClr val="lt1"/>
+          </a:fontRef>
+        </p:style>
+        <p:txBody>
+          <a:bodyPr rtlCol="0" anchor="ctr"/>
+          <a:lstStyle/>
+          <a:p>
+            <a:pPr algn="ctr"/>
+            <a:endParaRPr lang="zh-CN" altLang="en-US"/>
+          </a:p>
+        </p:txBody>
+      </p:sp>
+      <p:sp>
+        <p:nvSpPr>
+          <p:cNvPr id="39" name="Rectangle 38"/>
+          <p:cNvSpPr/>
+          <p:nvPr/>
+        </p:nvSpPr>
+        <p:spPr>
+          <a:xfrm>
+            <a:off x="4289951" y="2948118"/>
+            <a:ext cx="658026" cy="692209"/>
+          </a:xfrm>
+          <a:prstGeom prst="rect">
+            <a:avLst/>
+          </a:prstGeom>
+          <a:solidFill>
+            <a:schemeClr val="accent2"/>
+          </a:solidFill>
+        </p:spPr>
+        <p:style>
+          <a:lnRef idx="2">
+            <a:schemeClr val="accent1">
+              <a:shade val="50000"/>
+            </a:schemeClr>
+          </a:lnRef>
+          <a:fillRef idx="1">
+            <a:schemeClr val="accent1"/>
+          </a:fillRef>
+          <a:effectRef idx="0">
+            <a:schemeClr val="accent1"/>
+          </a:effectRef>
+          <a:fontRef idx="minor">
+            <a:schemeClr val="lt1"/>
+          </a:fontRef>
+        </p:style>
+        <p:txBody>
+          <a:bodyPr rtlCol="0" anchor="ctr"/>
+          <a:lstStyle/>
+          <a:p>
+            <a:pPr algn="ctr"/>
+            <a:endParaRPr lang="zh-CN" altLang="en-US"/>
+          </a:p>
+        </p:txBody>
+      </p:sp>
+      <p:sp>
+        <p:nvSpPr>
+          <p:cNvPr id="40" name="Rectangle 39"/>
+          <p:cNvSpPr/>
+          <p:nvPr/>
+        </p:nvSpPr>
+        <p:spPr>
+          <a:xfrm>
+            <a:off x="5276972" y="2948118"/>
+            <a:ext cx="658026" cy="692209"/>
+          </a:xfrm>
+          <a:prstGeom prst="rect">
+            <a:avLst/>
+          </a:prstGeom>
+          <a:noFill/>
+          <a:ln>
+            <a:solidFill>
+              <a:schemeClr val="bg1"/>
+            </a:solidFill>
+          </a:ln>
+        </p:spPr>
+        <p:style>
+          <a:lnRef idx="2">
+            <a:schemeClr val="accent1">
+              <a:shade val="50000"/>
+            </a:schemeClr>
+          </a:lnRef>
+          <a:fillRef idx="1">
+            <a:schemeClr val="accent1"/>
+          </a:fillRef>
+          <a:effectRef idx="0">
+            <a:schemeClr val="accent1"/>
+          </a:effectRef>
+          <a:fontRef idx="minor">
+            <a:schemeClr val="lt1"/>
+          </a:fontRef>
+        </p:style>
+        <p:txBody>
+          <a:bodyPr rtlCol="0" anchor="ctr"/>
+          <a:lstStyle/>
+          <a:p>
+            <a:pPr algn="ctr"/>
+            <a:endParaRPr lang="zh-CN" altLang="en-US"/>
+          </a:p>
+        </p:txBody>
+      </p:sp>
+      <p:sp>
+        <p:nvSpPr>
+          <p:cNvPr id="41" name="Rectangle 40"/>
+          <p:cNvSpPr/>
+          <p:nvPr/>
+        </p:nvSpPr>
+        <p:spPr>
+          <a:xfrm>
+            <a:off x="6234138" y="2948118"/>
+            <a:ext cx="658026" cy="692209"/>
+          </a:xfrm>
+          <a:prstGeom prst="rect">
+            <a:avLst/>
+          </a:prstGeom>
+          <a:solidFill>
+            <a:schemeClr val="accent2"/>
+          </a:solidFill>
+        </p:spPr>
+        <p:style>
+          <a:lnRef idx="2">
+            <a:schemeClr val="accent1">
+              <a:shade val="50000"/>
+            </a:schemeClr>
+          </a:lnRef>
+          <a:fillRef idx="1">
+            <a:schemeClr val="accent1"/>
+          </a:fillRef>
+          <a:effectRef idx="0">
+            <a:schemeClr val="accent1"/>
+          </a:effectRef>
+          <a:fontRef idx="minor">
+            <a:schemeClr val="lt1"/>
+          </a:fontRef>
+        </p:style>
+        <p:txBody>
+          <a:bodyPr rtlCol="0" anchor="ctr"/>
+          <a:lstStyle/>
+          <a:p>
+            <a:pPr algn="ctr"/>
+            <a:endParaRPr lang="zh-CN" altLang="en-US"/>
+          </a:p>
+        </p:txBody>
+      </p:sp>
+      <p:sp>
+        <p:nvSpPr>
+          <p:cNvPr id="42" name="Rectangle 41"/>
+          <p:cNvSpPr/>
+          <p:nvPr/>
+        </p:nvSpPr>
+        <p:spPr>
+          <a:xfrm>
+            <a:off x="7248477" y="2948118"/>
+            <a:ext cx="658026" cy="692209"/>
+          </a:xfrm>
+          <a:prstGeom prst="rect">
+            <a:avLst/>
+          </a:prstGeom>
+          <a:solidFill>
+            <a:schemeClr val="accent2"/>
+          </a:solidFill>
+        </p:spPr>
+        <p:style>
+          <a:lnRef idx="2">
+            <a:schemeClr val="accent1">
+              <a:shade val="50000"/>
+            </a:schemeClr>
+          </a:lnRef>
+          <a:fillRef idx="1">
+            <a:schemeClr val="accent1"/>
+          </a:fillRef>
+          <a:effectRef idx="0">
+            <a:schemeClr val="accent1"/>
+          </a:effectRef>
+          <a:fontRef idx="minor">
+            <a:schemeClr val="lt1"/>
+          </a:fontRef>
+        </p:style>
+        <p:txBody>
+          <a:bodyPr rtlCol="0" anchor="ctr"/>
+          <a:lstStyle/>
+          <a:p>
+            <a:pPr algn="ctr"/>
+            <a:endParaRPr lang="zh-CN" altLang="en-US"/>
+          </a:p>
+        </p:txBody>
+      </p:sp>
+      <p:sp>
+        <p:nvSpPr>
+          <p:cNvPr id="43" name="Rectangle 42"/>
+          <p:cNvSpPr/>
+          <p:nvPr/>
+        </p:nvSpPr>
+        <p:spPr>
+          <a:xfrm>
+            <a:off x="8235498" y="2948118"/>
+            <a:ext cx="658026" cy="692209"/>
+          </a:xfrm>
+          <a:prstGeom prst="rect">
+            <a:avLst/>
+          </a:prstGeom>
+          <a:noFill/>
+          <a:ln>
+            <a:solidFill>
+              <a:schemeClr val="bg1"/>
+            </a:solidFill>
+          </a:ln>
+        </p:spPr>
+        <p:style>
+          <a:lnRef idx="2">
+            <a:schemeClr val="accent1">
+              <a:shade val="50000"/>
+            </a:schemeClr>
+          </a:lnRef>
+          <a:fillRef idx="1">
+            <a:schemeClr val="accent1"/>
+          </a:fillRef>
+          <a:effectRef idx="0">
+            <a:schemeClr val="accent1"/>
+          </a:effectRef>
+          <a:fontRef idx="minor">
+            <a:schemeClr val="lt1"/>
+          </a:fontRef>
+        </p:style>
+        <p:txBody>
+          <a:bodyPr rtlCol="0" anchor="ctr"/>
+          <a:lstStyle/>
+          <a:p>
+            <a:pPr algn="ctr"/>
+            <a:endParaRPr lang="zh-CN" altLang="en-US"/>
+          </a:p>
+        </p:txBody>
+      </p:sp>
+      <p:grpSp>
+        <p:nvGrpSpPr>
+          <p:cNvPr id="46" name="Group 45"/>
+          <p:cNvGrpSpPr/>
+          <p:nvPr/>
+        </p:nvGrpSpPr>
+        <p:grpSpPr>
+          <a:xfrm>
+            <a:off x="3529412" y="3226149"/>
+            <a:ext cx="205062" cy="264513"/>
+            <a:chOff x="5755592" y="376015"/>
+            <a:chExt cx="205062" cy="264513"/>
+          </a:xfrm>
+        </p:grpSpPr>
+        <p:sp>
+          <p:nvSpPr>
+            <p:cNvPr id="45" name="Isosceles Triangle 44"/>
+            <p:cNvSpPr/>
+            <p:nvPr/>
+          </p:nvSpPr>
+          <p:spPr>
+            <a:xfrm>
+              <a:off x="5755592" y="496062"/>
+              <a:ext cx="205062" cy="144466"/>
+            </a:xfrm>
+            <a:prstGeom prst="triangle">
+              <a:avLst/>
+            </a:prstGeom>
+          </p:spPr>
+          <p:style>
+            <a:lnRef idx="2">
+              <a:schemeClr val="accent1">
+                <a:shade val="50000"/>
+              </a:schemeClr>
+            </a:lnRef>
+            <a:fillRef idx="1">
+              <a:schemeClr val="accent1"/>
+            </a:fillRef>
+            <a:effectRef idx="0">
+              <a:schemeClr val="accent1"/>
+            </a:effectRef>
+            <a:fontRef idx="minor">
+              <a:schemeClr val="lt1"/>
+            </a:fontRef>
+          </p:style>
+          <p:txBody>
+            <a:bodyPr rtlCol="0" anchor="ctr"/>
+            <a:lstStyle/>
+            <a:p>
+              <a:pPr algn="ctr"/>
+              <a:endParaRPr lang="zh-CN" altLang="en-US"/>
+            </a:p>
+          </p:txBody>
+        </p:sp>
+        <p:sp>
+          <p:nvSpPr>
+            <p:cNvPr id="44" name="Oval 43"/>
+            <p:cNvSpPr/>
+            <p:nvPr/>
+          </p:nvSpPr>
+          <p:spPr>
+            <a:xfrm>
+              <a:off x="5794049" y="376015"/>
+              <a:ext cx="128149" cy="145278"/>
+            </a:xfrm>
+            <a:prstGeom prst="ellipse">
+              <a:avLst/>
+            </a:prstGeom>
+          </p:spPr>
+          <p:style>
+            <a:lnRef idx="2">
+              <a:schemeClr val="accent1">
+                <a:shade val="50000"/>
+              </a:schemeClr>
+            </a:lnRef>
+            <a:fillRef idx="1">
+              <a:schemeClr val="accent1"/>
+            </a:fillRef>
+            <a:effectRef idx="0">
+              <a:schemeClr val="accent1"/>
+            </a:effectRef>
+            <a:fontRef idx="minor">
+              <a:schemeClr val="lt1"/>
+            </a:fontRef>
+          </p:style>
+          <p:txBody>
+            <a:bodyPr rtlCol="0" anchor="ctr"/>
+            <a:lstStyle/>
+            <a:p>
+              <a:pPr algn="ctr"/>
+              <a:endParaRPr lang="zh-CN" altLang="en-US"/>
+            </a:p>
+          </p:txBody>
+        </p:sp>
+      </p:grpSp>
+      <p:grpSp>
+        <p:nvGrpSpPr>
+          <p:cNvPr id="47" name="Group 46"/>
+          <p:cNvGrpSpPr/>
+          <p:nvPr/>
+        </p:nvGrpSpPr>
+        <p:grpSpPr>
+          <a:xfrm>
+            <a:off x="4516433" y="2221927"/>
+            <a:ext cx="205062" cy="264513"/>
+            <a:chOff x="5755592" y="376015"/>
+            <a:chExt cx="205062" cy="264513"/>
+          </a:xfrm>
+        </p:grpSpPr>
+        <p:sp>
+          <p:nvSpPr>
+            <p:cNvPr id="48" name="Isosceles Triangle 47"/>
+            <p:cNvSpPr/>
+            <p:nvPr/>
+          </p:nvSpPr>
+          <p:spPr>
+            <a:xfrm>
+              <a:off x="5755592" y="496062"/>
+              <a:ext cx="205062" cy="144466"/>
+            </a:xfrm>
+            <a:prstGeom prst="triangle">
+              <a:avLst/>
+            </a:prstGeom>
+          </p:spPr>
+          <p:style>
+            <a:lnRef idx="2">
+              <a:schemeClr val="accent1">
+                <a:shade val="50000"/>
+              </a:schemeClr>
+            </a:lnRef>
+            <a:fillRef idx="1">
+              <a:schemeClr val="accent1"/>
+            </a:fillRef>
+            <a:effectRef idx="0">
+              <a:schemeClr val="accent1"/>
+            </a:effectRef>
+            <a:fontRef idx="minor">
+              <a:schemeClr val="lt1"/>
+            </a:fontRef>
+          </p:style>
+          <p:txBody>
+            <a:bodyPr rtlCol="0" anchor="ctr"/>
+            <a:lstStyle/>
+            <a:p>
+              <a:pPr algn="ctr"/>
+              <a:endParaRPr lang="zh-CN" altLang="en-US"/>
+            </a:p>
+          </p:txBody>
+        </p:sp>
+        <p:sp>
+          <p:nvSpPr>
+            <p:cNvPr id="49" name="Oval 48"/>
+            <p:cNvSpPr/>
+            <p:nvPr/>
+          </p:nvSpPr>
+          <p:spPr>
+            <a:xfrm>
+              <a:off x="5794049" y="376015"/>
+              <a:ext cx="128149" cy="145278"/>
+            </a:xfrm>
+            <a:prstGeom prst="ellipse">
+              <a:avLst/>
+            </a:prstGeom>
+          </p:spPr>
+          <p:style>
+            <a:lnRef idx="2">
+              <a:schemeClr val="accent1">
+                <a:shade val="50000"/>
+              </a:schemeClr>
+            </a:lnRef>
+            <a:fillRef idx="1">
+              <a:schemeClr val="accent1"/>
+            </a:fillRef>
+            <a:effectRef idx="0">
+              <a:schemeClr val="accent1"/>
+            </a:effectRef>
+            <a:fontRef idx="minor">
+              <a:schemeClr val="lt1"/>
+            </a:fontRef>
+          </p:style>
+          <p:txBody>
+            <a:bodyPr rtlCol="0" anchor="ctr"/>
+            <a:lstStyle/>
+            <a:p>
+              <a:pPr algn="ctr"/>
+              <a:endParaRPr lang="zh-CN" altLang="en-US"/>
+            </a:p>
+          </p:txBody>
+        </p:sp>
+      </p:grpSp>
+      <p:grpSp>
+        <p:nvGrpSpPr>
+          <p:cNvPr id="50" name="Group 49"/>
+          <p:cNvGrpSpPr/>
+          <p:nvPr/>
+        </p:nvGrpSpPr>
+        <p:grpSpPr>
+          <a:xfrm>
+            <a:off x="6460620" y="2221927"/>
+            <a:ext cx="205062" cy="264513"/>
+            <a:chOff x="5755592" y="376015"/>
+            <a:chExt cx="205062" cy="264513"/>
+          </a:xfrm>
+        </p:grpSpPr>
+        <p:sp>
+          <p:nvSpPr>
+            <p:cNvPr id="51" name="Isosceles Triangle 50"/>
+            <p:cNvSpPr/>
+            <p:nvPr/>
+          </p:nvSpPr>
+          <p:spPr>
+            <a:xfrm>
+              <a:off x="5755592" y="496062"/>
+              <a:ext cx="205062" cy="144466"/>
+            </a:xfrm>
+            <a:prstGeom prst="triangle">
+              <a:avLst/>
+            </a:prstGeom>
+          </p:spPr>
+          <p:style>
+            <a:lnRef idx="2">
+              <a:schemeClr val="accent1">
+                <a:shade val="50000"/>
+              </a:schemeClr>
+            </a:lnRef>
+            <a:fillRef idx="1">
+              <a:schemeClr val="accent1"/>
+            </a:fillRef>
+            <a:effectRef idx="0">
+              <a:schemeClr val="accent1"/>
+            </a:effectRef>
+            <a:fontRef idx="minor">
+              <a:schemeClr val="lt1"/>
+            </a:fontRef>
+          </p:style>
+          <p:txBody>
+            <a:bodyPr rtlCol="0" anchor="ctr"/>
+            <a:lstStyle/>
+            <a:p>
+              <a:pPr algn="ctr"/>
+              <a:endParaRPr lang="zh-CN" altLang="en-US"/>
+            </a:p>
+          </p:txBody>
+        </p:sp>
+        <p:sp>
+          <p:nvSpPr>
+            <p:cNvPr id="52" name="Oval 51"/>
+            <p:cNvSpPr/>
+            <p:nvPr/>
+          </p:nvSpPr>
+          <p:spPr>
+            <a:xfrm>
+              <a:off x="5794049" y="376015"/>
+              <a:ext cx="128149" cy="145278"/>
+            </a:xfrm>
+            <a:prstGeom prst="ellipse">
+              <a:avLst/>
+            </a:prstGeom>
+          </p:spPr>
+          <p:style>
+            <a:lnRef idx="2">
+              <a:schemeClr val="accent1">
+                <a:shade val="50000"/>
+              </a:schemeClr>
+            </a:lnRef>
+            <a:fillRef idx="1">
+              <a:schemeClr val="accent1"/>
+            </a:fillRef>
+            <a:effectRef idx="0">
+              <a:schemeClr val="accent1"/>
+            </a:effectRef>
+            <a:fontRef idx="minor">
+              <a:schemeClr val="lt1"/>
+            </a:fontRef>
+          </p:style>
+          <p:txBody>
+            <a:bodyPr rtlCol="0" anchor="ctr"/>
+            <a:lstStyle/>
+            <a:p>
+              <a:pPr algn="ctr"/>
+              <a:endParaRPr lang="zh-CN" altLang="en-US"/>
+            </a:p>
+          </p:txBody>
+        </p:sp>
+      </p:grpSp>
+      <p:sp>
+        <p:nvSpPr>
+          <p:cNvPr id="53" name="Rounded Rectangle 52"/>
+          <p:cNvSpPr/>
+          <p:nvPr/>
+        </p:nvSpPr>
+        <p:spPr>
+          <a:xfrm>
+            <a:off x="2640651" y="5691502"/>
+            <a:ext cx="589660" cy="61678"/>
+          </a:xfrm>
+          <a:prstGeom prst="roundRect">
+            <a:avLst/>
+          </a:prstGeom>
+        </p:spPr>
+        <p:style>
+          <a:lnRef idx="2">
+            <a:schemeClr val="accent1">
+              <a:shade val="50000"/>
+            </a:schemeClr>
+          </a:lnRef>
+          <a:fillRef idx="1">
+            <a:schemeClr val="accent1"/>
+          </a:fillRef>
+          <a:effectRef idx="0">
+            <a:schemeClr val="accent1"/>
+          </a:effectRef>
+          <a:fontRef idx="minor">
+            <a:schemeClr val="lt1"/>
+          </a:fontRef>
+        </p:style>
+        <p:txBody>
+          <a:bodyPr rtlCol="0" anchor="ctr"/>
+          <a:lstStyle/>
+          <a:p>
+            <a:pPr algn="ctr"/>
+            <a:endParaRPr lang="zh-CN" altLang="en-US"/>
+          </a:p>
+        </p:txBody>
+      </p:sp>
+      <p:sp>
+        <p:nvSpPr>
+          <p:cNvPr id="54" name="Rounded Rectangle 53"/>
+          <p:cNvSpPr/>
+          <p:nvPr/>
+        </p:nvSpPr>
+        <p:spPr>
+          <a:xfrm>
+            <a:off x="3666127" y="5691502"/>
+            <a:ext cx="589660" cy="61678"/>
+          </a:xfrm>
+          <a:prstGeom prst="roundRect">
+            <a:avLst/>
+          </a:prstGeom>
+        </p:spPr>
+        <p:style>
+          <a:lnRef idx="2">
+            <a:schemeClr val="accent1">
+              <a:shade val="50000"/>
+            </a:schemeClr>
+          </a:lnRef>
+          <a:fillRef idx="1">
+            <a:schemeClr val="accent1"/>
+          </a:fillRef>
+          <a:effectRef idx="0">
+            <a:schemeClr val="accent1"/>
+          </a:effectRef>
+          <a:fontRef idx="minor">
+            <a:schemeClr val="lt1"/>
+          </a:fontRef>
+        </p:style>
+        <p:txBody>
+          <a:bodyPr rtlCol="0" anchor="ctr"/>
+          <a:lstStyle/>
+          <a:p>
+            <a:pPr algn="ctr"/>
+            <a:endParaRPr lang="zh-CN" altLang="en-US"/>
+          </a:p>
+        </p:txBody>
+      </p:sp>
+      <p:sp>
+        <p:nvSpPr>
+          <p:cNvPr id="55" name="Rounded Rectangle 54"/>
+          <p:cNvSpPr/>
+          <p:nvPr/>
+        </p:nvSpPr>
+        <p:spPr>
+          <a:xfrm>
+            <a:off x="4606164" y="5691502"/>
+            <a:ext cx="589660" cy="61678"/>
+          </a:xfrm>
+          <a:prstGeom prst="roundRect">
+            <a:avLst/>
+          </a:prstGeom>
+        </p:spPr>
+        <p:style>
+          <a:lnRef idx="2">
+            <a:schemeClr val="accent1">
+              <a:shade val="50000"/>
+            </a:schemeClr>
+          </a:lnRef>
+          <a:fillRef idx="1">
+            <a:schemeClr val="accent1"/>
+          </a:fillRef>
+          <a:effectRef idx="0">
+            <a:schemeClr val="accent1"/>
+          </a:effectRef>
+          <a:fontRef idx="minor">
+            <a:schemeClr val="lt1"/>
+          </a:fontRef>
+        </p:style>
+        <p:txBody>
+          <a:bodyPr rtlCol="0" anchor="ctr"/>
+          <a:lstStyle/>
+          <a:p>
+            <a:pPr algn="ctr"/>
+            <a:endParaRPr lang="zh-CN" altLang="en-US"/>
+          </a:p>
+        </p:txBody>
+      </p:sp>
+      <p:sp>
+        <p:nvSpPr>
+          <p:cNvPr id="56" name="Rounded Rectangle 55"/>
+          <p:cNvSpPr/>
+          <p:nvPr/>
+        </p:nvSpPr>
+        <p:spPr>
+          <a:xfrm>
+            <a:off x="5520584" y="5691502"/>
+            <a:ext cx="589660" cy="61678"/>
+          </a:xfrm>
+          <a:prstGeom prst="roundRect">
+            <a:avLst/>
+          </a:prstGeom>
+        </p:spPr>
+        <p:style>
+          <a:lnRef idx="2">
+            <a:schemeClr val="accent1">
+              <a:shade val="50000"/>
+            </a:schemeClr>
+          </a:lnRef>
+          <a:fillRef idx="1">
+            <a:schemeClr val="accent1"/>
+          </a:fillRef>
+          <a:effectRef idx="0">
+            <a:schemeClr val="accent1"/>
+          </a:effectRef>
+          <a:fontRef idx="minor">
+            <a:schemeClr val="lt1"/>
+          </a:fontRef>
+        </p:style>
+        <p:txBody>
+          <a:bodyPr rtlCol="0" anchor="ctr"/>
+          <a:lstStyle/>
+          <a:p>
+            <a:pPr algn="ctr"/>
+            <a:endParaRPr lang="zh-CN" altLang="en-US"/>
+          </a:p>
+        </p:txBody>
+      </p:sp>
+      <p:sp>
+        <p:nvSpPr>
+          <p:cNvPr id="57" name="Rounded Rectangle 56"/>
+          <p:cNvSpPr/>
+          <p:nvPr/>
+        </p:nvSpPr>
+        <p:spPr>
+          <a:xfrm>
+            <a:off x="6454650" y="5691502"/>
+            <a:ext cx="589660" cy="61678"/>
+          </a:xfrm>
+          <a:prstGeom prst="roundRect">
+            <a:avLst/>
+          </a:prstGeom>
+        </p:spPr>
+        <p:style>
+          <a:lnRef idx="2">
+            <a:schemeClr val="accent1">
+              <a:shade val="50000"/>
+            </a:schemeClr>
+          </a:lnRef>
+          <a:fillRef idx="1">
+            <a:schemeClr val="accent1"/>
+          </a:fillRef>
+          <a:effectRef idx="0">
+            <a:schemeClr val="accent1"/>
+          </a:effectRef>
+          <a:fontRef idx="minor">
+            <a:schemeClr val="lt1"/>
+          </a:fontRef>
+        </p:style>
+        <p:txBody>
+          <a:bodyPr rtlCol="0" anchor="ctr"/>
+          <a:lstStyle/>
+          <a:p>
+            <a:pPr algn="ctr"/>
+            <a:endParaRPr lang="zh-CN" altLang="en-US"/>
+          </a:p>
+        </p:txBody>
+      </p:sp>
+      <p:sp>
+        <p:nvSpPr>
+          <p:cNvPr id="58" name="TextBox 57"/>
+          <p:cNvSpPr txBox="1"/>
+          <p:nvPr/>
+        </p:nvSpPr>
+        <p:spPr>
+          <a:xfrm>
+            <a:off x="2076627" y="1165297"/>
+            <a:ext cx="1871529" cy="307777"/>
+          </a:xfrm>
+          <a:prstGeom prst="rect">
+            <a:avLst/>
+          </a:prstGeom>
+          <a:noFill/>
+        </p:spPr>
+        <p:txBody>
+          <a:bodyPr wrap="square" rtlCol="0">
+            <a:spAutoFit/>
+          </a:bodyPr>
+          <a:lstStyle/>
+          <a:p>
+            <a:r>
+              <a:rPr lang="zh-CN" altLang="en-US" sz="1400" dirty="0">
+                <a:solidFill>
+                  <a:schemeClr val="bg1"/>
+                </a:solidFill>
+              </a:rPr>
+              <a:t>解</a:t>
+            </a:r>
+            <a:r>
+              <a:rPr lang="zh-CN" altLang="en-US" sz="1400" dirty="0" smtClean="0">
+                <a:solidFill>
+                  <a:schemeClr val="bg1"/>
+                </a:solidFill>
+              </a:rPr>
+              <a:t>救人数：</a:t>
+            </a:r>
+            <a:r>
+              <a:rPr lang="en-US" altLang="zh-CN" sz="1400" dirty="0" smtClean="0">
+                <a:solidFill>
+                  <a:schemeClr val="bg1"/>
+                </a:solidFill>
+              </a:rPr>
+              <a:t>3/9</a:t>
+            </a:r>
+            <a:endParaRPr lang="zh-CN" altLang="en-US" sz="1400" dirty="0">
+              <a:solidFill>
+                <a:schemeClr val="bg1"/>
+              </a:solidFill>
+            </a:endParaRPr>
+          </a:p>
+        </p:txBody>
+      </p:sp>
+      <p:sp>
+        <p:nvSpPr>
+          <p:cNvPr id="59" name="TextBox 58"/>
+          <p:cNvSpPr txBox="1"/>
+          <p:nvPr/>
+        </p:nvSpPr>
+        <p:spPr>
+          <a:xfrm>
+            <a:off x="3666128" y="1165297"/>
+            <a:ext cx="1055368" cy="307777"/>
+          </a:xfrm>
+          <a:prstGeom prst="rect">
+            <a:avLst/>
+          </a:prstGeom>
+          <a:noFill/>
+        </p:spPr>
+        <p:txBody>
+          <a:bodyPr wrap="square" rtlCol="0">
+            <a:spAutoFit/>
+          </a:bodyPr>
+          <a:lstStyle/>
+          <a:p>
+            <a:r>
+              <a:rPr lang="zh-CN" altLang="en-US" sz="1400" dirty="0" smtClean="0">
+                <a:solidFill>
+                  <a:schemeClr val="bg1"/>
+                </a:solidFill>
+              </a:rPr>
+              <a:t>拯救财产：</a:t>
+            </a:r>
+            <a:endParaRPr lang="zh-CN" altLang="en-US" sz="1400" dirty="0">
+              <a:solidFill>
+                <a:schemeClr val="bg1"/>
+              </a:solidFill>
+            </a:endParaRPr>
+          </a:p>
+        </p:txBody>
+      </p:sp>
+      <p:sp>
+        <p:nvSpPr>
+          <p:cNvPr id="60" name="Plaque 59"/>
+          <p:cNvSpPr/>
+          <p:nvPr/>
+        </p:nvSpPr>
+        <p:spPr>
+          <a:xfrm>
+            <a:off x="4687349" y="1221866"/>
+            <a:ext cx="213645" cy="207709"/>
+          </a:xfrm>
+          <a:prstGeom prst="plaque">
+            <a:avLst/>
+          </a:prstGeom>
+          <a:solidFill>
+            <a:schemeClr val="accent2"/>
+          </a:solidFill>
+        </p:spPr>
+        <p:style>
+          <a:lnRef idx="2">
+            <a:schemeClr val="accent1">
+              <a:shade val="50000"/>
+            </a:schemeClr>
+          </a:lnRef>
+          <a:fillRef idx="1">
+            <a:schemeClr val="accent1"/>
+          </a:fillRef>
+          <a:effectRef idx="0">
+            <a:schemeClr val="accent1"/>
+          </a:effectRef>
+          <a:fontRef idx="minor">
+            <a:schemeClr val="lt1"/>
+          </a:fontRef>
+        </p:style>
+        <p:txBody>
+          <a:bodyPr rtlCol="0" anchor="ctr"/>
+          <a:lstStyle/>
+          <a:p>
+            <a:pPr algn="ctr"/>
+            <a:endParaRPr lang="zh-CN" altLang="en-US"/>
+          </a:p>
+        </p:txBody>
+      </p:sp>
+      <p:sp>
+        <p:nvSpPr>
+          <p:cNvPr id="61" name="Plaque 60"/>
+          <p:cNvSpPr/>
+          <p:nvPr/>
+        </p:nvSpPr>
+        <p:spPr>
+          <a:xfrm>
+            <a:off x="4994923" y="1221866"/>
+            <a:ext cx="213645" cy="207709"/>
+          </a:xfrm>
+          <a:prstGeom prst="plaque">
+            <a:avLst/>
+          </a:prstGeom>
+          <a:solidFill>
+            <a:schemeClr val="accent2"/>
+          </a:solidFill>
+        </p:spPr>
+        <p:style>
+          <a:lnRef idx="2">
+            <a:schemeClr val="accent1">
+              <a:shade val="50000"/>
+            </a:schemeClr>
+          </a:lnRef>
+          <a:fillRef idx="1">
+            <a:schemeClr val="accent1"/>
+          </a:fillRef>
+          <a:effectRef idx="0">
+            <a:schemeClr val="accent1"/>
+          </a:effectRef>
+          <a:fontRef idx="minor">
+            <a:schemeClr val="lt1"/>
+          </a:fontRef>
+        </p:style>
+        <p:txBody>
+          <a:bodyPr rtlCol="0" anchor="ctr"/>
+          <a:lstStyle/>
+          <a:p>
+            <a:pPr algn="ctr"/>
+            <a:endParaRPr lang="zh-CN" altLang="en-US"/>
+          </a:p>
+        </p:txBody>
+      </p:sp>
+      <p:sp>
+        <p:nvSpPr>
+          <p:cNvPr id="62" name="Plaque 61"/>
+          <p:cNvSpPr/>
+          <p:nvPr/>
+        </p:nvSpPr>
+        <p:spPr>
+          <a:xfrm>
+            <a:off x="5276972" y="1221866"/>
+            <a:ext cx="213645" cy="207709"/>
+          </a:xfrm>
+          <a:prstGeom prst="plaque">
+            <a:avLst/>
+          </a:prstGeom>
+          <a:solidFill>
+            <a:schemeClr val="accent2"/>
+          </a:solidFill>
+        </p:spPr>
+        <p:style>
+          <a:lnRef idx="2">
+            <a:schemeClr val="accent1">
+              <a:shade val="50000"/>
+            </a:schemeClr>
+          </a:lnRef>
+          <a:fillRef idx="1">
+            <a:schemeClr val="accent1"/>
+          </a:fillRef>
+          <a:effectRef idx="0">
+            <a:schemeClr val="accent1"/>
+          </a:effectRef>
+          <a:fontRef idx="minor">
+            <a:schemeClr val="lt1"/>
+          </a:fontRef>
+        </p:style>
+        <p:txBody>
+          <a:bodyPr rtlCol="0" anchor="ctr"/>
+          <a:lstStyle/>
+          <a:p>
+            <a:pPr algn="ctr"/>
+            <a:endParaRPr lang="zh-CN" altLang="en-US"/>
+          </a:p>
+        </p:txBody>
+      </p:sp>
+      <p:sp>
+        <p:nvSpPr>
+          <p:cNvPr id="63" name="Plaque 62"/>
+          <p:cNvSpPr/>
+          <p:nvPr/>
+        </p:nvSpPr>
+        <p:spPr>
+          <a:xfrm>
+            <a:off x="5537657" y="1221866"/>
+            <a:ext cx="213645" cy="207709"/>
+          </a:xfrm>
+          <a:prstGeom prst="plaque">
+            <a:avLst/>
+          </a:prstGeom>
+          <a:solidFill>
+            <a:schemeClr val="accent2"/>
+          </a:solidFill>
+        </p:spPr>
+        <p:style>
+          <a:lnRef idx="2">
+            <a:schemeClr val="accent1">
+              <a:shade val="50000"/>
+            </a:schemeClr>
+          </a:lnRef>
+          <a:fillRef idx="1">
+            <a:schemeClr val="accent1"/>
+          </a:fillRef>
+          <a:effectRef idx="0">
+            <a:schemeClr val="accent1"/>
+          </a:effectRef>
+          <a:fontRef idx="minor">
+            <a:schemeClr val="lt1"/>
+          </a:fontRef>
+        </p:style>
+        <p:txBody>
+          <a:bodyPr rtlCol="0" anchor="ctr"/>
+          <a:lstStyle/>
+          <a:p>
+            <a:pPr algn="ctr"/>
+            <a:endParaRPr lang="zh-CN" altLang="en-US"/>
+          </a:p>
+        </p:txBody>
+      </p:sp>
+      <p:sp>
+        <p:nvSpPr>
+          <p:cNvPr id="64" name="Plaque 63"/>
+          <p:cNvSpPr/>
+          <p:nvPr/>
+        </p:nvSpPr>
+        <p:spPr>
+          <a:xfrm>
+            <a:off x="5828203" y="1221866"/>
+            <a:ext cx="213645" cy="207709"/>
+          </a:xfrm>
+          <a:prstGeom prst="plaque">
+            <a:avLst/>
+          </a:prstGeom>
+        </p:spPr>
+        <p:style>
+          <a:lnRef idx="2">
+            <a:schemeClr val="accent1">
+              <a:shade val="50000"/>
+            </a:schemeClr>
+          </a:lnRef>
+          <a:fillRef idx="1">
+            <a:schemeClr val="accent1"/>
+          </a:fillRef>
+          <a:effectRef idx="0">
+            <a:schemeClr val="accent1"/>
+          </a:effectRef>
+          <a:fontRef idx="minor">
+            <a:schemeClr val="lt1"/>
+          </a:fontRef>
+        </p:style>
+        <p:txBody>
+          <a:bodyPr rtlCol="0" anchor="ctr"/>
+          <a:lstStyle/>
+          <a:p>
+            <a:pPr algn="ctr"/>
+            <a:endParaRPr lang="zh-CN" altLang="en-US"/>
+          </a:p>
+        </p:txBody>
+      </p:sp>
+      <p:sp>
+        <p:nvSpPr>
+          <p:cNvPr id="65" name="Plaque 64"/>
+          <p:cNvSpPr/>
+          <p:nvPr/>
+        </p:nvSpPr>
+        <p:spPr>
+          <a:xfrm>
+            <a:off x="6101671" y="1221866"/>
+            <a:ext cx="213645" cy="207709"/>
+          </a:xfrm>
+          <a:prstGeom prst="plaque">
+            <a:avLst/>
+          </a:prstGeom>
+        </p:spPr>
+        <p:style>
+          <a:lnRef idx="2">
+            <a:schemeClr val="accent1">
+              <a:shade val="50000"/>
+            </a:schemeClr>
+          </a:lnRef>
+          <a:fillRef idx="1">
+            <a:schemeClr val="accent1"/>
+          </a:fillRef>
+          <a:effectRef idx="0">
+            <a:schemeClr val="accent1"/>
+          </a:effectRef>
+          <a:fontRef idx="minor">
+            <a:schemeClr val="lt1"/>
+          </a:fontRef>
+        </p:style>
+        <p:txBody>
+          <a:bodyPr rtlCol="0" anchor="ctr"/>
+          <a:lstStyle/>
+          <a:p>
+            <a:pPr algn="ctr"/>
+            <a:endParaRPr lang="zh-CN" altLang="en-US"/>
+          </a:p>
+        </p:txBody>
+      </p:sp>
+      <p:sp>
+        <p:nvSpPr>
+          <p:cNvPr id="66" name="Rectangle 65"/>
+          <p:cNvSpPr/>
+          <p:nvPr/>
+        </p:nvSpPr>
+        <p:spPr>
+          <a:xfrm>
+            <a:off x="1905713" y="3973197"/>
+            <a:ext cx="8212508" cy="757310"/>
+          </a:xfrm>
+          <a:prstGeom prst="rect">
+            <a:avLst/>
+          </a:prstGeom>
+          <a:solidFill>
+            <a:schemeClr val="accent2">
+              <a:lumMod val="20000"/>
+              <a:lumOff val="80000"/>
+            </a:schemeClr>
+          </a:solidFill>
+        </p:spPr>
+        <p:style>
+          <a:lnRef idx="2">
+            <a:schemeClr val="accent1">
+              <a:shade val="50000"/>
+            </a:schemeClr>
+          </a:lnRef>
+          <a:fillRef idx="1">
+            <a:schemeClr val="accent1"/>
+          </a:fillRef>
+          <a:effectRef idx="0">
+            <a:schemeClr val="accent1"/>
+          </a:effectRef>
+          <a:fontRef idx="minor">
+            <a:schemeClr val="lt1"/>
+          </a:fontRef>
+        </p:style>
+        <p:txBody>
+          <a:bodyPr rtlCol="0" anchor="ctr"/>
+          <a:lstStyle/>
+          <a:p>
+            <a:pPr algn="ctr"/>
+            <a:endParaRPr lang="zh-CN" altLang="en-US"/>
+          </a:p>
+        </p:txBody>
+      </p:sp>
+      <p:grpSp>
+        <p:nvGrpSpPr>
+          <p:cNvPr id="69" name="Group 68"/>
+          <p:cNvGrpSpPr/>
+          <p:nvPr/>
+        </p:nvGrpSpPr>
+        <p:grpSpPr>
+          <a:xfrm>
+            <a:off x="2860245" y="4170347"/>
+            <a:ext cx="152146" cy="345885"/>
+            <a:chOff x="6892164" y="410198"/>
+            <a:chExt cx="152146" cy="345885"/>
+          </a:xfrm>
+        </p:grpSpPr>
+        <p:sp>
+          <p:nvSpPr>
+            <p:cNvPr id="67" name="Oval 66"/>
+            <p:cNvSpPr/>
+            <p:nvPr/>
+          </p:nvSpPr>
+          <p:spPr>
+            <a:xfrm>
+              <a:off x="6892164" y="410198"/>
+              <a:ext cx="152146" cy="188607"/>
+            </a:xfrm>
+            <a:prstGeom prst="ellipse">
+              <a:avLst/>
+            </a:prstGeom>
+          </p:spPr>
+          <p:style>
+            <a:lnRef idx="2">
+              <a:schemeClr val="accent1">
+                <a:shade val="50000"/>
+              </a:schemeClr>
+            </a:lnRef>
+            <a:fillRef idx="1">
+              <a:schemeClr val="accent1"/>
+            </a:fillRef>
+            <a:effectRef idx="0">
+              <a:schemeClr val="accent1"/>
+            </a:effectRef>
+            <a:fontRef idx="minor">
+              <a:schemeClr val="lt1"/>
+            </a:fontRef>
+          </p:style>
+          <p:txBody>
+            <a:bodyPr rtlCol="0" anchor="ctr"/>
+            <a:lstStyle/>
+            <a:p>
+              <a:pPr algn="ctr"/>
+              <a:endParaRPr lang="zh-CN" altLang="en-US"/>
+            </a:p>
+          </p:txBody>
+        </p:sp>
+        <p:sp>
+          <p:nvSpPr>
+            <p:cNvPr id="68" name="Isosceles Triangle 67"/>
+            <p:cNvSpPr/>
+            <p:nvPr/>
+          </p:nvSpPr>
+          <p:spPr>
+            <a:xfrm flipV="1">
+              <a:off x="6897719" y="586739"/>
+              <a:ext cx="141035" cy="169344"/>
+            </a:xfrm>
+            <a:prstGeom prst="triangle">
+              <a:avLst/>
+            </a:prstGeom>
+          </p:spPr>
+          <p:style>
+            <a:lnRef idx="2">
+              <a:schemeClr val="accent1">
+                <a:shade val="50000"/>
+              </a:schemeClr>
+            </a:lnRef>
+            <a:fillRef idx="1">
+              <a:schemeClr val="accent1"/>
+            </a:fillRef>
+            <a:effectRef idx="0">
+              <a:schemeClr val="accent1"/>
+            </a:effectRef>
+            <a:fontRef idx="minor">
+              <a:schemeClr val="lt1"/>
+            </a:fontRef>
+          </p:style>
+          <p:txBody>
+            <a:bodyPr rtlCol="0" anchor="ctr"/>
+            <a:lstStyle/>
+            <a:p>
+              <a:pPr algn="ctr"/>
+              <a:endParaRPr lang="zh-CN" altLang="en-US"/>
+            </a:p>
+          </p:txBody>
+        </p:sp>
+      </p:grpSp>
+      <p:grpSp>
+        <p:nvGrpSpPr>
+          <p:cNvPr id="70" name="Group 69"/>
+          <p:cNvGrpSpPr/>
+          <p:nvPr/>
+        </p:nvGrpSpPr>
+        <p:grpSpPr>
+          <a:xfrm>
+            <a:off x="4137805" y="4170347"/>
+            <a:ext cx="152146" cy="345885"/>
+            <a:chOff x="6892164" y="410198"/>
+            <a:chExt cx="152146" cy="345885"/>
+          </a:xfrm>
+        </p:grpSpPr>
+        <p:sp>
+          <p:nvSpPr>
+            <p:cNvPr id="71" name="Oval 70"/>
+            <p:cNvSpPr/>
+            <p:nvPr/>
+          </p:nvSpPr>
+          <p:spPr>
+            <a:xfrm>
+              <a:off x="6892164" y="410198"/>
+              <a:ext cx="152146" cy="188607"/>
+            </a:xfrm>
+            <a:prstGeom prst="ellipse">
+              <a:avLst/>
+            </a:prstGeom>
+          </p:spPr>
+          <p:style>
+            <a:lnRef idx="2">
+              <a:schemeClr val="accent1">
+                <a:shade val="50000"/>
+              </a:schemeClr>
+            </a:lnRef>
+            <a:fillRef idx="1">
+              <a:schemeClr val="accent1"/>
+            </a:fillRef>
+            <a:effectRef idx="0">
+              <a:schemeClr val="accent1"/>
+            </a:effectRef>
+            <a:fontRef idx="minor">
+              <a:schemeClr val="lt1"/>
+            </a:fontRef>
+          </p:style>
+          <p:txBody>
+            <a:bodyPr rtlCol="0" anchor="ctr"/>
+            <a:lstStyle/>
+            <a:p>
+              <a:pPr algn="ctr"/>
+              <a:endParaRPr lang="zh-CN" altLang="en-US"/>
+            </a:p>
+          </p:txBody>
+        </p:sp>
+        <p:sp>
+          <p:nvSpPr>
+            <p:cNvPr id="72" name="Isosceles Triangle 71"/>
+            <p:cNvSpPr/>
+            <p:nvPr/>
+          </p:nvSpPr>
+          <p:spPr>
+            <a:xfrm flipV="1">
+              <a:off x="6897719" y="586739"/>
+              <a:ext cx="141035" cy="169344"/>
+            </a:xfrm>
+            <a:prstGeom prst="triangle">
+              <a:avLst/>
+            </a:prstGeom>
+          </p:spPr>
+          <p:style>
+            <a:lnRef idx="2">
+              <a:schemeClr val="accent1">
+                <a:shade val="50000"/>
+              </a:schemeClr>
+            </a:lnRef>
+            <a:fillRef idx="1">
+              <a:schemeClr val="accent1"/>
+            </a:fillRef>
+            <a:effectRef idx="0">
+              <a:schemeClr val="accent1"/>
+            </a:effectRef>
+            <a:fontRef idx="minor">
+              <a:schemeClr val="lt1"/>
+            </a:fontRef>
+          </p:style>
+          <p:txBody>
+            <a:bodyPr rtlCol="0" anchor="ctr"/>
+            <a:lstStyle/>
+            <a:p>
+              <a:pPr algn="ctr"/>
+              <a:endParaRPr lang="zh-CN" altLang="en-US"/>
+            </a:p>
+          </p:txBody>
+        </p:sp>
+      </p:grpSp>
+      <p:grpSp>
+        <p:nvGrpSpPr>
+          <p:cNvPr id="73" name="Group 72"/>
+          <p:cNvGrpSpPr/>
+          <p:nvPr/>
+        </p:nvGrpSpPr>
+        <p:grpSpPr>
+          <a:xfrm>
+            <a:off x="5188099" y="4170347"/>
+            <a:ext cx="152146" cy="345885"/>
+            <a:chOff x="6892164" y="410198"/>
+            <a:chExt cx="152146" cy="345885"/>
+          </a:xfrm>
+        </p:grpSpPr>
+        <p:sp>
+          <p:nvSpPr>
+            <p:cNvPr id="74" name="Oval 73"/>
+            <p:cNvSpPr/>
+            <p:nvPr/>
+          </p:nvSpPr>
+          <p:spPr>
+            <a:xfrm>
+              <a:off x="6892164" y="410198"/>
+              <a:ext cx="152146" cy="188607"/>
+            </a:xfrm>
+            <a:prstGeom prst="ellipse">
+              <a:avLst/>
+            </a:prstGeom>
+          </p:spPr>
+          <p:style>
+            <a:lnRef idx="2">
+              <a:schemeClr val="accent1">
+                <a:shade val="50000"/>
+              </a:schemeClr>
+            </a:lnRef>
+            <a:fillRef idx="1">
+              <a:schemeClr val="accent1"/>
+            </a:fillRef>
+            <a:effectRef idx="0">
+              <a:schemeClr val="accent1"/>
+            </a:effectRef>
+            <a:fontRef idx="minor">
+              <a:schemeClr val="lt1"/>
+            </a:fontRef>
+          </p:style>
+          <p:txBody>
+            <a:bodyPr rtlCol="0" anchor="ctr"/>
+            <a:lstStyle/>
+            <a:p>
+              <a:pPr algn="ctr"/>
+              <a:endParaRPr lang="zh-CN" altLang="en-US"/>
+            </a:p>
+          </p:txBody>
+        </p:sp>
+        <p:sp>
+          <p:nvSpPr>
+            <p:cNvPr id="75" name="Isosceles Triangle 74"/>
+            <p:cNvSpPr/>
+            <p:nvPr/>
+          </p:nvSpPr>
+          <p:spPr>
+            <a:xfrm flipV="1">
+              <a:off x="6897719" y="586739"/>
+              <a:ext cx="141035" cy="169344"/>
+            </a:xfrm>
+            <a:prstGeom prst="triangle">
+              <a:avLst/>
+            </a:prstGeom>
+          </p:spPr>
+          <p:style>
+            <a:lnRef idx="2">
+              <a:schemeClr val="accent1">
+                <a:shade val="50000"/>
+              </a:schemeClr>
+            </a:lnRef>
+            <a:fillRef idx="1">
+              <a:schemeClr val="accent1"/>
+            </a:fillRef>
+            <a:effectRef idx="0">
+              <a:schemeClr val="accent1"/>
+            </a:effectRef>
+            <a:fontRef idx="minor">
+              <a:schemeClr val="lt1"/>
+            </a:fontRef>
+          </p:style>
+          <p:txBody>
+            <a:bodyPr rtlCol="0" anchor="ctr"/>
+            <a:lstStyle/>
+            <a:p>
+              <a:pPr algn="ctr"/>
+              <a:endParaRPr lang="zh-CN" altLang="en-US"/>
+            </a:p>
+          </p:txBody>
+        </p:sp>
+      </p:grpSp>
+      <p:grpSp>
+        <p:nvGrpSpPr>
+          <p:cNvPr id="76" name="Group 75"/>
+          <p:cNvGrpSpPr/>
+          <p:nvPr/>
+        </p:nvGrpSpPr>
+        <p:grpSpPr>
+          <a:xfrm>
+            <a:off x="6167875" y="4219816"/>
+            <a:ext cx="152146" cy="345885"/>
+            <a:chOff x="6892164" y="410198"/>
+            <a:chExt cx="152146" cy="345885"/>
+          </a:xfrm>
+        </p:grpSpPr>
+        <p:sp>
+          <p:nvSpPr>
+            <p:cNvPr id="77" name="Oval 76"/>
+            <p:cNvSpPr/>
+            <p:nvPr/>
+          </p:nvSpPr>
+          <p:spPr>
+            <a:xfrm>
+              <a:off x="6892164" y="410198"/>
+              <a:ext cx="152146" cy="188607"/>
+            </a:xfrm>
+            <a:prstGeom prst="ellipse">
+              <a:avLst/>
+            </a:prstGeom>
+          </p:spPr>
+          <p:style>
+            <a:lnRef idx="2">
+              <a:schemeClr val="accent1">
+                <a:shade val="50000"/>
+              </a:schemeClr>
+            </a:lnRef>
+            <a:fillRef idx="1">
+              <a:schemeClr val="accent1"/>
+            </a:fillRef>
+            <a:effectRef idx="0">
+              <a:schemeClr val="accent1"/>
+            </a:effectRef>
+            <a:fontRef idx="minor">
+              <a:schemeClr val="lt1"/>
+            </a:fontRef>
+          </p:style>
+          <p:txBody>
+            <a:bodyPr rtlCol="0" anchor="ctr"/>
+            <a:lstStyle/>
+            <a:p>
+              <a:pPr algn="ctr"/>
+              <a:endParaRPr lang="zh-CN" altLang="en-US"/>
+            </a:p>
+          </p:txBody>
+        </p:sp>
+        <p:sp>
+          <p:nvSpPr>
+            <p:cNvPr id="78" name="Isosceles Triangle 77"/>
+            <p:cNvSpPr/>
+            <p:nvPr/>
+          </p:nvSpPr>
+          <p:spPr>
+            <a:xfrm flipV="1">
+              <a:off x="6897719" y="586739"/>
+              <a:ext cx="141035" cy="169344"/>
+            </a:xfrm>
+            <a:prstGeom prst="triangle">
+              <a:avLst/>
+            </a:prstGeom>
+          </p:spPr>
+          <p:style>
+            <a:lnRef idx="2">
+              <a:schemeClr val="accent1">
+                <a:shade val="50000"/>
+              </a:schemeClr>
+            </a:lnRef>
+            <a:fillRef idx="1">
+              <a:schemeClr val="accent1"/>
+            </a:fillRef>
+            <a:effectRef idx="0">
+              <a:schemeClr val="accent1"/>
+            </a:effectRef>
+            <a:fontRef idx="minor">
+              <a:schemeClr val="lt1"/>
+            </a:fontRef>
+          </p:style>
+          <p:txBody>
+            <a:bodyPr rtlCol="0" anchor="ctr"/>
+            <a:lstStyle/>
+            <a:p>
+              <a:pPr algn="ctr"/>
+              <a:endParaRPr lang="zh-CN" altLang="en-US"/>
+            </a:p>
+          </p:txBody>
+        </p:sp>
+      </p:grpSp>
+      <p:sp>
+        <p:nvSpPr>
+          <p:cNvPr id="79" name="Oval Callout 78"/>
+          <p:cNvSpPr/>
+          <p:nvPr/>
+        </p:nvSpPr>
+        <p:spPr>
+          <a:xfrm>
+            <a:off x="6749480" y="1615155"/>
+            <a:ext cx="860530" cy="461473"/>
+          </a:xfrm>
+          <a:prstGeom prst="wedgeEllipseCallout">
+            <a:avLst>
+              <a:gd name="adj1" fmla="val -46353"/>
+              <a:gd name="adj2" fmla="val 73611"/>
+            </a:avLst>
+          </a:prstGeom>
+          <a:solidFill>
+            <a:schemeClr val="accent2">
+              <a:lumMod val="75000"/>
+            </a:schemeClr>
+          </a:solidFill>
+          <a:ln>
+            <a:solidFill>
+              <a:schemeClr val="bg1"/>
+            </a:solidFill>
+          </a:ln>
+        </p:spPr>
+        <p:style>
+          <a:lnRef idx="2">
+            <a:schemeClr val="accent1">
+              <a:shade val="50000"/>
+            </a:schemeClr>
+          </a:lnRef>
+          <a:fillRef idx="1">
+            <a:schemeClr val="accent1"/>
+          </a:fillRef>
+          <a:effectRef idx="0">
+            <a:schemeClr val="accent1"/>
+          </a:effectRef>
+          <a:fontRef idx="minor">
+            <a:schemeClr val="lt1"/>
+          </a:fontRef>
+        </p:style>
+        <p:txBody>
+          <a:bodyPr rtlCol="0" anchor="ctr"/>
+          <a:lstStyle/>
+          <a:p>
+            <a:pPr algn="ctr"/>
+            <a:r>
+              <a:rPr lang="en-US" altLang="zh-CN" sz="1200" dirty="0" smtClean="0"/>
+              <a:t>HELP</a:t>
+            </a:r>
+          </a:p>
+        </p:txBody>
+      </p:sp>
+      <p:sp>
+        <p:nvSpPr>
+          <p:cNvPr id="80" name="Oval Callout 79"/>
+          <p:cNvSpPr/>
+          <p:nvPr/>
+        </p:nvSpPr>
+        <p:spPr>
+          <a:xfrm>
+            <a:off x="2462907" y="2866544"/>
+            <a:ext cx="860530" cy="461473"/>
+          </a:xfrm>
+          <a:prstGeom prst="wedgeEllipseCallout">
+            <a:avLst>
+              <a:gd name="adj1" fmla="val 57921"/>
+              <a:gd name="adj2" fmla="val 36574"/>
+            </a:avLst>
+          </a:prstGeom>
+          <a:solidFill>
+            <a:schemeClr val="accent2">
+              <a:lumMod val="75000"/>
+            </a:schemeClr>
+          </a:solidFill>
+          <a:ln>
+            <a:solidFill>
+              <a:schemeClr val="bg1"/>
+            </a:solidFill>
+          </a:ln>
+        </p:spPr>
+        <p:style>
+          <a:lnRef idx="2">
+            <a:schemeClr val="accent1">
+              <a:shade val="50000"/>
+            </a:schemeClr>
+          </a:lnRef>
+          <a:fillRef idx="1">
+            <a:schemeClr val="accent1"/>
+          </a:fillRef>
+          <a:effectRef idx="0">
+            <a:schemeClr val="accent1"/>
+          </a:effectRef>
+          <a:fontRef idx="minor">
+            <a:schemeClr val="lt1"/>
+          </a:fontRef>
+        </p:style>
+        <p:txBody>
+          <a:bodyPr rtlCol="0" anchor="ctr"/>
+          <a:lstStyle/>
+          <a:p>
+            <a:pPr algn="ctr"/>
+            <a:r>
+              <a:rPr lang="en-US" altLang="zh-CN" sz="1200" dirty="0" smtClean="0"/>
+              <a:t>HELP</a:t>
+            </a:r>
+          </a:p>
+        </p:txBody>
+      </p:sp>
+      <p:sp>
+        <p:nvSpPr>
+          <p:cNvPr id="81" name="Can 80"/>
+          <p:cNvSpPr/>
+          <p:nvPr/>
+        </p:nvSpPr>
+        <p:spPr>
+          <a:xfrm>
+            <a:off x="8437292" y="2221927"/>
+            <a:ext cx="256375" cy="341811"/>
+          </a:xfrm>
+          <a:prstGeom prst="can">
+            <a:avLst/>
+          </a:prstGeom>
+          <a:solidFill>
+            <a:schemeClr val="accent2">
+              <a:lumMod val="60000"/>
+              <a:lumOff val="40000"/>
+            </a:schemeClr>
+          </a:solidFill>
+        </p:spPr>
+        <p:style>
+          <a:lnRef idx="2">
+            <a:schemeClr val="accent1">
+              <a:shade val="50000"/>
+            </a:schemeClr>
+          </a:lnRef>
+          <a:fillRef idx="1">
+            <a:schemeClr val="accent1"/>
+          </a:fillRef>
+          <a:effectRef idx="0">
+            <a:schemeClr val="accent1"/>
+          </a:effectRef>
+          <a:fontRef idx="minor">
+            <a:schemeClr val="lt1"/>
+          </a:fontRef>
+        </p:style>
+        <p:txBody>
+          <a:bodyPr rtlCol="0" anchor="ctr"/>
+          <a:lstStyle/>
+          <a:p>
+            <a:pPr algn="ctr"/>
+            <a:endParaRPr lang="zh-CN" altLang="en-US"/>
+          </a:p>
+        </p:txBody>
+      </p:sp>
+      <p:sp>
+        <p:nvSpPr>
+          <p:cNvPr id="82" name="Explosion 1 81"/>
+          <p:cNvSpPr/>
+          <p:nvPr/>
+        </p:nvSpPr>
+        <p:spPr>
+          <a:xfrm>
+            <a:off x="8149676" y="1581176"/>
+            <a:ext cx="1147692" cy="580728"/>
+          </a:xfrm>
+          <a:prstGeom prst="irregularSeal1">
+            <a:avLst/>
+          </a:prstGeom>
+          <a:solidFill>
+            <a:schemeClr val="accent2">
+              <a:lumMod val="75000"/>
+            </a:schemeClr>
+          </a:solidFill>
+          <a:ln>
+            <a:solidFill>
+              <a:schemeClr val="bg1"/>
+            </a:solidFill>
+          </a:ln>
+        </p:spPr>
+        <p:style>
+          <a:lnRef idx="2">
+            <a:schemeClr val="accent1">
+              <a:shade val="50000"/>
+            </a:schemeClr>
+          </a:lnRef>
+          <a:fillRef idx="1">
+            <a:schemeClr val="accent1"/>
+          </a:fillRef>
+          <a:effectRef idx="0">
+            <a:schemeClr val="accent1"/>
+          </a:effectRef>
+          <a:fontRef idx="minor">
+            <a:schemeClr val="lt1"/>
+          </a:fontRef>
+        </p:style>
+        <p:txBody>
+          <a:bodyPr rtlCol="0" anchor="ctr"/>
+          <a:lstStyle/>
+          <a:p>
+            <a:pPr algn="ctr"/>
+            <a:r>
+              <a:rPr lang="en-US" altLang="zh-CN" sz="1200" dirty="0" smtClean="0"/>
+              <a:t>Boom</a:t>
+            </a:r>
+            <a:endParaRPr lang="zh-CN" altLang="en-US" sz="1200" dirty="0"/>
+          </a:p>
+        </p:txBody>
+      </p:sp>
+    </p:spTree>
+    <p:extLst>
+      <p:ext uri="{BB962C8B-B14F-4D97-AF65-F5344CB8AC3E}">
+        <p14:creationId xmlns:p14="http://schemas.microsoft.com/office/powerpoint/2010/main" val="3148369171"/>
+      </p:ext>
+    </p:extLst>
+  </p:cSld>
+  <p:clrMapOvr>
+    <a:masterClrMapping/>
+  </p:clrMapOvr>
+  <p:timing>
+    <p:tnLst>
+      <p:par>
+        <p:cTn id="1" dur="indefinite" restart="never" nodeType="tmRoot"/>
+      </p:par>
+    </p:tnLst>
+  </p:timing>
+</p:sld>
+</file>
+
+<file path=ppt/slides/slide5.xml><?xml version="1.0" encoding="utf-8"?>
+<p:sld xmlns:a="http://schemas.openxmlformats.org/drawingml/2006/main" xmlns:r="http://schemas.openxmlformats.org/officeDocument/2006/relationships" xmlns:p="http://schemas.openxmlformats.org/presentationml/2006/main">
+  <p:cSld>
+    <p:bg>
+      <p:bgPr>
+        <a:solidFill>
+          <a:srgbClr val="34495E"/>
+        </a:solidFill>
+        <a:effectLst/>
+      </p:bgPr>
+    </p:bg>
+    <p:spTree>
+      <p:nvGrpSpPr>
+        <p:cNvPr id="1" name=""/>
+        <p:cNvGrpSpPr/>
+        <p:nvPr/>
+      </p:nvGrpSpPr>
+      <p:grpSpPr>
+        <a:xfrm>
+          <a:off x="0" y="0"/>
+          <a:ext cx="0" cy="0"/>
+          <a:chOff x="0" y="0"/>
+          <a:chExt cx="0" cy="0"/>
+        </a:xfrm>
+      </p:grpSpPr>
+      <p:sp>
+        <p:nvSpPr>
+          <p:cNvPr id="4" name="等腰三角形 3"/>
+          <p:cNvSpPr/>
+          <p:nvPr/>
+        </p:nvSpPr>
+        <p:spPr>
+          <a:xfrm rot="10800000">
+            <a:off x="-14605" y="3810"/>
+            <a:ext cx="1564005" cy="1189990"/>
+          </a:xfrm>
+          <a:prstGeom prst="triangle">
+            <a:avLst/>
+          </a:prstGeom>
+          <a:solidFill>
+            <a:srgbClr val="E4C66E"/>
+          </a:solidFill>
+          <a:ln>
+            <a:noFill/>
+          </a:ln>
+        </p:spPr>
+        <p:style>
+          <a:lnRef idx="2">
+            <a:schemeClr val="accent1">
+              <a:shade val="50000"/>
+            </a:schemeClr>
+          </a:lnRef>
+          <a:fillRef idx="1">
+            <a:schemeClr val="accent1"/>
+          </a:fillRef>
+          <a:effectRef idx="0">
+            <a:schemeClr val="accent1"/>
+          </a:effectRef>
+          <a:fontRef idx="minor">
+            <a:schemeClr val="lt1"/>
+          </a:fontRef>
+        </p:style>
+        <p:txBody>
+          <a:bodyPr rtlCol="0" anchor="ctr"/>
+          <a:lstStyle/>
+          <a:p>
+            <a:pPr algn="ctr"/>
+            <a:endParaRPr lang="zh-CN" altLang="en-US">
+              <a:solidFill>
+                <a:prstClr val="white"/>
+              </a:solidFill>
+            </a:endParaRPr>
+          </a:p>
+        </p:txBody>
+      </p:sp>
+      <p:sp>
+        <p:nvSpPr>
+          <p:cNvPr id="5" name="等腰三角形 4"/>
+          <p:cNvSpPr/>
+          <p:nvPr/>
+        </p:nvSpPr>
+        <p:spPr>
+          <a:xfrm>
+            <a:off x="-14605" y="5676265"/>
+            <a:ext cx="1564005" cy="1189990"/>
+          </a:xfrm>
+          <a:prstGeom prst="triangle">
+            <a:avLst/>
+          </a:prstGeom>
+          <a:solidFill>
+            <a:srgbClr val="E4C66E"/>
+          </a:solidFill>
+          <a:ln>
+            <a:noFill/>
+          </a:ln>
+        </p:spPr>
+        <p:style>
+          <a:lnRef idx="2">
+            <a:schemeClr val="accent1">
+              <a:shade val="50000"/>
+            </a:schemeClr>
+          </a:lnRef>
+          <a:fillRef idx="1">
+            <a:schemeClr val="accent1"/>
+          </a:fillRef>
+          <a:effectRef idx="0">
+            <a:schemeClr val="accent1"/>
+          </a:effectRef>
+          <a:fontRef idx="minor">
+            <a:schemeClr val="lt1"/>
+          </a:fontRef>
+        </p:style>
+        <p:txBody>
+          <a:bodyPr rtlCol="0" anchor="ctr"/>
+          <a:lstStyle/>
+          <a:p>
+            <a:pPr algn="ctr"/>
+            <a:endParaRPr lang="zh-CN" altLang="en-US">
+              <a:solidFill>
+                <a:prstClr val="white"/>
+              </a:solidFill>
+            </a:endParaRPr>
+          </a:p>
+        </p:txBody>
+      </p:sp>
+      <p:sp>
+        <p:nvSpPr>
+          <p:cNvPr id="7" name="文本框 6"/>
+          <p:cNvSpPr txBox="1"/>
+          <p:nvPr/>
+        </p:nvSpPr>
+        <p:spPr>
+          <a:xfrm>
+            <a:off x="359727" y="2371276"/>
+            <a:ext cx="815340" cy="1631216"/>
+          </a:xfrm>
+          <a:prstGeom prst="rect">
+            <a:avLst/>
+          </a:prstGeom>
+          <a:noFill/>
+        </p:spPr>
+        <p:txBody>
+          <a:bodyPr wrap="square" rtlCol="0">
+            <a:spAutoFit/>
+          </a:bodyPr>
+          <a:lstStyle/>
+          <a:p>
+            <a:r>
+              <a:rPr lang="zh-CN" altLang="en-US" sz="5000" dirty="0" smtClean="0">
+                <a:solidFill>
+                  <a:prstClr val="white"/>
+                </a:solidFill>
+              </a:rPr>
+              <a:t>休整</a:t>
+            </a:r>
+            <a:endParaRPr lang="zh-CN" altLang="en-US" sz="5000" dirty="0">
+              <a:solidFill>
+                <a:prstClr val="white"/>
+              </a:solidFill>
+            </a:endParaRPr>
+          </a:p>
+        </p:txBody>
+      </p:sp>
+      <p:sp>
+        <p:nvSpPr>
+          <p:cNvPr id="6" name="Rectangle 5"/>
+          <p:cNvSpPr/>
+          <p:nvPr/>
+        </p:nvSpPr>
+        <p:spPr>
+          <a:xfrm>
+            <a:off x="1905713" y="1082706"/>
+            <a:ext cx="8212508" cy="4702798"/>
+          </a:xfrm>
+          <a:prstGeom prst="rect">
+            <a:avLst/>
+          </a:prstGeom>
+          <a:noFill/>
+          <a:ln>
+            <a:solidFill>
+              <a:schemeClr val="bg1"/>
+            </a:solidFill>
+          </a:ln>
+        </p:spPr>
+        <p:style>
+          <a:lnRef idx="2">
+            <a:schemeClr val="accent1">
+              <a:shade val="50000"/>
+            </a:schemeClr>
+          </a:lnRef>
+          <a:fillRef idx="1">
+            <a:schemeClr val="accent1"/>
+          </a:fillRef>
+          <a:effectRef idx="0">
+            <a:schemeClr val="accent1"/>
+          </a:effectRef>
+          <a:fontRef idx="minor">
+            <a:schemeClr val="lt1"/>
+          </a:fontRef>
+        </p:style>
+        <p:txBody>
+          <a:bodyPr rtlCol="0" anchor="ctr"/>
+          <a:lstStyle/>
+          <a:p>
+            <a:pPr algn="ctr"/>
+            <a:endParaRPr lang="zh-CN" altLang="en-US"/>
+          </a:p>
+        </p:txBody>
+      </p:sp>
+      <p:sp>
+        <p:nvSpPr>
+          <p:cNvPr id="2" name="Flowchart: Process 1"/>
+          <p:cNvSpPr/>
+          <p:nvPr/>
+        </p:nvSpPr>
+        <p:spPr>
+          <a:xfrm>
+            <a:off x="4456632" y="1193801"/>
+            <a:ext cx="3110670" cy="1427147"/>
+          </a:xfrm>
+          <a:prstGeom prst="flowChartProcess">
+            <a:avLst/>
+          </a:prstGeom>
+          <a:solidFill>
+            <a:schemeClr val="accent6"/>
+          </a:solidFill>
+        </p:spPr>
+        <p:style>
+          <a:lnRef idx="2">
+            <a:schemeClr val="accent1">
+              <a:shade val="50000"/>
+            </a:schemeClr>
+          </a:lnRef>
+          <a:fillRef idx="1">
+            <a:schemeClr val="accent1"/>
+          </a:fillRef>
+          <a:effectRef idx="0">
+            <a:schemeClr val="accent1"/>
+          </a:effectRef>
+          <a:fontRef idx="minor">
+            <a:schemeClr val="lt1"/>
+          </a:fontRef>
+        </p:style>
+        <p:txBody>
+          <a:bodyPr rtlCol="0" anchor="ctr"/>
+          <a:lstStyle/>
+          <a:p>
+            <a:pPr algn="ctr"/>
+            <a:r>
+              <a:rPr lang="zh-CN" altLang="en-US" dirty="0"/>
+              <a:t>屏幕</a:t>
+            </a:r>
+          </a:p>
+        </p:txBody>
+      </p:sp>
+      <p:grpSp>
+        <p:nvGrpSpPr>
+          <p:cNvPr id="8" name="Group 7"/>
+          <p:cNvGrpSpPr/>
+          <p:nvPr/>
+        </p:nvGrpSpPr>
+        <p:grpSpPr>
+          <a:xfrm>
+            <a:off x="2778829" y="2584763"/>
+            <a:ext cx="429886" cy="783025"/>
+            <a:chOff x="6892164" y="410198"/>
+            <a:chExt cx="152146" cy="345885"/>
+          </a:xfrm>
+        </p:grpSpPr>
+        <p:sp>
+          <p:nvSpPr>
+            <p:cNvPr id="9" name="Oval 8"/>
+            <p:cNvSpPr/>
+            <p:nvPr/>
+          </p:nvSpPr>
+          <p:spPr>
+            <a:xfrm>
+              <a:off x="6892164" y="410198"/>
+              <a:ext cx="152146" cy="188607"/>
+            </a:xfrm>
+            <a:prstGeom prst="ellipse">
+              <a:avLst/>
+            </a:prstGeom>
+          </p:spPr>
+          <p:style>
+            <a:lnRef idx="2">
+              <a:schemeClr val="accent1">
+                <a:shade val="50000"/>
+              </a:schemeClr>
+            </a:lnRef>
+            <a:fillRef idx="1">
+              <a:schemeClr val="accent1"/>
+            </a:fillRef>
+            <a:effectRef idx="0">
+              <a:schemeClr val="accent1"/>
+            </a:effectRef>
+            <a:fontRef idx="minor">
+              <a:schemeClr val="lt1"/>
+            </a:fontRef>
+          </p:style>
+          <p:txBody>
+            <a:bodyPr rtlCol="0" anchor="ctr"/>
+            <a:lstStyle/>
+            <a:p>
+              <a:pPr algn="ctr"/>
+              <a:endParaRPr lang="zh-CN" altLang="en-US"/>
+            </a:p>
+          </p:txBody>
+        </p:sp>
+        <p:sp>
+          <p:nvSpPr>
+            <p:cNvPr id="10" name="Isosceles Triangle 9"/>
+            <p:cNvSpPr/>
+            <p:nvPr/>
+          </p:nvSpPr>
+          <p:spPr>
+            <a:xfrm flipV="1">
+              <a:off x="6897719" y="586739"/>
+              <a:ext cx="141035" cy="169344"/>
+            </a:xfrm>
+            <a:prstGeom prst="triangle">
+              <a:avLst/>
+            </a:prstGeom>
+          </p:spPr>
+          <p:style>
+            <a:lnRef idx="2">
+              <a:schemeClr val="accent1">
+                <a:shade val="50000"/>
+              </a:schemeClr>
+            </a:lnRef>
+            <a:fillRef idx="1">
+              <a:schemeClr val="accent1"/>
+            </a:fillRef>
+            <a:effectRef idx="0">
+              <a:schemeClr val="accent1"/>
+            </a:effectRef>
+            <a:fontRef idx="minor">
+              <a:schemeClr val="lt1"/>
+            </a:fontRef>
+          </p:style>
+          <p:txBody>
+            <a:bodyPr rtlCol="0" anchor="ctr"/>
+            <a:lstStyle/>
+            <a:p>
+              <a:pPr algn="ctr"/>
+              <a:endParaRPr lang="zh-CN" altLang="en-US"/>
+            </a:p>
+          </p:txBody>
+        </p:sp>
+      </p:grpSp>
+      <p:grpSp>
+        <p:nvGrpSpPr>
+          <p:cNvPr id="11" name="Group 10"/>
+          <p:cNvGrpSpPr/>
+          <p:nvPr/>
+        </p:nvGrpSpPr>
+        <p:grpSpPr>
+          <a:xfrm>
+            <a:off x="4126177" y="3448890"/>
+            <a:ext cx="429886" cy="783025"/>
+            <a:chOff x="6892164" y="410198"/>
+            <a:chExt cx="152146" cy="345885"/>
+          </a:xfrm>
+        </p:grpSpPr>
+        <p:sp>
+          <p:nvSpPr>
+            <p:cNvPr id="12" name="Oval 11"/>
+            <p:cNvSpPr/>
+            <p:nvPr/>
+          </p:nvSpPr>
+          <p:spPr>
+            <a:xfrm>
+              <a:off x="6892164" y="410198"/>
+              <a:ext cx="152146" cy="188607"/>
+            </a:xfrm>
+            <a:prstGeom prst="ellipse">
+              <a:avLst/>
+            </a:prstGeom>
+          </p:spPr>
+          <p:style>
+            <a:lnRef idx="2">
+              <a:schemeClr val="accent1">
+                <a:shade val="50000"/>
+              </a:schemeClr>
+            </a:lnRef>
+            <a:fillRef idx="1">
+              <a:schemeClr val="accent1"/>
+            </a:fillRef>
+            <a:effectRef idx="0">
+              <a:schemeClr val="accent1"/>
+            </a:effectRef>
+            <a:fontRef idx="minor">
+              <a:schemeClr val="lt1"/>
+            </a:fontRef>
+          </p:style>
+          <p:txBody>
+            <a:bodyPr rtlCol="0" anchor="ctr"/>
+            <a:lstStyle/>
+            <a:p>
+              <a:pPr algn="ctr"/>
+              <a:endParaRPr lang="zh-CN" altLang="en-US"/>
+            </a:p>
+          </p:txBody>
+        </p:sp>
+        <p:sp>
+          <p:nvSpPr>
+            <p:cNvPr id="13" name="Isosceles Triangle 12"/>
+            <p:cNvSpPr/>
+            <p:nvPr/>
+          </p:nvSpPr>
+          <p:spPr>
+            <a:xfrm flipV="1">
+              <a:off x="6897719" y="586739"/>
+              <a:ext cx="141035" cy="169344"/>
+            </a:xfrm>
+            <a:prstGeom prst="triangle">
+              <a:avLst/>
+            </a:prstGeom>
+          </p:spPr>
+          <p:style>
+            <a:lnRef idx="2">
+              <a:schemeClr val="accent1">
+                <a:shade val="50000"/>
+              </a:schemeClr>
+            </a:lnRef>
+            <a:fillRef idx="1">
+              <a:schemeClr val="accent1"/>
+            </a:fillRef>
+            <a:effectRef idx="0">
+              <a:schemeClr val="accent1"/>
+            </a:effectRef>
+            <a:fontRef idx="minor">
+              <a:schemeClr val="lt1"/>
+            </a:fontRef>
+          </p:style>
+          <p:txBody>
+            <a:bodyPr rtlCol="0" anchor="ctr"/>
+            <a:lstStyle/>
+            <a:p>
+              <a:pPr algn="ctr"/>
+              <a:endParaRPr lang="zh-CN" altLang="en-US"/>
+            </a:p>
+          </p:txBody>
+        </p:sp>
+      </p:grpSp>
+      <p:grpSp>
+        <p:nvGrpSpPr>
+          <p:cNvPr id="14" name="Group 13"/>
+          <p:cNvGrpSpPr/>
+          <p:nvPr/>
+        </p:nvGrpSpPr>
+        <p:grpSpPr>
+          <a:xfrm>
+            <a:off x="5544210" y="3154301"/>
+            <a:ext cx="429886" cy="783025"/>
+            <a:chOff x="6892164" y="410198"/>
+            <a:chExt cx="152146" cy="345885"/>
+          </a:xfrm>
+        </p:grpSpPr>
+        <p:sp>
+          <p:nvSpPr>
+            <p:cNvPr id="15" name="Oval 14"/>
+            <p:cNvSpPr/>
+            <p:nvPr/>
+          </p:nvSpPr>
+          <p:spPr>
+            <a:xfrm>
+              <a:off x="6892164" y="410198"/>
+              <a:ext cx="152146" cy="188607"/>
+            </a:xfrm>
+            <a:prstGeom prst="ellipse">
+              <a:avLst/>
+            </a:prstGeom>
+          </p:spPr>
+          <p:style>
+            <a:lnRef idx="2">
+              <a:schemeClr val="accent1">
+                <a:shade val="50000"/>
+              </a:schemeClr>
+            </a:lnRef>
+            <a:fillRef idx="1">
+              <a:schemeClr val="accent1"/>
+            </a:fillRef>
+            <a:effectRef idx="0">
+              <a:schemeClr val="accent1"/>
+            </a:effectRef>
+            <a:fontRef idx="minor">
+              <a:schemeClr val="lt1"/>
+            </a:fontRef>
+          </p:style>
+          <p:txBody>
+            <a:bodyPr rtlCol="0" anchor="ctr"/>
+            <a:lstStyle/>
+            <a:p>
+              <a:pPr algn="ctr"/>
+              <a:endParaRPr lang="zh-CN" altLang="en-US"/>
+            </a:p>
+          </p:txBody>
+        </p:sp>
+        <p:sp>
+          <p:nvSpPr>
+            <p:cNvPr id="16" name="Isosceles Triangle 15"/>
+            <p:cNvSpPr/>
+            <p:nvPr/>
+          </p:nvSpPr>
+          <p:spPr>
+            <a:xfrm flipV="1">
+              <a:off x="6897719" y="586739"/>
+              <a:ext cx="141035" cy="169344"/>
+            </a:xfrm>
+            <a:prstGeom prst="triangle">
+              <a:avLst/>
+            </a:prstGeom>
+          </p:spPr>
+          <p:style>
+            <a:lnRef idx="2">
+              <a:schemeClr val="accent1">
+                <a:shade val="50000"/>
+              </a:schemeClr>
+            </a:lnRef>
+            <a:fillRef idx="1">
+              <a:schemeClr val="accent1"/>
+            </a:fillRef>
+            <a:effectRef idx="0">
+              <a:schemeClr val="accent1"/>
+            </a:effectRef>
+            <a:fontRef idx="minor">
+              <a:schemeClr val="lt1"/>
+            </a:fontRef>
+          </p:style>
+          <p:txBody>
+            <a:bodyPr rtlCol="0" anchor="ctr"/>
+            <a:lstStyle/>
+            <a:p>
+              <a:pPr algn="ctr"/>
+              <a:endParaRPr lang="zh-CN" altLang="en-US"/>
+            </a:p>
+          </p:txBody>
+        </p:sp>
+      </p:grpSp>
+      <p:grpSp>
+        <p:nvGrpSpPr>
+          <p:cNvPr id="17" name="Group 16"/>
+          <p:cNvGrpSpPr/>
+          <p:nvPr/>
+        </p:nvGrpSpPr>
+        <p:grpSpPr>
+          <a:xfrm>
+            <a:off x="6689044" y="3902568"/>
+            <a:ext cx="429886" cy="783025"/>
+            <a:chOff x="6892164" y="410198"/>
+            <a:chExt cx="152146" cy="345885"/>
+          </a:xfrm>
+        </p:grpSpPr>
+        <p:sp>
+          <p:nvSpPr>
+            <p:cNvPr id="18" name="Oval 17"/>
+            <p:cNvSpPr/>
+            <p:nvPr/>
+          </p:nvSpPr>
+          <p:spPr>
+            <a:xfrm>
+              <a:off x="6892164" y="410198"/>
+              <a:ext cx="152146" cy="188607"/>
+            </a:xfrm>
+            <a:prstGeom prst="ellipse">
+              <a:avLst/>
+            </a:prstGeom>
+          </p:spPr>
+          <p:style>
+            <a:lnRef idx="2">
+              <a:schemeClr val="accent1">
+                <a:shade val="50000"/>
+              </a:schemeClr>
+            </a:lnRef>
+            <a:fillRef idx="1">
+              <a:schemeClr val="accent1"/>
+            </a:fillRef>
+            <a:effectRef idx="0">
+              <a:schemeClr val="accent1"/>
+            </a:effectRef>
+            <a:fontRef idx="minor">
+              <a:schemeClr val="lt1"/>
+            </a:fontRef>
+          </p:style>
+          <p:txBody>
+            <a:bodyPr rtlCol="0" anchor="ctr"/>
+            <a:lstStyle/>
+            <a:p>
+              <a:pPr algn="ctr"/>
+              <a:endParaRPr lang="zh-CN" altLang="en-US"/>
+            </a:p>
+          </p:txBody>
+        </p:sp>
+        <p:sp>
+          <p:nvSpPr>
+            <p:cNvPr id="19" name="Isosceles Triangle 18"/>
+            <p:cNvSpPr/>
+            <p:nvPr/>
+          </p:nvSpPr>
+          <p:spPr>
+            <a:xfrm flipV="1">
+              <a:off x="6897719" y="586739"/>
+              <a:ext cx="141035" cy="169344"/>
+            </a:xfrm>
+            <a:prstGeom prst="triangle">
+              <a:avLst/>
+            </a:prstGeom>
+          </p:spPr>
+          <p:style>
+            <a:lnRef idx="2">
+              <a:schemeClr val="accent1">
+                <a:shade val="50000"/>
+              </a:schemeClr>
+            </a:lnRef>
+            <a:fillRef idx="1">
+              <a:schemeClr val="accent1"/>
+            </a:fillRef>
+            <a:effectRef idx="0">
+              <a:schemeClr val="accent1"/>
+            </a:effectRef>
+            <a:fontRef idx="minor">
+              <a:schemeClr val="lt1"/>
+            </a:fontRef>
+          </p:style>
+          <p:txBody>
+            <a:bodyPr rtlCol="0" anchor="ctr"/>
+            <a:lstStyle/>
+            <a:p>
+              <a:pPr algn="ctr"/>
+              <a:endParaRPr lang="zh-CN" altLang="en-US"/>
+            </a:p>
+          </p:txBody>
+        </p:sp>
+      </p:grpSp>
+      <p:grpSp>
+        <p:nvGrpSpPr>
+          <p:cNvPr id="20" name="Group 19"/>
+          <p:cNvGrpSpPr/>
+          <p:nvPr/>
+        </p:nvGrpSpPr>
+        <p:grpSpPr>
+          <a:xfrm>
+            <a:off x="8829768" y="2371276"/>
+            <a:ext cx="429886" cy="783025"/>
+            <a:chOff x="6892164" y="410198"/>
+            <a:chExt cx="152146" cy="345885"/>
+          </a:xfrm>
+        </p:grpSpPr>
+        <p:sp>
+          <p:nvSpPr>
+            <p:cNvPr id="21" name="Oval 20"/>
+            <p:cNvSpPr/>
+            <p:nvPr/>
+          </p:nvSpPr>
+          <p:spPr>
+            <a:xfrm>
+              <a:off x="6892164" y="410198"/>
+              <a:ext cx="152146" cy="188607"/>
+            </a:xfrm>
+            <a:prstGeom prst="ellipse">
+              <a:avLst/>
+            </a:prstGeom>
+          </p:spPr>
+          <p:style>
+            <a:lnRef idx="2">
+              <a:schemeClr val="accent1">
+                <a:shade val="50000"/>
+              </a:schemeClr>
+            </a:lnRef>
+            <a:fillRef idx="1">
+              <a:schemeClr val="accent1"/>
+            </a:fillRef>
+            <a:effectRef idx="0">
+              <a:schemeClr val="accent1"/>
+            </a:effectRef>
+            <a:fontRef idx="minor">
+              <a:schemeClr val="lt1"/>
+            </a:fontRef>
+          </p:style>
+          <p:txBody>
+            <a:bodyPr rtlCol="0" anchor="ctr"/>
+            <a:lstStyle/>
+            <a:p>
+              <a:pPr algn="ctr"/>
+              <a:endParaRPr lang="zh-CN" altLang="en-US"/>
+            </a:p>
+          </p:txBody>
+        </p:sp>
+        <p:sp>
+          <p:nvSpPr>
+            <p:cNvPr id="22" name="Isosceles Triangle 21"/>
+            <p:cNvSpPr/>
+            <p:nvPr/>
+          </p:nvSpPr>
+          <p:spPr>
+            <a:xfrm flipV="1">
+              <a:off x="6897719" y="586739"/>
+              <a:ext cx="141035" cy="169344"/>
+            </a:xfrm>
+            <a:prstGeom prst="triangle">
+              <a:avLst/>
+            </a:prstGeom>
+          </p:spPr>
+          <p:style>
+            <a:lnRef idx="2">
+              <a:schemeClr val="accent1">
+                <a:shade val="50000"/>
+              </a:schemeClr>
+            </a:lnRef>
+            <a:fillRef idx="1">
+              <a:schemeClr val="accent1"/>
+            </a:fillRef>
+            <a:effectRef idx="0">
+              <a:schemeClr val="accent1"/>
+            </a:effectRef>
+            <a:fontRef idx="minor">
+              <a:schemeClr val="lt1"/>
+            </a:fontRef>
+          </p:style>
+          <p:txBody>
+            <a:bodyPr rtlCol="0" anchor="ctr"/>
+            <a:lstStyle/>
+            <a:p>
+              <a:pPr algn="ctr"/>
+              <a:endParaRPr lang="zh-CN" altLang="en-US"/>
+            </a:p>
+          </p:txBody>
+        </p:sp>
+      </p:grpSp>
+      <p:grpSp>
+        <p:nvGrpSpPr>
+          <p:cNvPr id="23" name="Group 22"/>
+          <p:cNvGrpSpPr/>
+          <p:nvPr/>
+        </p:nvGrpSpPr>
+        <p:grpSpPr>
+          <a:xfrm>
+            <a:off x="2695630" y="4002492"/>
+            <a:ext cx="429886" cy="783025"/>
+            <a:chOff x="6892164" y="410198"/>
+            <a:chExt cx="152146" cy="345885"/>
+          </a:xfrm>
+        </p:grpSpPr>
+        <p:sp>
+          <p:nvSpPr>
+            <p:cNvPr id="24" name="Oval 23"/>
+            <p:cNvSpPr/>
+            <p:nvPr/>
+          </p:nvSpPr>
+          <p:spPr>
+            <a:xfrm>
+              <a:off x="6892164" y="410198"/>
+              <a:ext cx="152146" cy="188607"/>
+            </a:xfrm>
+            <a:prstGeom prst="ellipse">
+              <a:avLst/>
+            </a:prstGeom>
+          </p:spPr>
+          <p:style>
+            <a:lnRef idx="2">
+              <a:schemeClr val="accent1">
+                <a:shade val="50000"/>
+              </a:schemeClr>
+            </a:lnRef>
+            <a:fillRef idx="1">
+              <a:schemeClr val="accent1"/>
+            </a:fillRef>
+            <a:effectRef idx="0">
+              <a:schemeClr val="accent1"/>
+            </a:effectRef>
+            <a:fontRef idx="minor">
+              <a:schemeClr val="lt1"/>
+            </a:fontRef>
+          </p:style>
+          <p:txBody>
+            <a:bodyPr rtlCol="0" anchor="ctr"/>
+            <a:lstStyle/>
+            <a:p>
+              <a:pPr algn="ctr"/>
+              <a:endParaRPr lang="zh-CN" altLang="en-US"/>
+            </a:p>
+          </p:txBody>
+        </p:sp>
+        <p:sp>
+          <p:nvSpPr>
+            <p:cNvPr id="25" name="Isosceles Triangle 24"/>
+            <p:cNvSpPr/>
+            <p:nvPr/>
+          </p:nvSpPr>
+          <p:spPr>
+            <a:xfrm flipV="1">
+              <a:off x="6897719" y="586739"/>
+              <a:ext cx="141035" cy="169344"/>
+            </a:xfrm>
+            <a:prstGeom prst="triangle">
+              <a:avLst/>
+            </a:prstGeom>
+          </p:spPr>
+          <p:style>
+            <a:lnRef idx="2">
+              <a:schemeClr val="accent1">
+                <a:shade val="50000"/>
+              </a:schemeClr>
+            </a:lnRef>
+            <a:fillRef idx="1">
+              <a:schemeClr val="accent1"/>
+            </a:fillRef>
+            <a:effectRef idx="0">
+              <a:schemeClr val="accent1"/>
+            </a:effectRef>
+            <a:fontRef idx="minor">
+              <a:schemeClr val="lt1"/>
+            </a:fontRef>
+          </p:style>
+          <p:txBody>
+            <a:bodyPr rtlCol="0" anchor="ctr"/>
+            <a:lstStyle/>
+            <a:p>
+              <a:pPr algn="ctr"/>
+              <a:endParaRPr lang="zh-CN" altLang="en-US"/>
+            </a:p>
+          </p:txBody>
+        </p:sp>
+      </p:grpSp>
+      <p:grpSp>
+        <p:nvGrpSpPr>
+          <p:cNvPr id="26" name="Group 25"/>
+          <p:cNvGrpSpPr/>
+          <p:nvPr/>
+        </p:nvGrpSpPr>
+        <p:grpSpPr>
+          <a:xfrm>
+            <a:off x="7624121" y="2859975"/>
+            <a:ext cx="429886" cy="783025"/>
+            <a:chOff x="6892164" y="410198"/>
+            <a:chExt cx="152146" cy="345885"/>
+          </a:xfrm>
+        </p:grpSpPr>
+        <p:sp>
+          <p:nvSpPr>
+            <p:cNvPr id="27" name="Oval 26"/>
+            <p:cNvSpPr/>
+            <p:nvPr/>
+          </p:nvSpPr>
+          <p:spPr>
+            <a:xfrm>
+              <a:off x="6892164" y="410198"/>
+              <a:ext cx="152146" cy="188607"/>
+            </a:xfrm>
+            <a:prstGeom prst="ellipse">
+              <a:avLst/>
+            </a:prstGeom>
+          </p:spPr>
+          <p:style>
+            <a:lnRef idx="2">
+              <a:schemeClr val="accent1">
+                <a:shade val="50000"/>
+              </a:schemeClr>
+            </a:lnRef>
+            <a:fillRef idx="1">
+              <a:schemeClr val="accent1"/>
+            </a:fillRef>
+            <a:effectRef idx="0">
+              <a:schemeClr val="accent1"/>
+            </a:effectRef>
+            <a:fontRef idx="minor">
+              <a:schemeClr val="lt1"/>
+            </a:fontRef>
+          </p:style>
+          <p:txBody>
+            <a:bodyPr rtlCol="0" anchor="ctr"/>
+            <a:lstStyle/>
+            <a:p>
+              <a:pPr algn="ctr"/>
+              <a:endParaRPr lang="zh-CN" altLang="en-US"/>
+            </a:p>
+          </p:txBody>
+        </p:sp>
+        <p:sp>
+          <p:nvSpPr>
+            <p:cNvPr id="28" name="Isosceles Triangle 27"/>
+            <p:cNvSpPr/>
+            <p:nvPr/>
+          </p:nvSpPr>
+          <p:spPr>
+            <a:xfrm flipV="1">
+              <a:off x="6897719" y="586739"/>
+              <a:ext cx="141035" cy="169344"/>
+            </a:xfrm>
+            <a:prstGeom prst="triangle">
+              <a:avLst/>
+            </a:prstGeom>
+          </p:spPr>
+          <p:style>
+            <a:lnRef idx="2">
+              <a:schemeClr val="accent1">
+                <a:shade val="50000"/>
+              </a:schemeClr>
+            </a:lnRef>
+            <a:fillRef idx="1">
+              <a:schemeClr val="accent1"/>
+            </a:fillRef>
+            <a:effectRef idx="0">
+              <a:schemeClr val="accent1"/>
+            </a:effectRef>
+            <a:fontRef idx="minor">
+              <a:schemeClr val="lt1"/>
+            </a:fontRef>
+          </p:style>
+          <p:txBody>
+            <a:bodyPr rtlCol="0" anchor="ctr"/>
+            <a:lstStyle/>
+            <a:p>
+              <a:pPr algn="ctr"/>
+              <a:endParaRPr lang="zh-CN" altLang="en-US"/>
+            </a:p>
+          </p:txBody>
+        </p:sp>
+      </p:grpSp>
+      <p:sp>
+        <p:nvSpPr>
+          <p:cNvPr id="3" name="Cloud Callout 2"/>
+          <p:cNvSpPr/>
+          <p:nvPr/>
+        </p:nvSpPr>
+        <p:spPr>
+          <a:xfrm>
+            <a:off x="8973084" y="1681939"/>
+            <a:ext cx="1076770" cy="666572"/>
+          </a:xfrm>
+          <a:prstGeom prst="cloudCallout">
+            <a:avLst/>
+          </a:prstGeom>
+          <a:solidFill>
+            <a:schemeClr val="accent1">
+              <a:lumMod val="60000"/>
+              <a:lumOff val="40000"/>
+            </a:schemeClr>
+          </a:solidFill>
+        </p:spPr>
+        <p:style>
+          <a:lnRef idx="2">
+            <a:schemeClr val="accent1">
+              <a:shade val="50000"/>
+            </a:schemeClr>
+          </a:lnRef>
+          <a:fillRef idx="1">
+            <a:schemeClr val="accent1"/>
+          </a:fillRef>
+          <a:effectRef idx="0">
+            <a:schemeClr val="accent1"/>
+          </a:effectRef>
+          <a:fontRef idx="minor">
+            <a:schemeClr val="lt1"/>
+          </a:fontRef>
+        </p:style>
+        <p:txBody>
+          <a:bodyPr rtlCol="0" anchor="ctr"/>
+          <a:lstStyle/>
+          <a:p>
+            <a:pPr algn="ctr"/>
+            <a:r>
+              <a:rPr lang="zh-CN" altLang="en-US" sz="1200" dirty="0" smtClean="0"/>
+              <a:t>希望不要有火灾</a:t>
+            </a:r>
+            <a:endParaRPr lang="zh-CN" altLang="en-US" sz="1200" dirty="0"/>
+          </a:p>
+        </p:txBody>
+      </p:sp>
+      <p:sp>
+        <p:nvSpPr>
+          <p:cNvPr id="29" name="Cloud Callout 28"/>
+          <p:cNvSpPr/>
+          <p:nvPr/>
+        </p:nvSpPr>
+        <p:spPr>
+          <a:xfrm>
+            <a:off x="2711326" y="3449483"/>
+            <a:ext cx="1076770" cy="666572"/>
+          </a:xfrm>
+          <a:prstGeom prst="cloudCallout">
+            <a:avLst/>
+          </a:prstGeom>
+          <a:solidFill>
+            <a:schemeClr val="accent1">
+              <a:lumMod val="60000"/>
+              <a:lumOff val="40000"/>
+            </a:schemeClr>
+          </a:solidFill>
+        </p:spPr>
+        <p:style>
+          <a:lnRef idx="2">
+            <a:schemeClr val="accent1">
+              <a:shade val="50000"/>
+            </a:schemeClr>
+          </a:lnRef>
+          <a:fillRef idx="1">
+            <a:schemeClr val="accent1"/>
+          </a:fillRef>
+          <a:effectRef idx="0">
+            <a:schemeClr val="accent1"/>
+          </a:effectRef>
+          <a:fontRef idx="minor">
+            <a:schemeClr val="lt1"/>
+          </a:fontRef>
+        </p:style>
+        <p:txBody>
+          <a:bodyPr rtlCol="0" anchor="ctr"/>
+          <a:lstStyle/>
+          <a:p>
+            <a:pPr algn="ctr"/>
+            <a:r>
+              <a:rPr lang="zh-CN" altLang="en-US" sz="1200" dirty="0" smtClean="0"/>
+              <a:t>女友来电话了</a:t>
+            </a:r>
+            <a:endParaRPr lang="zh-CN" altLang="en-US" sz="1200" dirty="0"/>
+          </a:p>
+        </p:txBody>
+      </p:sp>
+      <p:sp>
+        <p:nvSpPr>
+          <p:cNvPr id="30" name="Cloud Callout 29"/>
+          <p:cNvSpPr/>
+          <p:nvPr/>
+        </p:nvSpPr>
+        <p:spPr>
+          <a:xfrm>
+            <a:off x="6423154" y="3286949"/>
+            <a:ext cx="1076770" cy="666572"/>
+          </a:xfrm>
+          <a:prstGeom prst="cloudCallout">
+            <a:avLst>
+              <a:gd name="adj1" fmla="val -6547"/>
+              <a:gd name="adj2" fmla="val 81731"/>
+            </a:avLst>
+          </a:prstGeom>
+          <a:solidFill>
+            <a:schemeClr val="accent1">
+              <a:lumMod val="60000"/>
+              <a:lumOff val="40000"/>
+            </a:schemeClr>
+          </a:solidFill>
+        </p:spPr>
+        <p:style>
+          <a:lnRef idx="2">
+            <a:schemeClr val="accent1">
+              <a:shade val="50000"/>
+            </a:schemeClr>
+          </a:lnRef>
+          <a:fillRef idx="1">
+            <a:schemeClr val="accent1"/>
+          </a:fillRef>
+          <a:effectRef idx="0">
+            <a:schemeClr val="accent1"/>
+          </a:effectRef>
+          <a:fontRef idx="minor">
+            <a:schemeClr val="lt1"/>
+          </a:fontRef>
+        </p:style>
+        <p:txBody>
+          <a:bodyPr rtlCol="0" anchor="ctr"/>
+          <a:lstStyle/>
+          <a:p>
+            <a:pPr algn="ctr"/>
+            <a:r>
+              <a:rPr lang="zh-CN" altLang="en-US" sz="1200" dirty="0" smtClean="0"/>
+              <a:t>妈妈给带了零食</a:t>
+            </a:r>
+            <a:endParaRPr lang="zh-CN" altLang="en-US" sz="1200" dirty="0"/>
+          </a:p>
+        </p:txBody>
+      </p:sp>
+      <p:sp>
+        <p:nvSpPr>
+          <p:cNvPr id="31" name="Flowchart: Process 30"/>
+          <p:cNvSpPr/>
+          <p:nvPr/>
+        </p:nvSpPr>
+        <p:spPr>
+          <a:xfrm>
+            <a:off x="9413478" y="4685593"/>
+            <a:ext cx="636376" cy="905854"/>
+          </a:xfrm>
+          <a:prstGeom prst="flowChartProcess">
+            <a:avLst/>
+          </a:prstGeom>
+          <a:noFill/>
+          <a:ln>
+            <a:solidFill>
+              <a:schemeClr val="bg1"/>
+            </a:solidFill>
+          </a:ln>
+        </p:spPr>
+        <p:style>
+          <a:lnRef idx="2">
+            <a:schemeClr val="accent1">
+              <a:shade val="50000"/>
+            </a:schemeClr>
+          </a:lnRef>
+          <a:fillRef idx="1">
+            <a:schemeClr val="accent1"/>
+          </a:fillRef>
+          <a:effectRef idx="0">
+            <a:schemeClr val="accent1"/>
+          </a:effectRef>
+          <a:fontRef idx="minor">
+            <a:schemeClr val="lt1"/>
+          </a:fontRef>
+        </p:style>
+        <p:txBody>
+          <a:bodyPr rtlCol="0" anchor="ctr"/>
+          <a:lstStyle/>
+          <a:p>
+            <a:pPr algn="ctr"/>
+            <a:r>
+              <a:rPr lang="zh-CN" altLang="en-US" dirty="0"/>
+              <a:t>英雄</a:t>
+            </a:r>
+            <a:r>
+              <a:rPr lang="zh-CN" altLang="en-US" dirty="0" smtClean="0"/>
+              <a:t>薄</a:t>
+            </a:r>
+            <a:endParaRPr lang="zh-CN" altLang="en-US" dirty="0"/>
+          </a:p>
+        </p:txBody>
+      </p:sp>
+      <p:sp>
+        <p:nvSpPr>
+          <p:cNvPr id="32" name="TextBox 31"/>
+          <p:cNvSpPr txBox="1"/>
+          <p:nvPr/>
+        </p:nvSpPr>
+        <p:spPr>
+          <a:xfrm>
+            <a:off x="10242114" y="1106409"/>
+            <a:ext cx="1690410" cy="2308324"/>
+          </a:xfrm>
+          <a:prstGeom prst="rect">
+            <a:avLst/>
+          </a:prstGeom>
+          <a:noFill/>
+        </p:spPr>
+        <p:txBody>
+          <a:bodyPr wrap="square" rtlCol="0">
+            <a:spAutoFit/>
+          </a:bodyPr>
+          <a:lstStyle/>
+          <a:p>
+            <a:r>
+              <a:rPr lang="en-US" altLang="zh-CN" sz="1200" dirty="0" smtClean="0">
+                <a:solidFill>
+                  <a:schemeClr val="bg1"/>
+                </a:solidFill>
+              </a:rPr>
+              <a:t>1.</a:t>
+            </a:r>
+            <a:r>
+              <a:rPr lang="zh-CN" altLang="en-US" sz="1200" dirty="0" smtClean="0">
+                <a:solidFill>
+                  <a:schemeClr val="bg1"/>
+                </a:solidFill>
+              </a:rPr>
+              <a:t>每个消防员都有自己的故事线</a:t>
+            </a:r>
+            <a:endParaRPr lang="en-US" altLang="zh-CN" sz="1200" dirty="0" smtClean="0">
+              <a:solidFill>
+                <a:schemeClr val="bg1"/>
+              </a:solidFill>
+            </a:endParaRPr>
+          </a:p>
+          <a:p>
+            <a:r>
+              <a:rPr lang="en-US" altLang="zh-CN" sz="1200" dirty="0" smtClean="0">
+                <a:solidFill>
+                  <a:schemeClr val="bg1"/>
+                </a:solidFill>
+              </a:rPr>
+              <a:t>2.</a:t>
+            </a:r>
+            <a:r>
+              <a:rPr lang="zh-CN" altLang="en-US" sz="1200" dirty="0" smtClean="0">
+                <a:solidFill>
+                  <a:schemeClr val="bg1"/>
+                </a:solidFill>
+              </a:rPr>
+              <a:t>消防员死亡则永久死亡</a:t>
+            </a:r>
+            <a:endParaRPr lang="en-US" altLang="zh-CN" sz="1200" dirty="0" smtClean="0">
+              <a:solidFill>
+                <a:schemeClr val="bg1"/>
+              </a:solidFill>
+            </a:endParaRPr>
+          </a:p>
+          <a:p>
+            <a:r>
+              <a:rPr lang="en-US" altLang="zh-CN" sz="1200" dirty="0" smtClean="0">
+                <a:solidFill>
+                  <a:schemeClr val="bg1"/>
+                </a:solidFill>
+              </a:rPr>
+              <a:t>3.</a:t>
+            </a:r>
+            <a:r>
+              <a:rPr lang="zh-CN" altLang="en-US" sz="1200" dirty="0" smtClean="0">
+                <a:solidFill>
+                  <a:schemeClr val="bg1"/>
+                </a:solidFill>
+              </a:rPr>
+              <a:t>屏幕出现警情时需立刻出发</a:t>
+            </a:r>
+            <a:endParaRPr lang="en-US" altLang="zh-CN" sz="1200" dirty="0" smtClean="0">
+              <a:solidFill>
+                <a:schemeClr val="bg1"/>
+              </a:solidFill>
+            </a:endParaRPr>
+          </a:p>
+          <a:p>
+            <a:r>
+              <a:rPr lang="en-US" altLang="zh-CN" sz="1200" dirty="0" smtClean="0">
+                <a:solidFill>
+                  <a:schemeClr val="bg1"/>
+                </a:solidFill>
+              </a:rPr>
+              <a:t>4.</a:t>
+            </a:r>
+            <a:r>
+              <a:rPr lang="zh-CN" altLang="en-US" sz="1200" dirty="0" smtClean="0">
+                <a:solidFill>
+                  <a:schemeClr val="bg1"/>
+                </a:solidFill>
+              </a:rPr>
+              <a:t>在休整时可与每个消防员对话</a:t>
+            </a:r>
+            <a:endParaRPr lang="en-US" altLang="zh-CN" sz="1200" dirty="0" smtClean="0">
+              <a:solidFill>
+                <a:schemeClr val="bg1"/>
+              </a:solidFill>
+            </a:endParaRPr>
+          </a:p>
+          <a:p>
+            <a:r>
+              <a:rPr lang="en-US" altLang="zh-CN" sz="1200" dirty="0" smtClean="0">
+                <a:solidFill>
+                  <a:schemeClr val="bg1"/>
+                </a:solidFill>
+              </a:rPr>
+              <a:t>5.</a:t>
+            </a:r>
+            <a:r>
+              <a:rPr lang="zh-CN" altLang="en-US" sz="1200" dirty="0" smtClean="0">
+                <a:solidFill>
+                  <a:schemeClr val="bg1"/>
+                </a:solidFill>
+              </a:rPr>
+              <a:t>可查看道具</a:t>
+            </a:r>
+            <a:endParaRPr lang="en-US" altLang="zh-CN" sz="1200" dirty="0" smtClean="0">
+              <a:solidFill>
+                <a:schemeClr val="bg1"/>
+              </a:solidFill>
+            </a:endParaRPr>
+          </a:p>
+          <a:p>
+            <a:r>
+              <a:rPr lang="en-US" altLang="zh-CN" sz="1200" dirty="0" smtClean="0">
+                <a:solidFill>
+                  <a:schemeClr val="bg1"/>
+                </a:solidFill>
+              </a:rPr>
+              <a:t>6.</a:t>
+            </a:r>
+            <a:r>
+              <a:rPr lang="zh-CN" altLang="en-US" sz="1200" dirty="0" smtClean="0">
+                <a:solidFill>
+                  <a:schemeClr val="bg1"/>
+                </a:solidFill>
+              </a:rPr>
+              <a:t>死亡的消防员会被记录在英雄薄上</a:t>
+            </a:r>
+            <a:endParaRPr lang="en-US" altLang="zh-CN" sz="1200" dirty="0" smtClean="0">
+              <a:solidFill>
+                <a:schemeClr val="bg1"/>
+              </a:solidFill>
+            </a:endParaRPr>
+          </a:p>
+          <a:p>
+            <a:r>
+              <a:rPr lang="en-US" altLang="zh-CN" sz="1200" dirty="0" smtClean="0">
+                <a:solidFill>
+                  <a:schemeClr val="bg1"/>
+                </a:solidFill>
+              </a:rPr>
+              <a:t>7.</a:t>
+            </a:r>
+            <a:r>
+              <a:rPr lang="zh-CN" altLang="en-US" sz="1200" dirty="0" smtClean="0">
+                <a:solidFill>
+                  <a:schemeClr val="bg1"/>
+                </a:solidFill>
+              </a:rPr>
+              <a:t>道具可升级</a:t>
+            </a:r>
+            <a:endParaRPr lang="zh-CN" altLang="en-US" sz="1200" dirty="0">
+              <a:solidFill>
+                <a:schemeClr val="bg1"/>
+              </a:solidFill>
+            </a:endParaRPr>
+          </a:p>
+        </p:txBody>
+      </p:sp>
+      <p:sp>
+        <p:nvSpPr>
+          <p:cNvPr id="33" name="Flowchart: Process 32"/>
+          <p:cNvSpPr/>
+          <p:nvPr/>
+        </p:nvSpPr>
+        <p:spPr>
+          <a:xfrm>
+            <a:off x="2027815" y="4685593"/>
+            <a:ext cx="636376" cy="905854"/>
+          </a:xfrm>
+          <a:prstGeom prst="flowChartProcess">
+            <a:avLst/>
+          </a:prstGeom>
+          <a:noFill/>
+          <a:ln>
+            <a:solidFill>
+              <a:schemeClr val="bg1"/>
+            </a:solidFill>
+          </a:ln>
+        </p:spPr>
+        <p:style>
+          <a:lnRef idx="2">
+            <a:schemeClr val="accent1">
+              <a:shade val="50000"/>
+            </a:schemeClr>
+          </a:lnRef>
+          <a:fillRef idx="1">
+            <a:schemeClr val="accent1"/>
+          </a:fillRef>
+          <a:effectRef idx="0">
+            <a:schemeClr val="accent1"/>
+          </a:effectRef>
+          <a:fontRef idx="minor">
+            <a:schemeClr val="lt1"/>
+          </a:fontRef>
+        </p:style>
+        <p:txBody>
+          <a:bodyPr rtlCol="0" anchor="ctr"/>
+          <a:lstStyle/>
+          <a:p>
+            <a:pPr algn="ctr"/>
+            <a:r>
+              <a:rPr lang="zh-CN" altLang="en-US" dirty="0" smtClean="0"/>
+              <a:t>道具</a:t>
+            </a:r>
+            <a:endParaRPr lang="zh-CN" altLang="en-US" dirty="0"/>
+          </a:p>
+        </p:txBody>
+      </p:sp>
+    </p:spTree>
+    <p:extLst>
+      <p:ext uri="{BB962C8B-B14F-4D97-AF65-F5344CB8AC3E}">
+        <p14:creationId xmlns:p14="http://schemas.microsoft.com/office/powerpoint/2010/main" val="3559050942"/>
+      </p:ext>
+    </p:extLst>
+  </p:cSld>
+  <p:clrMapOvr>
+    <a:masterClrMapping/>
+  </p:clrMapOvr>
+  <p:timing>
+    <p:tnLst>
+      <p:par>
+        <p:cTn id="1" dur="indefinite" restart="never" nodeType="tmRoot"/>
+      </p:par>
+    </p:tnLst>
+  </p:timing>
+</p:sld>
+</file>
+
+<file path=ppt/slides/slide6.xml><?xml version="1.0" encoding="utf-8"?>
+<p:sld xmlns:a="http://schemas.openxmlformats.org/drawingml/2006/main" xmlns:r="http://schemas.openxmlformats.org/officeDocument/2006/relationships" xmlns:p="http://schemas.openxmlformats.org/presentationml/2006/main">
+  <p:cSld>
+    <p:bg>
+      <p:bgPr>
+        <a:solidFill>
+          <a:srgbClr val="34495E"/>
+        </a:solidFill>
+        <a:effectLst/>
+      </p:bgPr>
+    </p:bg>
+    <p:spTree>
+      <p:nvGrpSpPr>
+        <p:cNvPr id="1" name=""/>
+        <p:cNvGrpSpPr/>
+        <p:nvPr/>
+      </p:nvGrpSpPr>
+      <p:grpSpPr>
+        <a:xfrm>
+          <a:off x="0" y="0"/>
+          <a:ext cx="0" cy="0"/>
+          <a:chOff x="0" y="0"/>
+          <a:chExt cx="0" cy="0"/>
+        </a:xfrm>
+      </p:grpSpPr>
+      <p:sp>
+        <p:nvSpPr>
+          <p:cNvPr id="4" name="等腰三角形 3"/>
+          <p:cNvSpPr/>
+          <p:nvPr/>
+        </p:nvSpPr>
+        <p:spPr>
+          <a:xfrm rot="10800000">
+            <a:off x="-14605" y="3810"/>
+            <a:ext cx="1564005" cy="1189990"/>
+          </a:xfrm>
+          <a:prstGeom prst="triangle">
+            <a:avLst/>
+          </a:prstGeom>
+          <a:solidFill>
+            <a:srgbClr val="E4C66E"/>
+          </a:solidFill>
+          <a:ln>
+            <a:noFill/>
+          </a:ln>
+        </p:spPr>
+        <p:style>
+          <a:lnRef idx="2">
+            <a:schemeClr val="accent1">
+              <a:shade val="50000"/>
+            </a:schemeClr>
+          </a:lnRef>
+          <a:fillRef idx="1">
+            <a:schemeClr val="accent1"/>
+          </a:fillRef>
+          <a:effectRef idx="0">
+            <a:schemeClr val="accent1"/>
+          </a:effectRef>
+          <a:fontRef idx="minor">
+            <a:schemeClr val="lt1"/>
+          </a:fontRef>
+        </p:style>
+        <p:txBody>
+          <a:bodyPr rtlCol="0" anchor="ctr"/>
+          <a:lstStyle/>
+          <a:p>
+            <a:pPr algn="ctr"/>
+            <a:endParaRPr lang="zh-CN" altLang="en-US">
+              <a:solidFill>
+                <a:prstClr val="white"/>
+              </a:solidFill>
+            </a:endParaRPr>
+          </a:p>
+        </p:txBody>
+      </p:sp>
+      <p:sp>
+        <p:nvSpPr>
+          <p:cNvPr id="5" name="等腰三角形 4"/>
+          <p:cNvSpPr/>
+          <p:nvPr/>
+        </p:nvSpPr>
+        <p:spPr>
+          <a:xfrm>
+            <a:off x="-14605" y="5676265"/>
+            <a:ext cx="1564005" cy="1189990"/>
+          </a:xfrm>
+          <a:prstGeom prst="triangle">
+            <a:avLst/>
+          </a:prstGeom>
+          <a:solidFill>
+            <a:srgbClr val="E4C66E"/>
+          </a:solidFill>
+          <a:ln>
+            <a:noFill/>
+          </a:ln>
+        </p:spPr>
+        <p:style>
+          <a:lnRef idx="2">
+            <a:schemeClr val="accent1">
+              <a:shade val="50000"/>
+            </a:schemeClr>
+          </a:lnRef>
+          <a:fillRef idx="1">
+            <a:schemeClr val="accent1"/>
+          </a:fillRef>
+          <a:effectRef idx="0">
+            <a:schemeClr val="accent1"/>
+          </a:effectRef>
+          <a:fontRef idx="minor">
+            <a:schemeClr val="lt1"/>
+          </a:fontRef>
+        </p:style>
+        <p:txBody>
+          <a:bodyPr rtlCol="0" anchor="ctr"/>
+          <a:lstStyle/>
+          <a:p>
+            <a:pPr algn="ctr"/>
+            <a:endParaRPr lang="zh-CN" altLang="en-US">
+              <a:solidFill>
+                <a:prstClr val="white"/>
+              </a:solidFill>
+            </a:endParaRPr>
+          </a:p>
+        </p:txBody>
+      </p:sp>
+      <p:sp>
+        <p:nvSpPr>
+          <p:cNvPr id="7" name="文本框 6"/>
+          <p:cNvSpPr txBox="1"/>
+          <p:nvPr/>
+        </p:nvSpPr>
+        <p:spPr>
+          <a:xfrm>
+            <a:off x="359727" y="2619425"/>
+            <a:ext cx="815340" cy="1631216"/>
+          </a:xfrm>
+          <a:prstGeom prst="rect">
+            <a:avLst/>
+          </a:prstGeom>
+          <a:noFill/>
+        </p:spPr>
+        <p:txBody>
+          <a:bodyPr wrap="square" rtlCol="0">
+            <a:spAutoFit/>
+          </a:bodyPr>
+          <a:lstStyle/>
+          <a:p>
+            <a:r>
+              <a:rPr lang="zh-CN" altLang="en-US" sz="5000" dirty="0" smtClean="0">
+                <a:solidFill>
+                  <a:prstClr val="white"/>
+                </a:solidFill>
+              </a:rPr>
+              <a:t>对话</a:t>
+            </a:r>
+            <a:endParaRPr lang="zh-CN" altLang="en-US" sz="5000" dirty="0">
+              <a:solidFill>
+                <a:prstClr val="white"/>
+              </a:solidFill>
+            </a:endParaRPr>
+          </a:p>
+        </p:txBody>
+      </p:sp>
+      <p:sp>
+        <p:nvSpPr>
+          <p:cNvPr id="6" name="Rectangle 5"/>
+          <p:cNvSpPr/>
+          <p:nvPr/>
+        </p:nvSpPr>
+        <p:spPr>
+          <a:xfrm>
+            <a:off x="1905713" y="1082706"/>
+            <a:ext cx="8212508" cy="4702798"/>
+          </a:xfrm>
+          <a:prstGeom prst="rect">
+            <a:avLst/>
+          </a:prstGeom>
+          <a:noFill/>
+          <a:ln>
+            <a:solidFill>
+              <a:schemeClr val="bg1"/>
+            </a:solidFill>
+          </a:ln>
+        </p:spPr>
+        <p:style>
+          <a:lnRef idx="2">
+            <a:schemeClr val="accent1">
+              <a:shade val="50000"/>
+            </a:schemeClr>
+          </a:lnRef>
+          <a:fillRef idx="1">
+            <a:schemeClr val="accent1"/>
+          </a:fillRef>
+          <a:effectRef idx="0">
+            <a:schemeClr val="accent1"/>
+          </a:effectRef>
+          <a:fontRef idx="minor">
+            <a:schemeClr val="lt1"/>
+          </a:fontRef>
+        </p:style>
+        <p:txBody>
+          <a:bodyPr rtlCol="0" anchor="ctr"/>
+          <a:lstStyle/>
+          <a:p>
+            <a:pPr algn="ctr"/>
+            <a:endParaRPr lang="zh-CN" altLang="en-US"/>
+          </a:p>
+        </p:txBody>
+      </p:sp>
+      <p:grpSp>
+        <p:nvGrpSpPr>
+          <p:cNvPr id="8" name="Group 7"/>
+          <p:cNvGrpSpPr/>
+          <p:nvPr/>
+        </p:nvGrpSpPr>
+        <p:grpSpPr>
+          <a:xfrm>
+            <a:off x="2895582" y="2146157"/>
+            <a:ext cx="1428590" cy="2673671"/>
+            <a:chOff x="6892164" y="410198"/>
+            <a:chExt cx="152146" cy="345885"/>
+          </a:xfrm>
+        </p:grpSpPr>
+        <p:sp>
+          <p:nvSpPr>
+            <p:cNvPr id="9" name="Oval 8"/>
+            <p:cNvSpPr/>
+            <p:nvPr/>
+          </p:nvSpPr>
+          <p:spPr>
+            <a:xfrm>
+              <a:off x="6892164" y="410198"/>
+              <a:ext cx="152146" cy="188607"/>
+            </a:xfrm>
+            <a:prstGeom prst="ellipse">
+              <a:avLst/>
+            </a:prstGeom>
+          </p:spPr>
+          <p:style>
+            <a:lnRef idx="2">
+              <a:schemeClr val="accent1">
+                <a:shade val="50000"/>
+              </a:schemeClr>
+            </a:lnRef>
+            <a:fillRef idx="1">
+              <a:schemeClr val="accent1"/>
+            </a:fillRef>
+            <a:effectRef idx="0">
+              <a:schemeClr val="accent1"/>
+            </a:effectRef>
+            <a:fontRef idx="minor">
+              <a:schemeClr val="lt1"/>
+            </a:fontRef>
+          </p:style>
+          <p:txBody>
+            <a:bodyPr rtlCol="0" anchor="ctr"/>
+            <a:lstStyle/>
+            <a:p>
+              <a:pPr algn="ctr"/>
+              <a:endParaRPr lang="zh-CN" altLang="en-US"/>
+            </a:p>
+          </p:txBody>
+        </p:sp>
+        <p:sp>
+          <p:nvSpPr>
+            <p:cNvPr id="10" name="Isosceles Triangle 9"/>
+            <p:cNvSpPr/>
+            <p:nvPr/>
+          </p:nvSpPr>
+          <p:spPr>
+            <a:xfrm flipV="1">
+              <a:off x="6897719" y="586739"/>
+              <a:ext cx="141035" cy="169344"/>
+            </a:xfrm>
+            <a:prstGeom prst="triangle">
+              <a:avLst/>
+            </a:prstGeom>
+          </p:spPr>
+          <p:style>
+            <a:lnRef idx="2">
+              <a:schemeClr val="accent1">
+                <a:shade val="50000"/>
+              </a:schemeClr>
+            </a:lnRef>
+            <a:fillRef idx="1">
+              <a:schemeClr val="accent1"/>
+            </a:fillRef>
+            <a:effectRef idx="0">
+              <a:schemeClr val="accent1"/>
+            </a:effectRef>
+            <a:fontRef idx="minor">
+              <a:schemeClr val="lt1"/>
+            </a:fontRef>
+          </p:style>
+          <p:txBody>
+            <a:bodyPr rtlCol="0" anchor="ctr"/>
+            <a:lstStyle/>
+            <a:p>
+              <a:pPr algn="ctr"/>
+              <a:endParaRPr lang="zh-CN" altLang="en-US"/>
+            </a:p>
+          </p:txBody>
+        </p:sp>
+      </p:grpSp>
+      <p:sp>
+        <p:nvSpPr>
+          <p:cNvPr id="2" name="Rectangle 1"/>
+          <p:cNvSpPr/>
+          <p:nvPr/>
+        </p:nvSpPr>
+        <p:spPr>
+          <a:xfrm>
+            <a:off x="4512179" y="2327103"/>
+            <a:ext cx="4204531" cy="1276975"/>
+          </a:xfrm>
+          <a:prstGeom prst="rect">
+            <a:avLst/>
+          </a:prstGeom>
+        </p:spPr>
+        <p:style>
+          <a:lnRef idx="2">
+            <a:schemeClr val="accent1">
+              <a:shade val="50000"/>
+            </a:schemeClr>
+          </a:lnRef>
+          <a:fillRef idx="1">
+            <a:schemeClr val="accent1"/>
+          </a:fillRef>
+          <a:effectRef idx="0">
+            <a:schemeClr val="accent1"/>
+          </a:effectRef>
+          <a:fontRef idx="minor">
+            <a:schemeClr val="lt1"/>
+          </a:fontRef>
+        </p:style>
+        <p:txBody>
+          <a:bodyPr rtlCol="0" anchor="ctr"/>
+          <a:lstStyle/>
+          <a:p>
+            <a:pPr algn="ctr"/>
+            <a:r>
+              <a:rPr lang="zh-CN" altLang="en-US" dirty="0" smtClean="0"/>
+              <a:t>焦困在我面前活活被烧死，我没能救他，我真的十分难过，都是我的责任</a:t>
+            </a:r>
+            <a:endParaRPr lang="zh-CN" altLang="en-US" dirty="0"/>
+          </a:p>
+        </p:txBody>
+      </p:sp>
+      <p:sp>
+        <p:nvSpPr>
+          <p:cNvPr id="14" name="Rectangle 13"/>
+          <p:cNvSpPr/>
+          <p:nvPr/>
+        </p:nvSpPr>
+        <p:spPr>
+          <a:xfrm>
+            <a:off x="4512178" y="3807583"/>
+            <a:ext cx="4204531" cy="1260073"/>
+          </a:xfrm>
+          <a:prstGeom prst="rect">
+            <a:avLst/>
+          </a:prstGeom>
+          <a:noFill/>
+          <a:ln>
+            <a:solidFill>
+              <a:schemeClr val="bg1"/>
+            </a:solidFill>
+          </a:ln>
+        </p:spPr>
+        <p:style>
+          <a:lnRef idx="2">
+            <a:schemeClr val="accent1">
+              <a:shade val="50000"/>
+            </a:schemeClr>
+          </a:lnRef>
+          <a:fillRef idx="1">
+            <a:schemeClr val="accent1"/>
+          </a:fillRef>
+          <a:effectRef idx="0">
+            <a:schemeClr val="accent1"/>
+          </a:effectRef>
+          <a:fontRef idx="minor">
+            <a:schemeClr val="lt1"/>
+          </a:fontRef>
+        </p:style>
+        <p:txBody>
+          <a:bodyPr rtlCol="0" anchor="ctr"/>
+          <a:lstStyle/>
+          <a:p>
+            <a:pPr algn="ctr"/>
+            <a:endParaRPr lang="zh-CN" altLang="en-US" dirty="0"/>
+          </a:p>
+        </p:txBody>
+      </p:sp>
+      <p:sp>
+        <p:nvSpPr>
+          <p:cNvPr id="3" name="TextBox 2"/>
+          <p:cNvSpPr txBox="1"/>
+          <p:nvPr/>
+        </p:nvSpPr>
+        <p:spPr>
+          <a:xfrm>
+            <a:off x="4628316" y="3881308"/>
+            <a:ext cx="1823759" cy="369332"/>
+          </a:xfrm>
+          <a:prstGeom prst="rect">
+            <a:avLst/>
+          </a:prstGeom>
+          <a:noFill/>
+        </p:spPr>
+        <p:txBody>
+          <a:bodyPr wrap="square" rtlCol="0">
+            <a:spAutoFit/>
+          </a:bodyPr>
+          <a:lstStyle/>
+          <a:p>
+            <a:r>
+              <a:rPr lang="zh-CN" altLang="en-US" dirty="0" smtClean="0">
+                <a:solidFill>
+                  <a:schemeClr val="bg1"/>
+                </a:solidFill>
+              </a:rPr>
+              <a:t>那不是</a:t>
+            </a:r>
+            <a:r>
+              <a:rPr lang="zh-CN" altLang="en-US" dirty="0">
+                <a:solidFill>
+                  <a:schemeClr val="bg1"/>
+                </a:solidFill>
+              </a:rPr>
+              <a:t>你</a:t>
+            </a:r>
+            <a:r>
+              <a:rPr lang="zh-CN" altLang="en-US" dirty="0" smtClean="0">
+                <a:solidFill>
+                  <a:schemeClr val="bg1"/>
+                </a:solidFill>
+              </a:rPr>
+              <a:t>的责任</a:t>
+            </a:r>
+            <a:endParaRPr lang="zh-CN" altLang="en-US" dirty="0">
+              <a:solidFill>
+                <a:schemeClr val="bg1"/>
+              </a:solidFill>
+            </a:endParaRPr>
+          </a:p>
+        </p:txBody>
+      </p:sp>
+      <p:sp>
+        <p:nvSpPr>
+          <p:cNvPr id="15" name="TextBox 14"/>
+          <p:cNvSpPr txBox="1"/>
+          <p:nvPr/>
+        </p:nvSpPr>
+        <p:spPr>
+          <a:xfrm>
+            <a:off x="6878468" y="3881308"/>
+            <a:ext cx="1823759" cy="369332"/>
+          </a:xfrm>
+          <a:prstGeom prst="rect">
+            <a:avLst/>
+          </a:prstGeom>
+          <a:noFill/>
+        </p:spPr>
+        <p:txBody>
+          <a:bodyPr wrap="square" rtlCol="0">
+            <a:spAutoFit/>
+          </a:bodyPr>
+          <a:lstStyle/>
+          <a:p>
+            <a:r>
+              <a:rPr lang="zh-CN" altLang="en-US" dirty="0" smtClean="0">
+                <a:solidFill>
+                  <a:schemeClr val="bg1"/>
+                </a:solidFill>
+              </a:rPr>
+              <a:t>都怪你</a:t>
+            </a:r>
+            <a:endParaRPr lang="zh-CN" altLang="en-US" dirty="0">
+              <a:solidFill>
+                <a:schemeClr val="bg1"/>
+              </a:solidFill>
+            </a:endParaRPr>
+          </a:p>
+        </p:txBody>
+      </p:sp>
+      <p:sp>
+        <p:nvSpPr>
+          <p:cNvPr id="16" name="TextBox 15"/>
+          <p:cNvSpPr txBox="1"/>
+          <p:nvPr/>
+        </p:nvSpPr>
+        <p:spPr>
+          <a:xfrm>
+            <a:off x="4628316" y="4440858"/>
+            <a:ext cx="1823759" cy="369332"/>
+          </a:xfrm>
+          <a:prstGeom prst="rect">
+            <a:avLst/>
+          </a:prstGeom>
+          <a:noFill/>
+        </p:spPr>
+        <p:txBody>
+          <a:bodyPr wrap="square" rtlCol="0">
+            <a:spAutoFit/>
+          </a:bodyPr>
+          <a:lstStyle/>
+          <a:p>
+            <a:r>
+              <a:rPr lang="zh-CN" altLang="en-US" dirty="0" smtClean="0">
+                <a:solidFill>
+                  <a:schemeClr val="bg1"/>
+                </a:solidFill>
+              </a:rPr>
+              <a:t>忘了它吧</a:t>
+            </a:r>
+            <a:endParaRPr lang="zh-CN" altLang="en-US" dirty="0">
+              <a:solidFill>
+                <a:schemeClr val="bg1"/>
+              </a:solidFill>
+            </a:endParaRPr>
+          </a:p>
+        </p:txBody>
+      </p:sp>
+      <p:sp>
+        <p:nvSpPr>
+          <p:cNvPr id="17" name="TextBox 16"/>
+          <p:cNvSpPr txBox="1"/>
+          <p:nvPr/>
+        </p:nvSpPr>
+        <p:spPr>
+          <a:xfrm>
+            <a:off x="6878467" y="4440858"/>
+            <a:ext cx="1823759" cy="369332"/>
+          </a:xfrm>
+          <a:prstGeom prst="rect">
+            <a:avLst/>
+          </a:prstGeom>
+          <a:noFill/>
+        </p:spPr>
+        <p:txBody>
+          <a:bodyPr wrap="square" rtlCol="0">
+            <a:spAutoFit/>
+          </a:bodyPr>
+          <a:lstStyle/>
+          <a:p>
+            <a:r>
+              <a:rPr lang="zh-CN" altLang="en-US" dirty="0" smtClean="0">
+                <a:solidFill>
+                  <a:schemeClr val="bg1"/>
+                </a:solidFill>
+              </a:rPr>
+              <a:t>我知道了</a:t>
+            </a:r>
+            <a:endParaRPr lang="zh-CN" altLang="en-US" dirty="0">
+              <a:solidFill>
+                <a:schemeClr val="bg1"/>
+              </a:solidFill>
+            </a:endParaRPr>
+          </a:p>
+        </p:txBody>
+      </p:sp>
+    </p:spTree>
+    <p:extLst>
+      <p:ext uri="{BB962C8B-B14F-4D97-AF65-F5344CB8AC3E}">
+        <p14:creationId xmlns:p14="http://schemas.microsoft.com/office/powerpoint/2010/main" val="3578631448"/>
+      </p:ext>
+    </p:extLst>
+  </p:cSld>
+  <p:clrMapOvr>
+    <a:masterClrMapping/>
+  </p:clrMapOvr>
+  <p:timing>
+    <p:tnLst>
+      <p:par>
+        <p:cTn id="1" dur="indefinite" restart="never" nodeType="tmRoot"/>
+      </p:par>
+    </p:tnLst>
+  </p:timing>
 </p:sld>
 </file>
 
@@ -3395,6 +8865,8 @@
       </a:bgFillStyleLst>
     </a:fmtScheme>
   </a:themeElements>
+  <a:objectDefaults/>
+  <a:extraClrSchemeLst/>
   <a:extLst>
     <a:ext uri="{05A4C25C-085E-4340-85A3-A5531E510DB2}">
       <thm15:themeFamily xmlns:thm15="http://schemas.microsoft.com/office/thememl/2012/main" name="Office Theme" id="{62F939B6-93AF-4DB8-9C6B-D6C7DFDC589F}" vid="{4A3C46E8-61CC-4603-A589-7422A47A8E4A}"/>
